--- a/Proifling and Optimisation in Python Slides.pptx
+++ b/Proifling and Optimisation in Python Slides.pptx
@@ -400,7 +400,7 @@
           <a:p>
             <a:fld id="{88EB714B-C3CC-4216-88C1-02913905B1CF}" type="datetimeFigureOut">
               <a:rPr lang="en-GB" smtClean="0"/>
-              <a:t>24/04/2020</a:t>
+              <a:t>30/04/2020</a:t>
             </a:fld>
             <a:endParaRPr lang="en-GB"/>
           </a:p>
@@ -1865,7 +1865,7 @@
           <a:p>
             <a:fld id="{EB0080F8-EA1C-491D-963C-2C881B2F918F}" type="datetimeFigureOut">
               <a:rPr lang="en-GB" smtClean="0"/>
-              <a:t>24/04/2020</a:t>
+              <a:t>30/04/2020</a:t>
             </a:fld>
             <a:endParaRPr lang="en-GB"/>
           </a:p>
@@ -2015,7 +2015,7 @@
           <a:p>
             <a:fld id="{EB0080F8-EA1C-491D-963C-2C881B2F918F}" type="datetimeFigureOut">
               <a:rPr lang="en-GB" smtClean="0"/>
-              <a:t>24/04/2020</a:t>
+              <a:t>30/04/2020</a:t>
             </a:fld>
             <a:endParaRPr lang="en-GB"/>
           </a:p>
@@ -3548,7 +3548,7 @@
           <a:p>
             <a:fld id="{EB0080F8-EA1C-491D-963C-2C881B2F918F}" type="datetimeFigureOut">
               <a:rPr lang="en-GB" smtClean="0"/>
-              <a:t>24/04/2020</a:t>
+              <a:t>30/04/2020</a:t>
             </a:fld>
             <a:endParaRPr lang="en-GB"/>
           </a:p>
@@ -4294,7 +4294,7 @@
               <a:rPr lang="en-GB" dirty="0">
                 <a:hlinkClick r:id="rId5"/>
               </a:rPr>
-              <a:t>http://bit.ly/cmc_mathematical_optimisation</a:t>
+              <a:t>http://bit.ly/cmc_mathematical_optimisation2</a:t>
             </a:r>
             <a:endParaRPr lang="en-GB" dirty="0"/>
           </a:p>
@@ -4310,7 +4310,7 @@
               <a:rPr lang="en-GB" dirty="0">
                 <a:hlinkClick r:id="rId6"/>
               </a:rPr>
-              <a:t>http://bit.ly/cmc_caching</a:t>
+              <a:t>https://bit.ly/cmc_optimisation_caching</a:t>
             </a:r>
             <a:endParaRPr lang="en-GB" dirty="0"/>
           </a:p>

--- a/Proifling and Optimisation in Python Slides.pptx
+++ b/Proifling and Optimisation in Python Slides.pptx
@@ -5,18 +5,17 @@
     <p:sldMasterId id="2147483648" r:id="rId1"/>
   </p:sldMasterIdLst>
   <p:notesMasterIdLst>
-    <p:notesMasterId r:id="rId8"/>
+    <p:notesMasterId r:id="rId7"/>
   </p:notesMasterIdLst>
   <p:handoutMasterIdLst>
-    <p:handoutMasterId r:id="rId9"/>
+    <p:handoutMasterId r:id="rId8"/>
   </p:handoutMasterIdLst>
   <p:sldIdLst>
     <p:sldId id="264" r:id="rId2"/>
     <p:sldId id="267" r:id="rId3"/>
     <p:sldId id="281" r:id="rId4"/>
-    <p:sldId id="282" r:id="rId5"/>
-    <p:sldId id="284" r:id="rId6"/>
-    <p:sldId id="280" r:id="rId7"/>
+    <p:sldId id="284" r:id="rId5"/>
+    <p:sldId id="280" r:id="rId6"/>
   </p:sldIdLst>
   <p:sldSz cx="9144000" cy="6858000" type="screen4x3"/>
   <p:notesSz cx="7099300" cy="10234613"/>
@@ -123,7 +122,6 @@
             <p14:sldId id="264"/>
             <p14:sldId id="267"/>
             <p14:sldId id="281"/>
-            <p14:sldId id="282"/>
             <p14:sldId id="284"/>
             <p14:sldId id="280"/>
           </p14:sldIdLst>
@@ -400,7 +398,7 @@
           <a:p>
             <a:fld id="{88EB714B-C3CC-4216-88C1-02913905B1CF}" type="datetimeFigureOut">
               <a:rPr lang="en-GB" smtClean="0"/>
-              <a:t>30/04/2020</a:t>
+              <a:t>01/06/2020</a:t>
             </a:fld>
             <a:endParaRPr lang="en-GB"/>
           </a:p>
@@ -1161,7 +1159,7 @@
     </p:spTree>
     <p:extLst>
       <p:ext uri="{BB962C8B-B14F-4D97-AF65-F5344CB8AC3E}">
-        <p14:creationId xmlns:p14="http://schemas.microsoft.com/office/powerpoint/2010/main" val="109722691"/>
+        <p14:creationId xmlns:p14="http://schemas.microsoft.com/office/powerpoint/2010/main" val="1492413823"/>
       </p:ext>
     </p:extLst>
   </p:cSld>
@@ -1190,90 +1188,6 @@
       </p:grpSpPr>
       <p:sp>
         <p:nvSpPr>
-          <p:cNvPr id="2" name="Slide Image Placeholder 1"/>
-          <p:cNvSpPr>
-            <a:spLocks noGrp="1" noRot="1" noChangeAspect="1"/>
-          </p:cNvSpPr>
-          <p:nvPr>
-            <p:ph type="sldImg"/>
-          </p:nvPr>
-        </p:nvSpPr>
-        <p:spPr/>
-      </p:sp>
-      <p:sp>
-        <p:nvSpPr>
-          <p:cNvPr id="3" name="Notes Placeholder 2"/>
-          <p:cNvSpPr>
-            <a:spLocks noGrp="1"/>
-          </p:cNvSpPr>
-          <p:nvPr>
-            <p:ph type="body" idx="1"/>
-          </p:nvPr>
-        </p:nvSpPr>
-        <p:spPr/>
-        <p:txBody>
-          <a:bodyPr/>
-          <a:lstStyle/>
-          <a:p>
-            <a:endParaRPr lang="en-GB" dirty="0"/>
-          </a:p>
-        </p:txBody>
-      </p:sp>
-      <p:sp>
-        <p:nvSpPr>
-          <p:cNvPr id="4" name="Slide Number Placeholder 3"/>
-          <p:cNvSpPr>
-            <a:spLocks noGrp="1"/>
-          </p:cNvSpPr>
-          <p:nvPr>
-            <p:ph type="sldNum" sz="quarter" idx="10"/>
-          </p:nvPr>
-        </p:nvSpPr>
-        <p:spPr/>
-        <p:txBody>
-          <a:bodyPr/>
-          <a:lstStyle/>
-          <a:p>
-            <a:fld id="{6A641EC8-C9F8-4A58-A1A7-F7D817526EEC}" type="slidenum">
-              <a:rPr lang="en-GB" smtClean="0"/>
-              <a:t>5</a:t>
-            </a:fld>
-            <a:endParaRPr lang="en-GB"/>
-          </a:p>
-        </p:txBody>
-      </p:sp>
-    </p:spTree>
-    <p:extLst>
-      <p:ext uri="{BB962C8B-B14F-4D97-AF65-F5344CB8AC3E}">
-        <p14:creationId xmlns:p14="http://schemas.microsoft.com/office/powerpoint/2010/main" val="1492413823"/>
-      </p:ext>
-    </p:extLst>
-  </p:cSld>
-  <p:clrMapOvr>
-    <a:masterClrMapping/>
-  </p:clrMapOvr>
-</p:notes>
-</file>
-
-<file path=ppt/notesSlides/notesSlide6.xml><?xml version="1.0" encoding="utf-8"?>
-<p:notes xmlns:a="http://schemas.openxmlformats.org/drawingml/2006/main" xmlns:r="http://schemas.openxmlformats.org/officeDocument/2006/relationships" xmlns:p="http://schemas.openxmlformats.org/presentationml/2006/main">
-  <p:cSld>
-    <p:spTree>
-      <p:nvGrpSpPr>
-        <p:cNvPr id="1" name=""/>
-        <p:cNvGrpSpPr/>
-        <p:nvPr/>
-      </p:nvGrpSpPr>
-      <p:grpSpPr>
-        <a:xfrm>
-          <a:off x="0" y="0"/>
-          <a:ext cx="0" cy="0"/>
-          <a:chOff x="0" y="0"/>
-          <a:chExt cx="0" cy="0"/>
-        </a:xfrm>
-      </p:grpSpPr>
-      <p:sp>
-        <p:nvSpPr>
           <p:cNvPr id="108546" name="Rectangle 7"/>
           <p:cNvSpPr>
             <a:spLocks noGrp="1" noChangeArrowheads="1"/>
@@ -1432,7 +1346,7 @@
                   <a:spcPct val="0"/>
                 </a:spcBef>
               </a:pPr>
-              <a:t>6</a:t>
+              <a:t>5</a:t>
             </a:fld>
             <a:endParaRPr lang="en-US" altLang="en-US"/>
           </a:p>
@@ -1865,7 +1779,7 @@
           <a:p>
             <a:fld id="{EB0080F8-EA1C-491D-963C-2C881B2F918F}" type="datetimeFigureOut">
               <a:rPr lang="en-GB" smtClean="0"/>
-              <a:t>30/04/2020</a:t>
+              <a:t>01/06/2020</a:t>
             </a:fld>
             <a:endParaRPr lang="en-GB"/>
           </a:p>
@@ -2015,7 +1929,7 @@
           <a:p>
             <a:fld id="{EB0080F8-EA1C-491D-963C-2C881B2F918F}" type="datetimeFigureOut">
               <a:rPr lang="en-GB" smtClean="0"/>
-              <a:t>30/04/2020</a:t>
+              <a:t>01/06/2020</a:t>
             </a:fld>
             <a:endParaRPr lang="en-GB"/>
           </a:p>
@@ -3548,7 +3462,7 @@
           <a:p>
             <a:fld id="{EB0080F8-EA1C-491D-963C-2C881B2F918F}" type="datetimeFigureOut">
               <a:rPr lang="en-GB" smtClean="0"/>
-              <a:t>30/04/2020</a:t>
+              <a:t>01/06/2020</a:t>
             </a:fld>
             <a:endParaRPr lang="en-GB"/>
           </a:p>
@@ -4252,67 +4166,84 @@
           <a:lstStyle/>
           <a:p>
             <a:r>
-              <a:rPr lang="en-GB" sz="2800" dirty="0"/>
-              <a:t>Profiling</a:t>
-            </a:r>
-          </a:p>
-          <a:p>
-            <a:pPr lvl="1"/>
-            <a:r>
-              <a:rPr lang="en-GB" dirty="0">
+              <a:rPr lang="en-GB" sz="2800" dirty="0">
                 <a:hlinkClick r:id="rId3"/>
               </a:rPr>
-              <a:t>http://bit.ly/cmc_profiling</a:t>
-            </a:r>
-            <a:endParaRPr lang="en-GB" dirty="0"/>
-          </a:p>
-          <a:p>
-            <a:r>
-              <a:rPr lang="en-GB" sz="2800" dirty="0"/>
-              <a:t>Algorithm Choice</a:t>
-            </a:r>
-          </a:p>
-          <a:p>
-            <a:pPr lvl="1"/>
-            <a:r>
-              <a:rPr lang="en-GB" dirty="0">
+              <a:t>Profiling</a:t>
+            </a:r>
+            <a:endParaRPr lang="en-GB" sz="2800" dirty="0"/>
+          </a:p>
+          <a:p>
+            <a:r>
+              <a:rPr lang="en-GB" sz="2800" dirty="0">
                 <a:hlinkClick r:id="rId4"/>
               </a:rPr>
-              <a:t>http://bit.ly/cmc_algorithm_choice</a:t>
-            </a:r>
-            <a:endParaRPr lang="en-GB" dirty="0"/>
-          </a:p>
-          <a:p>
-            <a:r>
-              <a:rPr lang="en-GB" sz="2800" dirty="0"/>
-              <a:t>Mathematical Optimisation</a:t>
-            </a:r>
-          </a:p>
-          <a:p>
-            <a:pPr lvl="1"/>
-            <a:r>
-              <a:rPr lang="en-GB" dirty="0">
+              <a:t>Algorithm Choice</a:t>
+            </a:r>
+            <a:endParaRPr lang="en-GB" sz="2800" dirty="0"/>
+          </a:p>
+          <a:p>
+            <a:r>
+              <a:rPr lang="en-GB" sz="2800" dirty="0">
                 <a:hlinkClick r:id="rId5"/>
               </a:rPr>
-              <a:t>http://bit.ly/cmc_mathematical_optimisation2</a:t>
-            </a:r>
-            <a:endParaRPr lang="en-GB" dirty="0"/>
-          </a:p>
-          <a:p>
-            <a:r>
-              <a:rPr lang="en-GB" sz="2800" dirty="0"/>
-              <a:t>Caching</a:t>
-            </a:r>
-          </a:p>
-          <a:p>
-            <a:pPr lvl="1"/>
-            <a:r>
-              <a:rPr lang="en-GB" dirty="0">
+              <a:t>Mathematical Optimisation</a:t>
+            </a:r>
+            <a:endParaRPr lang="en-GB" sz="2800" dirty="0"/>
+          </a:p>
+          <a:p>
+            <a:r>
+              <a:rPr lang="en-GB" sz="2800" dirty="0">
                 <a:hlinkClick r:id="rId6"/>
               </a:rPr>
-              <a:t>https://bit.ly/cmc_optimisation_caching</a:t>
-            </a:r>
-            <a:endParaRPr lang="en-GB" dirty="0"/>
+              <a:t>Caching</a:t>
+            </a:r>
+            <a:endParaRPr lang="en-GB" sz="2800" dirty="0"/>
+          </a:p>
+          <a:p>
+            <a:r>
+              <a:rPr lang="en-GB" sz="2800" dirty="0">
+                <a:hlinkClick r:id="rId7"/>
+              </a:rPr>
+              <a:t>Optimising Loops</a:t>
+            </a:r>
+            <a:endParaRPr lang="en-GB" sz="2800" dirty="0"/>
+          </a:p>
+          <a:p>
+            <a:r>
+              <a:rPr lang="en-GB" sz="2800" dirty="0">
+                <a:hlinkClick r:id="rId8"/>
+              </a:rPr>
+              <a:t>NumPy</a:t>
+            </a:r>
+            <a:endParaRPr lang="en-GB" sz="2800" dirty="0"/>
+          </a:p>
+          <a:p>
+            <a:r>
+              <a:rPr lang="en-GB" sz="2800" dirty="0">
+                <a:hlinkClick r:id="rId9"/>
+              </a:rPr>
+              <a:t>Parallelism</a:t>
+            </a:r>
+            <a:endParaRPr lang="en-GB" sz="2800" dirty="0"/>
+          </a:p>
+          <a:p>
+            <a:r>
+              <a:rPr lang="en-GB" sz="2800" dirty="0">
+                <a:hlinkClick r:id="rId10"/>
+              </a:rPr>
+              <a:t>Exercise</a:t>
+            </a:r>
+            <a:endParaRPr lang="en-GB" sz="2800" dirty="0"/>
+          </a:p>
+          <a:p>
+            <a:r>
+              <a:rPr lang="en-GB" sz="2800" dirty="0">
+                <a:hlinkClick r:id="rId11"/>
+              </a:rPr>
+              <a:t>Conclusion</a:t>
+            </a:r>
+            <a:endParaRPr lang="en-GB" sz="2800" dirty="0"/>
           </a:p>
         </p:txBody>
       </p:sp>
@@ -4371,169 +4302,6 @@
           <a:p>
             <a:r>
               <a:rPr lang="en-GB" sz="4000" dirty="0"/>
-              <a:t>Notebook Links</a:t>
-            </a:r>
-          </a:p>
-        </p:txBody>
-      </p:sp>
-      <p:sp>
-        <p:nvSpPr>
-          <p:cNvPr id="3" name="Content Placeholder 2"/>
-          <p:cNvSpPr>
-            <a:spLocks noGrp="1"/>
-          </p:cNvSpPr>
-          <p:nvPr>
-            <p:ph idx="1"/>
-          </p:nvPr>
-        </p:nvSpPr>
-        <p:spPr>
-          <a:xfrm>
-            <a:off x="457200" y="1600200"/>
-            <a:ext cx="8435280" cy="4876800"/>
-          </a:xfrm>
-        </p:spPr>
-        <p:txBody>
-          <a:bodyPr>
-            <a:normAutofit/>
-          </a:bodyPr>
-          <a:lstStyle/>
-          <a:p>
-            <a:r>
-              <a:rPr lang="en-GB" sz="2400" dirty="0"/>
-              <a:t>Optimising Loops</a:t>
-            </a:r>
-          </a:p>
-          <a:p>
-            <a:pPr lvl="1"/>
-            <a:r>
-              <a:rPr lang="en-GB" sz="2400" dirty="0">
-                <a:hlinkClick r:id="rId3"/>
-              </a:rPr>
-              <a:t>http://bit.ly/cmc_optimsing_loops</a:t>
-            </a:r>
-            <a:endParaRPr lang="en-GB" sz="2400" dirty="0"/>
-          </a:p>
-          <a:p>
-            <a:r>
-              <a:rPr lang="en-GB" sz="2400" dirty="0"/>
-              <a:t>NumPy</a:t>
-            </a:r>
-          </a:p>
-          <a:p>
-            <a:pPr lvl="1"/>
-            <a:r>
-              <a:rPr lang="en-GB" sz="2400" dirty="0">
-                <a:hlinkClick r:id="rId4"/>
-              </a:rPr>
-              <a:t>http://bit.ly/cmc_optimisation_numpy</a:t>
-            </a:r>
-            <a:endParaRPr lang="en-GB" sz="2400" dirty="0"/>
-          </a:p>
-          <a:p>
-            <a:r>
-              <a:rPr lang="en-GB" sz="2400" dirty="0"/>
-              <a:t>Parallelism</a:t>
-            </a:r>
-          </a:p>
-          <a:p>
-            <a:pPr lvl="1"/>
-            <a:r>
-              <a:rPr lang="en-GB" sz="2400" dirty="0">
-                <a:hlinkClick r:id="rId5"/>
-              </a:rPr>
-              <a:t>http://bit.ly/cmc_optimisation_parallelism</a:t>
-            </a:r>
-            <a:endParaRPr lang="en-GB" sz="2400" dirty="0"/>
-          </a:p>
-          <a:p>
-            <a:r>
-              <a:rPr lang="en-GB" sz="2400" dirty="0"/>
-              <a:t>Exercise</a:t>
-            </a:r>
-          </a:p>
-          <a:p>
-            <a:pPr lvl="1"/>
-            <a:r>
-              <a:rPr lang="en-GB" sz="2400" dirty="0">
-                <a:hlinkClick r:id="rId6"/>
-              </a:rPr>
-              <a:t>http://bit.ly/cmc_optimisation_exercise</a:t>
-            </a:r>
-            <a:endParaRPr lang="en-GB" sz="2400" dirty="0"/>
-          </a:p>
-          <a:p>
-            <a:r>
-              <a:rPr lang="en-GB" sz="2400" dirty="0"/>
-              <a:t>Conclusion</a:t>
-            </a:r>
-          </a:p>
-          <a:p>
-            <a:pPr lvl="1"/>
-            <a:r>
-              <a:rPr lang="en-GB" sz="2400" dirty="0">
-                <a:hlinkClick r:id="rId7"/>
-              </a:rPr>
-              <a:t>https://bit.ly/cmc_optimisation_conclusion</a:t>
-            </a:r>
-            <a:endParaRPr lang="en-GB" sz="2400" dirty="0"/>
-          </a:p>
-        </p:txBody>
-      </p:sp>
-    </p:spTree>
-    <p:extLst>
-      <p:ext uri="{BB962C8B-B14F-4D97-AF65-F5344CB8AC3E}">
-        <p14:creationId xmlns:p14="http://schemas.microsoft.com/office/powerpoint/2010/main" val="3243223044"/>
-      </p:ext>
-    </p:extLst>
-  </p:cSld>
-  <p:clrMapOvr>
-    <a:masterClrMapping/>
-  </p:clrMapOvr>
-  <mc:AlternateContent xmlns:mc="http://schemas.openxmlformats.org/markup-compatibility/2006" xmlns:p14="http://schemas.microsoft.com/office/powerpoint/2010/main">
-    <mc:Choice Requires="p14">
-      <p:transition p14:dur="10"/>
-    </mc:Choice>
-    <mc:Fallback xmlns="">
-      <p:transition/>
-    </mc:Fallback>
-  </mc:AlternateContent>
-</p:sld>
-</file>
-
-<file path=ppt/slides/slide5.xml><?xml version="1.0" encoding="utf-8"?>
-<p:sld xmlns:a="http://schemas.openxmlformats.org/drawingml/2006/main" xmlns:r="http://schemas.openxmlformats.org/officeDocument/2006/relationships" xmlns:p="http://schemas.openxmlformats.org/presentationml/2006/main">
-  <p:cSld>
-    <p:spTree>
-      <p:nvGrpSpPr>
-        <p:cNvPr id="1" name=""/>
-        <p:cNvGrpSpPr/>
-        <p:nvPr/>
-      </p:nvGrpSpPr>
-      <p:grpSpPr>
-        <a:xfrm>
-          <a:off x="0" y="0"/>
-          <a:ext cx="0" cy="0"/>
-          <a:chOff x="0" y="0"/>
-          <a:chExt cx="0" cy="0"/>
-        </a:xfrm>
-      </p:grpSpPr>
-      <p:sp>
-        <p:nvSpPr>
-          <p:cNvPr id="2" name="Title 1"/>
-          <p:cNvSpPr>
-            <a:spLocks noGrp="1"/>
-          </p:cNvSpPr>
-          <p:nvPr>
-            <p:ph type="title"/>
-          </p:nvPr>
-        </p:nvSpPr>
-        <p:spPr/>
-        <p:txBody>
-          <a:bodyPr/>
-          <a:lstStyle/>
-          <a:p>
-            <a:r>
-              <a:rPr lang="en-GB" sz="4000" dirty="0"/>
               <a:t>Feedback</a:t>
             </a:r>
           </a:p>
@@ -4620,7 +4388,7 @@
 </p:sld>
 </file>
 
-<file path=ppt/slides/slide6.xml><?xml version="1.0" encoding="utf-8"?>
+<file path=ppt/slides/slide5.xml><?xml version="1.0" encoding="utf-8"?>
 <p:sld xmlns:a="http://schemas.openxmlformats.org/drawingml/2006/main" xmlns:r="http://schemas.openxmlformats.org/officeDocument/2006/relationships" xmlns:p="http://schemas.openxmlformats.org/presentationml/2006/main">
   <p:cSld>
     <p:spTree>

--- a/Proifling and Optimisation in Python Slides.pptx
+++ b/Proifling and Optimisation in Python Slides.pptx
@@ -14,7 +14,7 @@
     <p:sldId id="264" r:id="rId2"/>
     <p:sldId id="267" r:id="rId3"/>
     <p:sldId id="281" r:id="rId4"/>
-    <p:sldId id="284" r:id="rId5"/>
+    <p:sldId id="329" r:id="rId5"/>
     <p:sldId id="280" r:id="rId6"/>
   </p:sldIdLst>
   <p:sldSz cx="9144000" cy="6858000" type="screen4x3"/>
@@ -122,7 +122,7 @@
             <p14:sldId id="264"/>
             <p14:sldId id="267"/>
             <p14:sldId id="281"/>
-            <p14:sldId id="284"/>
+            <p14:sldId id="329"/>
             <p14:sldId id="280"/>
           </p14:sldIdLst>
         </p14:section>
@@ -398,7 +398,7 @@
           <a:p>
             <a:fld id="{88EB714B-C3CC-4216-88C1-02913905B1CF}" type="datetimeFigureOut">
               <a:rPr lang="en-GB" smtClean="0"/>
-              <a:t>01/06/2020</a:t>
+              <a:t>27/10/2020</a:t>
             </a:fld>
             <a:endParaRPr lang="en-GB"/>
           </a:p>
@@ -1779,7 +1779,7 @@
           <a:p>
             <a:fld id="{EB0080F8-EA1C-491D-963C-2C881B2F918F}" type="datetimeFigureOut">
               <a:rPr lang="en-GB" smtClean="0"/>
-              <a:t>01/06/2020</a:t>
+              <a:t>27/10/2020</a:t>
             </a:fld>
             <a:endParaRPr lang="en-GB"/>
           </a:p>
@@ -1929,7 +1929,7 @@
           <a:p>
             <a:fld id="{EB0080F8-EA1C-491D-963C-2C881B2F918F}" type="datetimeFigureOut">
               <a:rPr lang="en-GB" smtClean="0"/>
-              <a:t>01/06/2020</a:t>
+              <a:t>27/10/2020</a:t>
             </a:fld>
             <a:endParaRPr lang="en-GB"/>
           </a:p>
@@ -3462,7 +3462,7 @@
           <a:p>
             <a:fld id="{EB0080F8-EA1C-491D-963C-2C881B2F918F}" type="datetimeFigureOut">
               <a:rPr lang="en-GB" smtClean="0"/>
-              <a:t>01/06/2020</a:t>
+              <a:t>27/10/2020</a:t>
             </a:fld>
             <a:endParaRPr lang="en-GB"/>
           </a:p>
@@ -4341,10 +4341,14 @@
               <a:t>The link is </a:t>
             </a:r>
             <a:r>
-              <a:rPr lang="en-GB" sz="2600" dirty="0">
+              <a:rPr lang="en-GB" sz="2600" b="0" i="0" u="sng" dirty="0">
+                <a:solidFill>
+                  <a:srgbClr val="954F72"/>
+                </a:solidFill>
+                <a:effectLst/>
                 <a:hlinkClick r:id="rId3"/>
               </a:rPr>
-              <a:t>http://bit.ly/computingdatascience1920</a:t>
+              <a:t>http://bit.ly/rcds2021</a:t>
             </a:r>
             <a:endParaRPr lang="en-GB" sz="2600" dirty="0"/>
           </a:p>

--- a/Proifling and Optimisation in Python Slides.pptx
+++ b/Proifling and Optimisation in Python Slides.pptx
@@ -5,17 +5,19 @@
     <p:sldMasterId id="2147483648" r:id="rId1"/>
   </p:sldMasterIdLst>
   <p:notesMasterIdLst>
-    <p:notesMasterId r:id="rId7"/>
+    <p:notesMasterId r:id="rId9"/>
   </p:notesMasterIdLst>
   <p:handoutMasterIdLst>
-    <p:handoutMasterId r:id="rId8"/>
+    <p:handoutMasterId r:id="rId10"/>
   </p:handoutMasterIdLst>
   <p:sldIdLst>
     <p:sldId id="264" r:id="rId2"/>
-    <p:sldId id="267" r:id="rId3"/>
-    <p:sldId id="281" r:id="rId4"/>
-    <p:sldId id="329" r:id="rId5"/>
-    <p:sldId id="280" r:id="rId6"/>
+    <p:sldId id="258" r:id="rId3"/>
+    <p:sldId id="257" r:id="rId4"/>
+    <p:sldId id="267" r:id="rId5"/>
+    <p:sldId id="281" r:id="rId6"/>
+    <p:sldId id="329" r:id="rId7"/>
+    <p:sldId id="280" r:id="rId8"/>
   </p:sldIdLst>
   <p:sldSz cx="9144000" cy="6858000" type="screen4x3"/>
   <p:notesSz cx="7099300" cy="10234613"/>
@@ -120,6 +122,8 @@
         <p14:section name="Introduction" id="{45EEEAF5-8C61-4410-A3AB-B2CD0B57ECF0}">
           <p14:sldIdLst>
             <p14:sldId id="264"/>
+            <p14:sldId id="258"/>
+            <p14:sldId id="257"/>
             <p14:sldId id="267"/>
             <p14:sldId id="281"/>
             <p14:sldId id="329"/>
@@ -398,7 +402,7 @@
           <a:p>
             <a:fld id="{88EB714B-C3CC-4216-88C1-02913905B1CF}" type="datetimeFigureOut">
               <a:rPr lang="en-GB" smtClean="0"/>
-              <a:t>27/10/2020</a:t>
+              <a:t>04/10/2021</a:t>
             </a:fld>
             <a:endParaRPr lang="en-GB"/>
           </a:p>
@@ -982,7 +986,7 @@
           <a:p>
             <a:fld id="{6A641EC8-C9F8-4A58-A1A7-F7D817526EEC}" type="slidenum">
               <a:rPr lang="en-GB" smtClean="0"/>
-              <a:t>2</a:t>
+              <a:t>4</a:t>
             </a:fld>
             <a:endParaRPr lang="en-GB"/>
           </a:p>
@@ -1066,7 +1070,7 @@
           <a:p>
             <a:fld id="{6A641EC8-C9F8-4A58-A1A7-F7D817526EEC}" type="slidenum">
               <a:rPr lang="en-GB" smtClean="0"/>
-              <a:t>3</a:t>
+              <a:t>5</a:t>
             </a:fld>
             <a:endParaRPr lang="en-GB"/>
           </a:p>
@@ -1150,7 +1154,7 @@
           <a:p>
             <a:fld id="{6A641EC8-C9F8-4A58-A1A7-F7D817526EEC}" type="slidenum">
               <a:rPr lang="en-GB" smtClean="0"/>
-              <a:t>4</a:t>
+              <a:t>6</a:t>
             </a:fld>
             <a:endParaRPr lang="en-GB"/>
           </a:p>
@@ -1346,7 +1350,7 @@
                   <a:spcPct val="0"/>
                 </a:spcBef>
               </a:pPr>
-              <a:t>5</a:t>
+              <a:t>7</a:t>
             </a:fld>
             <a:endParaRPr lang="en-US" altLang="en-US"/>
           </a:p>
@@ -1779,7 +1783,7 @@
           <a:p>
             <a:fld id="{EB0080F8-EA1C-491D-963C-2C881B2F918F}" type="datetimeFigureOut">
               <a:rPr lang="en-GB" smtClean="0"/>
-              <a:t>27/10/2020</a:t>
+              <a:t>04/10/2021</a:t>
             </a:fld>
             <a:endParaRPr lang="en-GB"/>
           </a:p>
@@ -1929,7 +1933,7 @@
           <a:p>
             <a:fld id="{EB0080F8-EA1C-491D-963C-2C881B2F918F}" type="datetimeFigureOut">
               <a:rPr lang="en-GB" smtClean="0"/>
-              <a:t>27/10/2020</a:t>
+              <a:t>04/10/2021</a:t>
             </a:fld>
             <a:endParaRPr lang="en-GB"/>
           </a:p>
@@ -3462,7 +3466,7 @@
           <a:p>
             <a:fld id="{EB0080F8-EA1C-491D-963C-2C881B2F918F}" type="datetimeFigureOut">
               <a:rPr lang="en-GB" smtClean="0"/>
-              <a:t>27/10/2020</a:t>
+              <a:t>04/10/2021</a:t>
             </a:fld>
             <a:endParaRPr lang="en-GB"/>
           </a:p>
@@ -3984,6 +3988,369 @@
       </p:grpSpPr>
       <p:sp>
         <p:nvSpPr>
+          <p:cNvPr id="4" name="Title 1"/>
+          <p:cNvSpPr txBox="1">
+            <a:spLocks/>
+          </p:cNvSpPr>
+          <p:nvPr/>
+        </p:nvSpPr>
+        <p:spPr>
+          <a:xfrm>
+            <a:off x="401320" y="472966"/>
+            <a:ext cx="5778764" cy="961696"/>
+          </a:xfrm>
+          <a:prstGeom prst="rect">
+            <a:avLst/>
+          </a:prstGeom>
+        </p:spPr>
+        <p:txBody>
+          <a:bodyPr anchor="b"/>
+          <a:lstStyle>
+            <a:lvl1pPr algn="l" defTabSz="457200" rtl="0" eaLnBrk="1" latinLnBrk="0" hangingPunct="1">
+              <a:lnSpc>
+                <a:spcPct val="90000"/>
+              </a:lnSpc>
+              <a:spcBef>
+                <a:spcPct val="0"/>
+              </a:spcBef>
+              <a:buNone/>
+              <a:defRPr sz="4000" b="1" i="0" kern="1200" baseline="0">
+                <a:solidFill>
+                  <a:schemeClr val="tx2"/>
+                </a:solidFill>
+                <a:latin typeface="+mj-lt"/>
+                <a:ea typeface="+mj-ea"/>
+                <a:cs typeface="MetaOT-Bold"/>
+              </a:defRPr>
+            </a:lvl1pPr>
+          </a:lstStyle>
+          <a:p>
+            <a:r>
+              <a:rPr lang="en-US" sz="3200" dirty="0">
+                <a:solidFill>
+                  <a:schemeClr val="accent3"/>
+                </a:solidFill>
+              </a:rPr>
+              <a:t>Expectations:  Covid-safe teaching environments</a:t>
+            </a:r>
+          </a:p>
+        </p:txBody>
+      </p:sp>
+      <p:sp>
+        <p:nvSpPr>
+          <p:cNvPr id="5" name="Subtitle 2"/>
+          <p:cNvSpPr>
+            <a:spLocks noGrp="1"/>
+          </p:cNvSpPr>
+          <p:nvPr>
+            <p:ph type="subTitle" idx="1"/>
+          </p:nvPr>
+        </p:nvSpPr>
+        <p:spPr>
+          <a:xfrm>
+            <a:off x="401320" y="1631731"/>
+            <a:ext cx="8490432" cy="4548352"/>
+          </a:xfrm>
+        </p:spPr>
+        <p:txBody>
+          <a:bodyPr lIns="91440" tIns="45720" rIns="91440" bIns="45720" anchor="t"/>
+          <a:lstStyle/>
+          <a:p>
+            <a:r>
+              <a:rPr lang="en-US" sz="2200" u="sng" dirty="0">
+                <a:ea typeface="+mj-lt"/>
+                <a:cs typeface="+mj-lt"/>
+              </a:rPr>
+              <a:t>Face coverings</a:t>
+            </a:r>
+          </a:p>
+          <a:p>
+            <a:pPr marL="457200" indent="-457200">
+              <a:buFont typeface="Arial" panose="020B0604020202020204" pitchFamily="34" charset="0"/>
+              <a:buChar char="•"/>
+            </a:pPr>
+            <a:r>
+              <a:rPr lang="en-GB" sz="2200" dirty="0">
+                <a:latin typeface="+mn-lt"/>
+                <a:ea typeface="Calibri" panose="020F0502020204030204" pitchFamily="34" charset="0"/>
+                <a:cs typeface="Times New Roman"/>
+              </a:rPr>
+              <a:t>You are expected to wear a face covering </a:t>
+            </a:r>
+            <a:endParaRPr lang="en-GB" sz="2200" dirty="0"/>
+          </a:p>
+          <a:p>
+            <a:pPr marL="457200" indent="-457200">
+              <a:buFont typeface="Arial" panose="020B0604020202020204" pitchFamily="34" charset="0"/>
+              <a:buChar char="•"/>
+            </a:pPr>
+            <a:r>
+              <a:rPr lang="en-US" sz="2200" dirty="0">
+                <a:ea typeface="+mj-lt"/>
+                <a:cs typeface="+mj-lt"/>
+              </a:rPr>
+              <a:t>Tutors will deliver their workshop 2 meters distance from </a:t>
+            </a:r>
+            <a:r>
+              <a:rPr lang="en-US" sz="2200">
+                <a:ea typeface="+mj-lt"/>
+                <a:cs typeface="+mj-lt"/>
+              </a:rPr>
+              <a:t>you </a:t>
+            </a:r>
+            <a:endParaRPr lang="en-US" sz="2200" dirty="0">
+              <a:ea typeface="+mj-lt"/>
+              <a:cs typeface="+mj-lt"/>
+            </a:endParaRPr>
+          </a:p>
+          <a:p>
+            <a:endParaRPr lang="en-US" sz="2200" u="sng" dirty="0">
+              <a:latin typeface="+mn-lt"/>
+              <a:ea typeface="+mj-lt"/>
+              <a:cs typeface="+mj-lt"/>
+            </a:endParaRPr>
+          </a:p>
+          <a:p>
+            <a:r>
+              <a:rPr lang="en-US" sz="2200" u="sng" dirty="0">
+                <a:latin typeface="+mn-lt"/>
+                <a:ea typeface="+mj-lt"/>
+                <a:cs typeface="+mj-lt"/>
+              </a:rPr>
+              <a:t>Hygiene</a:t>
+            </a:r>
+            <a:endParaRPr lang="en-GB" sz="2200" u="sng" dirty="0">
+              <a:latin typeface="+mn-lt"/>
+              <a:ea typeface="Calibri" panose="020F0502020204030204" pitchFamily="34" charset="0"/>
+              <a:cs typeface="Times New Roman"/>
+            </a:endParaRPr>
+          </a:p>
+          <a:p>
+            <a:pPr marL="457200" indent="-457200">
+              <a:buFont typeface="Arial" panose="020B0604020202020204" pitchFamily="34" charset="0"/>
+              <a:buChar char="•"/>
+            </a:pPr>
+            <a:r>
+              <a:rPr lang="en-US" sz="2200" dirty="0"/>
+              <a:t>Where hand </a:t>
+            </a:r>
+            <a:r>
+              <a:rPr lang="en-US" sz="2200" dirty="0" err="1"/>
+              <a:t>sanitiser</a:t>
+            </a:r>
+            <a:r>
+              <a:rPr lang="en-US" sz="2200" dirty="0"/>
+              <a:t> is available, please use it</a:t>
+            </a:r>
+          </a:p>
+          <a:p>
+            <a:pPr marL="457200" indent="-457200">
+              <a:buFont typeface="Arial" panose="020B0604020202020204" pitchFamily="34" charset="0"/>
+              <a:buChar char="•"/>
+            </a:pPr>
+            <a:r>
+              <a:rPr lang="en-US" sz="2200" dirty="0"/>
+              <a:t>Please wipe down any communal/shared course materials/equipment </a:t>
+            </a:r>
+          </a:p>
+          <a:p>
+            <a:pPr marL="457200" indent="-457200">
+              <a:buFont typeface="Arial" panose="020B0604020202020204" pitchFamily="34" charset="0"/>
+              <a:buChar char="•"/>
+            </a:pPr>
+            <a:endParaRPr lang="en-US" sz="2400" dirty="0"/>
+          </a:p>
+        </p:txBody>
+      </p:sp>
+    </p:spTree>
+    <p:extLst>
+      <p:ext uri="{BB962C8B-B14F-4D97-AF65-F5344CB8AC3E}">
+        <p14:creationId xmlns:p14="http://schemas.microsoft.com/office/powerpoint/2010/main" val="70908208"/>
+      </p:ext>
+    </p:extLst>
+  </p:cSld>
+  <p:clrMapOvr>
+    <a:masterClrMapping/>
+  </p:clrMapOvr>
+</p:sld>
+</file>
+
+<file path=ppt/slides/slide3.xml><?xml version="1.0" encoding="utf-8"?>
+<p:sld xmlns:a="http://schemas.openxmlformats.org/drawingml/2006/main" xmlns:r="http://schemas.openxmlformats.org/officeDocument/2006/relationships" xmlns:p="http://schemas.openxmlformats.org/presentationml/2006/main">
+  <p:cSld>
+    <p:spTree>
+      <p:nvGrpSpPr>
+        <p:cNvPr id="1" name=""/>
+        <p:cNvGrpSpPr/>
+        <p:nvPr/>
+      </p:nvGrpSpPr>
+      <p:grpSpPr>
+        <a:xfrm>
+          <a:off x="0" y="0"/>
+          <a:ext cx="0" cy="0"/>
+          <a:chOff x="0" y="0"/>
+          <a:chExt cx="0" cy="0"/>
+        </a:xfrm>
+      </p:grpSpPr>
+      <p:sp>
+        <p:nvSpPr>
+          <p:cNvPr id="4" name="Title 1"/>
+          <p:cNvSpPr txBox="1">
+            <a:spLocks/>
+          </p:cNvSpPr>
+          <p:nvPr/>
+        </p:nvSpPr>
+        <p:spPr>
+          <a:xfrm>
+            <a:off x="401319" y="472966"/>
+            <a:ext cx="5558047" cy="930165"/>
+          </a:xfrm>
+          <a:prstGeom prst="rect">
+            <a:avLst/>
+          </a:prstGeom>
+        </p:spPr>
+        <p:txBody>
+          <a:bodyPr anchor="b"/>
+          <a:lstStyle>
+            <a:lvl1pPr algn="l" defTabSz="457200" rtl="0" eaLnBrk="1" latinLnBrk="0" hangingPunct="1">
+              <a:lnSpc>
+                <a:spcPct val="90000"/>
+              </a:lnSpc>
+              <a:spcBef>
+                <a:spcPct val="0"/>
+              </a:spcBef>
+              <a:buNone/>
+              <a:defRPr sz="4000" b="1" i="0" kern="1200" baseline="0">
+                <a:solidFill>
+                  <a:schemeClr val="tx2"/>
+                </a:solidFill>
+                <a:latin typeface="+mj-lt"/>
+                <a:ea typeface="+mj-ea"/>
+                <a:cs typeface="MetaOT-Bold"/>
+              </a:defRPr>
+            </a:lvl1pPr>
+          </a:lstStyle>
+          <a:p>
+            <a:r>
+              <a:rPr lang="en-US" sz="3200" dirty="0">
+                <a:solidFill>
+                  <a:schemeClr val="accent3"/>
+                </a:solidFill>
+              </a:rPr>
+              <a:t>Expectations:  Covid-safe teaching environments</a:t>
+            </a:r>
+          </a:p>
+        </p:txBody>
+      </p:sp>
+      <p:sp>
+        <p:nvSpPr>
+          <p:cNvPr id="5" name="Subtitle 2"/>
+          <p:cNvSpPr>
+            <a:spLocks noGrp="1"/>
+          </p:cNvSpPr>
+          <p:nvPr>
+            <p:ph type="subTitle" idx="1"/>
+          </p:nvPr>
+        </p:nvSpPr>
+        <p:spPr>
+          <a:xfrm>
+            <a:off x="189186" y="1450427"/>
+            <a:ext cx="8797158" cy="4020208"/>
+          </a:xfrm>
+        </p:spPr>
+        <p:txBody>
+          <a:bodyPr lIns="91440" tIns="45720" rIns="91440" bIns="45720" anchor="t"/>
+          <a:lstStyle/>
+          <a:p>
+            <a:r>
+              <a:rPr lang="en-US" sz="2200" u="sng" dirty="0"/>
+              <a:t>For the purpose of contact tracing</a:t>
+            </a:r>
+            <a:endParaRPr lang="en-US" sz="2200" dirty="0"/>
+          </a:p>
+          <a:p>
+            <a:endParaRPr lang="en-US" sz="2200" dirty="0"/>
+          </a:p>
+          <a:p>
+            <a:r>
+              <a:rPr lang="en-US" sz="2200" dirty="0"/>
+              <a:t>For our standard workshops:</a:t>
+            </a:r>
+          </a:p>
+          <a:p>
+            <a:pPr marL="342900" indent="-342900">
+              <a:buFont typeface="Arial" panose="020B0604020202020204" pitchFamily="34" charset="0"/>
+              <a:buChar char="•"/>
+            </a:pPr>
+            <a:r>
+              <a:rPr lang="en-US" sz="2200" dirty="0"/>
+              <a:t>We will provide the CCT Hub with the complete list of attendees at this workshop</a:t>
+            </a:r>
+          </a:p>
+          <a:p>
+            <a:endParaRPr lang="en-US" sz="2200" dirty="0"/>
+          </a:p>
+          <a:p>
+            <a:r>
+              <a:rPr lang="en-US" sz="2200" dirty="0"/>
+              <a:t>Where our workshops are held in lecture theatres:</a:t>
+            </a:r>
+          </a:p>
+          <a:p>
+            <a:pPr marL="342900" indent="-342900">
+              <a:buFont typeface="Arial" panose="020B0604020202020204" pitchFamily="34" charset="0"/>
+              <a:buChar char="•"/>
+            </a:pPr>
+            <a:r>
+              <a:rPr lang="en-US" sz="2200" dirty="0"/>
+              <a:t>You should keep a record of colleagues that you are sat in </a:t>
+            </a:r>
+            <a:r>
+              <a:rPr lang="en-US" sz="2200"/>
+              <a:t>close contact with </a:t>
+            </a:r>
+            <a:r>
+              <a:rPr lang="en-US" sz="2200" dirty="0"/>
+              <a:t>(within 2 meters)</a:t>
+            </a:r>
+          </a:p>
+          <a:p>
+            <a:endParaRPr lang="en-US" dirty="0"/>
+          </a:p>
+        </p:txBody>
+      </p:sp>
+    </p:spTree>
+    <p:extLst>
+      <p:ext uri="{BB962C8B-B14F-4D97-AF65-F5344CB8AC3E}">
+        <p14:creationId xmlns:p14="http://schemas.microsoft.com/office/powerpoint/2010/main" val="3238657636"/>
+      </p:ext>
+    </p:extLst>
+  </p:cSld>
+  <p:clrMapOvr>
+    <a:masterClrMapping/>
+  </p:clrMapOvr>
+</p:sld>
+</file>
+
+<file path=ppt/slides/slide4.xml><?xml version="1.0" encoding="utf-8"?>
+<p:sld xmlns:a="http://schemas.openxmlformats.org/drawingml/2006/main" xmlns:r="http://schemas.openxmlformats.org/officeDocument/2006/relationships" xmlns:p="http://schemas.openxmlformats.org/presentationml/2006/main">
+  <p:cSld>
+    <p:spTree>
+      <p:nvGrpSpPr>
+        <p:cNvPr id="1" name=""/>
+        <p:cNvGrpSpPr/>
+        <p:nvPr/>
+      </p:nvGrpSpPr>
+      <p:grpSpPr>
+        <a:xfrm>
+          <a:off x="0" y="0"/>
+          <a:ext cx="0" cy="0"/>
+          <a:chOff x="0" y="0"/>
+          <a:chExt cx="0" cy="0"/>
+        </a:xfrm>
+      </p:grpSpPr>
+      <p:sp>
+        <p:nvSpPr>
           <p:cNvPr id="2" name="Title 1"/>
           <p:cNvSpPr>
             <a:spLocks noGrp="1"/>
@@ -4104,7 +4471,7 @@
 </p:sld>
 </file>
 
-<file path=ppt/slides/slide3.xml><?xml version="1.0" encoding="utf-8"?>
+<file path=ppt/slides/slide5.xml><?xml version="1.0" encoding="utf-8"?>
 <p:sld xmlns:a="http://schemas.openxmlformats.org/drawingml/2006/main" xmlns:r="http://schemas.openxmlformats.org/officeDocument/2006/relationships" xmlns:p="http://schemas.openxmlformats.org/presentationml/2006/main">
   <p:cSld>
     <p:spTree>
@@ -4268,7 +4635,7 @@
 </p:sld>
 </file>
 
-<file path=ppt/slides/slide4.xml><?xml version="1.0" encoding="utf-8"?>
+<file path=ppt/slides/slide6.xml><?xml version="1.0" encoding="utf-8"?>
 <p:sld xmlns:a="http://schemas.openxmlformats.org/drawingml/2006/main" xmlns:r="http://schemas.openxmlformats.org/officeDocument/2006/relationships" xmlns:p="http://schemas.openxmlformats.org/presentationml/2006/main">
   <p:cSld>
     <p:spTree>
@@ -4392,7 +4759,7 @@
 </p:sld>
 </file>
 
-<file path=ppt/slides/slide5.xml><?xml version="1.0" encoding="utf-8"?>
+<file path=ppt/slides/slide7.xml><?xml version="1.0" encoding="utf-8"?>
 <p:sld xmlns:a="http://schemas.openxmlformats.org/drawingml/2006/main" xmlns:r="http://schemas.openxmlformats.org/officeDocument/2006/relationships" xmlns:p="http://schemas.openxmlformats.org/presentationml/2006/main">
   <p:cSld>
     <p:spTree>

--- a/Proifling and Optimisation in Python Slides.pptx
+++ b/Proifling and Optimisation in Python Slides.pptx
@@ -5,19 +5,20 @@
     <p:sldMasterId id="2147483648" r:id="rId1"/>
   </p:sldMasterIdLst>
   <p:notesMasterIdLst>
-    <p:notesMasterId r:id="rId9"/>
+    <p:notesMasterId r:id="rId10"/>
   </p:notesMasterIdLst>
   <p:handoutMasterIdLst>
-    <p:handoutMasterId r:id="rId10"/>
+    <p:handoutMasterId r:id="rId11"/>
   </p:handoutMasterIdLst>
   <p:sldIdLst>
     <p:sldId id="264" r:id="rId2"/>
-    <p:sldId id="258" r:id="rId3"/>
-    <p:sldId id="257" r:id="rId4"/>
-    <p:sldId id="267" r:id="rId5"/>
-    <p:sldId id="281" r:id="rId6"/>
-    <p:sldId id="329" r:id="rId7"/>
-    <p:sldId id="280" r:id="rId8"/>
+    <p:sldId id="504" r:id="rId3"/>
+    <p:sldId id="258" r:id="rId4"/>
+    <p:sldId id="257" r:id="rId5"/>
+    <p:sldId id="267" r:id="rId6"/>
+    <p:sldId id="281" r:id="rId7"/>
+    <p:sldId id="329" r:id="rId8"/>
+    <p:sldId id="280" r:id="rId9"/>
   </p:sldIdLst>
   <p:sldSz cx="9144000" cy="6858000" type="screen4x3"/>
   <p:notesSz cx="7099300" cy="10234613"/>
@@ -122,6 +123,7 @@
         <p14:section name="Introduction" id="{45EEEAF5-8C61-4410-A3AB-B2CD0B57ECF0}">
           <p14:sldIdLst>
             <p14:sldId id="264"/>
+            <p14:sldId id="504"/>
             <p14:sldId id="258"/>
             <p14:sldId id="257"/>
             <p14:sldId id="267"/>
@@ -402,7 +404,7 @@
           <a:p>
             <a:fld id="{88EB714B-C3CC-4216-88C1-02913905B1CF}" type="datetimeFigureOut">
               <a:rPr lang="en-GB" smtClean="0"/>
-              <a:t>04/10/2021</a:t>
+              <a:t>12/10/2021</a:t>
             </a:fld>
             <a:endParaRPr lang="en-GB"/>
           </a:p>
@@ -986,7 +988,7 @@
           <a:p>
             <a:fld id="{6A641EC8-C9F8-4A58-A1A7-F7D817526EEC}" type="slidenum">
               <a:rPr lang="en-GB" smtClean="0"/>
-              <a:t>4</a:t>
+              <a:t>5</a:t>
             </a:fld>
             <a:endParaRPr lang="en-GB"/>
           </a:p>
@@ -1070,7 +1072,7 @@
           <a:p>
             <a:fld id="{6A641EC8-C9F8-4A58-A1A7-F7D817526EEC}" type="slidenum">
               <a:rPr lang="en-GB" smtClean="0"/>
-              <a:t>5</a:t>
+              <a:t>6</a:t>
             </a:fld>
             <a:endParaRPr lang="en-GB"/>
           </a:p>
@@ -1154,7 +1156,7 @@
           <a:p>
             <a:fld id="{6A641EC8-C9F8-4A58-A1A7-F7D817526EEC}" type="slidenum">
               <a:rPr lang="en-GB" smtClean="0"/>
-              <a:t>6</a:t>
+              <a:t>7</a:t>
             </a:fld>
             <a:endParaRPr lang="en-GB"/>
           </a:p>
@@ -1350,7 +1352,7 @@
                   <a:spcPct val="0"/>
                 </a:spcBef>
               </a:pPr>
-              <a:t>7</a:t>
+              <a:t>8</a:t>
             </a:fld>
             <a:endParaRPr lang="en-US" altLang="en-US"/>
           </a:p>
@@ -1783,7 +1785,7 @@
           <a:p>
             <a:fld id="{EB0080F8-EA1C-491D-963C-2C881B2F918F}" type="datetimeFigureOut">
               <a:rPr lang="en-GB" smtClean="0"/>
-              <a:t>04/10/2021</a:t>
+              <a:t>12/10/2021</a:t>
             </a:fld>
             <a:endParaRPr lang="en-GB"/>
           </a:p>
@@ -1933,7 +1935,7 @@
           <a:p>
             <a:fld id="{EB0080F8-EA1C-491D-963C-2C881B2F918F}" type="datetimeFigureOut">
               <a:rPr lang="en-GB" smtClean="0"/>
-              <a:t>04/10/2021</a:t>
+              <a:t>12/10/2021</a:t>
             </a:fld>
             <a:endParaRPr lang="en-GB"/>
           </a:p>
@@ -3466,7 +3468,7 @@
           <a:p>
             <a:fld id="{EB0080F8-EA1C-491D-963C-2C881B2F918F}" type="datetimeFigureOut">
               <a:rPr lang="en-GB" smtClean="0"/>
-              <a:t>04/10/2021</a:t>
+              <a:t>12/10/2021</a:t>
             </a:fld>
             <a:endParaRPr lang="en-GB"/>
           </a:p>
@@ -3988,184 +3990,104 @@
       </p:grpSpPr>
       <p:sp>
         <p:nvSpPr>
-          <p:cNvPr id="4" name="Title 1"/>
-          <p:cNvSpPr txBox="1">
-            <a:spLocks/>
-          </p:cNvSpPr>
+          <p:cNvPr id="2" name="Title 1"/>
+          <p:cNvSpPr>
+            <a:spLocks noGrp="1"/>
+          </p:cNvSpPr>
+          <p:nvPr>
+            <p:ph type="title"/>
+          </p:nvPr>
+        </p:nvSpPr>
+        <p:spPr>
+          <a:xfrm>
+            <a:off x="401319" y="1431416"/>
+            <a:ext cx="8388117" cy="4549506"/>
+          </a:xfrm>
+        </p:spPr>
+        <p:txBody>
+          <a:bodyPr/>
+          <a:lstStyle/>
+          <a:p>
+            <a:pPr algn="ctr"/>
+            <a:r>
+              <a:rPr lang="en-GB" sz="2800" u="sng" dirty="0"/>
+              <a:t>Important Information on Marking your Attendance on Inkpath</a:t>
+            </a:r>
+            <a:br>
+              <a:rPr lang="en-GB" sz="2800" u="sng" dirty="0"/>
+            </a:br>
+            <a:br>
+              <a:rPr lang="en-GB" sz="2800" u="sng" dirty="0"/>
+            </a:br>
+            <a:br>
+              <a:rPr lang="en-GB" sz="2800" dirty="0"/>
+            </a:br>
+            <a:r>
+              <a:rPr lang="en-GB" sz="2800" dirty="0"/>
+              <a:t>After this course you will receive an email from the Graduate School administration team which will provide you with a QR code and instructions to mark your attendance at this course on Inkpath. </a:t>
+            </a:r>
+            <a:br>
+              <a:rPr lang="en-GB" sz="2800" dirty="0"/>
+            </a:br>
+            <a:br>
+              <a:rPr lang="en-GB" sz="2800" dirty="0"/>
+            </a:br>
+            <a:r>
+              <a:rPr lang="en-GB" sz="2800" dirty="0"/>
+              <a:t>Please </a:t>
+            </a:r>
+            <a:r>
+              <a:rPr lang="en-GB" sz="2800" u="sng" dirty="0"/>
+              <a:t>do not</a:t>
+            </a:r>
+            <a:r>
+              <a:rPr lang="en-GB" sz="2800" dirty="0"/>
+              <a:t> mark your attendance until you have received an email from the Graduate School. </a:t>
+            </a:r>
+          </a:p>
+        </p:txBody>
+      </p:sp>
+      <p:sp>
+        <p:nvSpPr>
+          <p:cNvPr id="7" name="TextBox 6"/>
+          <p:cNvSpPr txBox="1"/>
           <p:nvPr/>
         </p:nvSpPr>
         <p:spPr>
           <a:xfrm>
-            <a:off x="401320" y="472966"/>
-            <a:ext cx="5778764" cy="961696"/>
+            <a:off x="552450" y="3214433"/>
+            <a:ext cx="2171700" cy="830997"/>
           </a:xfrm>
           <a:prstGeom prst="rect">
             <a:avLst/>
           </a:prstGeom>
-        </p:spPr>
-        <p:txBody>
-          <a:bodyPr anchor="b"/>
-          <a:lstStyle>
-            <a:lvl1pPr algn="l" defTabSz="457200" rtl="0" eaLnBrk="1" latinLnBrk="0" hangingPunct="1">
-              <a:lnSpc>
-                <a:spcPct val="90000"/>
-              </a:lnSpc>
-              <a:spcBef>
-                <a:spcPct val="0"/>
-              </a:spcBef>
-              <a:buNone/>
-              <a:defRPr sz="4000" b="1" i="0" kern="1200" baseline="0">
-                <a:solidFill>
-                  <a:schemeClr val="tx2"/>
-                </a:solidFill>
-                <a:latin typeface="+mj-lt"/>
-                <a:ea typeface="+mj-ea"/>
-                <a:cs typeface="MetaOT-Bold"/>
-              </a:defRPr>
-            </a:lvl1pPr>
-          </a:lstStyle>
-          <a:p>
-            <a:r>
-              <a:rPr lang="en-US" sz="3200" dirty="0">
-                <a:solidFill>
-                  <a:schemeClr val="accent3"/>
-                </a:solidFill>
-              </a:rPr>
-              <a:t>Expectations:  Covid-safe teaching environments</a:t>
-            </a:r>
-          </a:p>
-        </p:txBody>
-      </p:sp>
-      <p:sp>
-        <p:nvSpPr>
-          <p:cNvPr id="5" name="Subtitle 2"/>
-          <p:cNvSpPr>
-            <a:spLocks noGrp="1"/>
-          </p:cNvSpPr>
-          <p:nvPr>
-            <p:ph type="subTitle" idx="1"/>
-          </p:nvPr>
-        </p:nvSpPr>
-        <p:spPr>
-          <a:xfrm>
-            <a:off x="401320" y="1631731"/>
-            <a:ext cx="8490432" cy="4548352"/>
-          </a:xfrm>
-        </p:spPr>
-        <p:txBody>
-          <a:bodyPr lIns="91440" tIns="45720" rIns="91440" bIns="45720" anchor="t"/>
+          <a:noFill/>
+        </p:spPr>
+        <p:txBody>
+          <a:bodyPr wrap="square" rtlCol="0">
+            <a:spAutoFit/>
+          </a:bodyPr>
           <a:lstStyle/>
           <a:p>
-            <a:r>
-              <a:rPr lang="en-US" sz="2200" u="sng" dirty="0">
-                <a:ea typeface="+mj-lt"/>
-                <a:cs typeface="+mj-lt"/>
-              </a:rPr>
-              <a:t>Face coverings</a:t>
-            </a:r>
-          </a:p>
-          <a:p>
-            <a:pPr marL="457200" indent="-457200">
-              <a:buFont typeface="Arial" panose="020B0604020202020204" pitchFamily="34" charset="0"/>
-              <a:buChar char="•"/>
-            </a:pPr>
-            <a:r>
-              <a:rPr lang="en-GB" sz="2200" dirty="0">
-                <a:latin typeface="+mn-lt"/>
-                <a:ea typeface="Calibri" panose="020F0502020204030204" pitchFamily="34" charset="0"/>
-                <a:cs typeface="Times New Roman"/>
-              </a:rPr>
-              <a:t>You are expected to wear a face covering </a:t>
-            </a:r>
-            <a:endParaRPr lang="en-GB" sz="2200" dirty="0"/>
-          </a:p>
-          <a:p>
-            <a:pPr marL="457200" indent="-457200">
-              <a:buFont typeface="Arial" panose="020B0604020202020204" pitchFamily="34" charset="0"/>
-              <a:buChar char="•"/>
-            </a:pPr>
-            <a:r>
-              <a:rPr lang="en-US" sz="2200" dirty="0">
-                <a:ea typeface="+mj-lt"/>
-                <a:cs typeface="+mj-lt"/>
-              </a:rPr>
-              <a:t>Tutors will deliver their workshop 2 meters distance from </a:t>
-            </a:r>
-            <a:r>
-              <a:rPr lang="en-US" sz="2200">
-                <a:ea typeface="+mj-lt"/>
-                <a:cs typeface="+mj-lt"/>
-              </a:rPr>
-              <a:t>you </a:t>
-            </a:r>
-            <a:endParaRPr lang="en-US" sz="2200" dirty="0">
-              <a:ea typeface="+mj-lt"/>
-              <a:cs typeface="+mj-lt"/>
+            <a:endParaRPr lang="en-GB" sz="2400" dirty="0">
+              <a:solidFill>
+                <a:srgbClr val="002060"/>
+              </a:solidFill>
             </a:endParaRPr>
           </a:p>
           <a:p>
-            <a:endParaRPr lang="en-US" sz="2200" u="sng" dirty="0">
-              <a:latin typeface="+mn-lt"/>
-              <a:ea typeface="+mj-lt"/>
-              <a:cs typeface="+mj-lt"/>
+            <a:endParaRPr lang="en-GB" sz="2400" dirty="0">
+              <a:solidFill>
+                <a:srgbClr val="002060"/>
+              </a:solidFill>
             </a:endParaRPr>
-          </a:p>
-          <a:p>
-            <a:r>
-              <a:rPr lang="en-US" sz="2200" u="sng" dirty="0">
-                <a:latin typeface="+mn-lt"/>
-                <a:ea typeface="+mj-lt"/>
-                <a:cs typeface="+mj-lt"/>
-              </a:rPr>
-              <a:t>Hygiene</a:t>
-            </a:r>
-            <a:endParaRPr lang="en-GB" sz="2200" u="sng" dirty="0">
-              <a:latin typeface="+mn-lt"/>
-              <a:ea typeface="Calibri" panose="020F0502020204030204" pitchFamily="34" charset="0"/>
-              <a:cs typeface="Times New Roman"/>
-            </a:endParaRPr>
-          </a:p>
-          <a:p>
-            <a:pPr marL="457200" indent="-457200">
-              <a:buFont typeface="Arial" panose="020B0604020202020204" pitchFamily="34" charset="0"/>
-              <a:buChar char="•"/>
-            </a:pPr>
-            <a:r>
-              <a:rPr lang="en-US" sz="2200" dirty="0"/>
-              <a:t>Where hand </a:t>
-            </a:r>
-            <a:r>
-              <a:rPr lang="en-US" sz="2200" dirty="0" err="1"/>
-              <a:t>sanitiser</a:t>
-            </a:r>
-            <a:r>
-              <a:rPr lang="en-US" sz="2200" dirty="0"/>
-              <a:t> is available, please use it</a:t>
-            </a:r>
-          </a:p>
-          <a:p>
-            <a:pPr marL="457200" indent="-457200">
-              <a:buFont typeface="Arial" panose="020B0604020202020204" pitchFamily="34" charset="0"/>
-              <a:buChar char="•"/>
-            </a:pPr>
-            <a:r>
-              <a:rPr lang="en-US" sz="2200" dirty="0"/>
-              <a:t>Please wipe down any communal/shared course materials/equipment </a:t>
-            </a:r>
-          </a:p>
-          <a:p>
-            <a:pPr marL="457200" indent="-457200">
-              <a:buFont typeface="Arial" panose="020B0604020202020204" pitchFamily="34" charset="0"/>
-              <a:buChar char="•"/>
-            </a:pPr>
-            <a:endParaRPr lang="en-US" sz="2400" dirty="0"/>
           </a:p>
         </p:txBody>
       </p:sp>
     </p:spTree>
     <p:extLst>
       <p:ext uri="{BB962C8B-B14F-4D97-AF65-F5344CB8AC3E}">
-        <p14:creationId xmlns:p14="http://schemas.microsoft.com/office/powerpoint/2010/main" val="70908208"/>
+        <p14:creationId xmlns:p14="http://schemas.microsoft.com/office/powerpoint/2010/main" val="3686223621"/>
       </p:ext>
     </p:extLst>
   </p:cSld>
@@ -4202,8 +4124,8 @@
         </p:nvSpPr>
         <p:spPr>
           <a:xfrm>
-            <a:off x="401319" y="472966"/>
-            <a:ext cx="5558047" cy="930165"/>
+            <a:off x="401320" y="472966"/>
+            <a:ext cx="5778764" cy="961696"/>
           </a:xfrm>
           <a:prstGeom prst="rect">
             <a:avLst/>
@@ -4254,8 +4176,8 @@
         </p:nvSpPr>
         <p:spPr>
           <a:xfrm>
-            <a:off x="189186" y="1450427"/>
-            <a:ext cx="8797158" cy="4020208"/>
+            <a:off x="401320" y="1631731"/>
+            <a:ext cx="8490432" cy="4548352"/>
           </a:xfrm>
         </p:spPr>
         <p:txBody>
@@ -4263,66 +4185,115 @@
           <a:lstStyle/>
           <a:p>
             <a:r>
-              <a:rPr lang="en-US" sz="2200" u="sng" dirty="0"/>
-              <a:t>For the purpose of contact tracing</a:t>
-            </a:r>
-            <a:endParaRPr lang="en-US" sz="2200" dirty="0"/>
-          </a:p>
-          <a:p>
-            <a:endParaRPr lang="en-US" sz="2200" dirty="0"/>
-          </a:p>
-          <a:p>
-            <a:r>
-              <a:rPr lang="en-US" sz="2200" dirty="0"/>
-              <a:t>For our standard workshops:</a:t>
-            </a:r>
-          </a:p>
-          <a:p>
-            <a:pPr marL="342900" indent="-342900">
+              <a:rPr lang="en-US" sz="2200" u="sng" dirty="0">
+                <a:ea typeface="+mj-lt"/>
+                <a:cs typeface="+mj-lt"/>
+              </a:rPr>
+              <a:t>Face coverings</a:t>
+            </a:r>
+          </a:p>
+          <a:p>
+            <a:pPr marL="457200" indent="-457200">
               <a:buFont typeface="Arial" panose="020B0604020202020204" pitchFamily="34" charset="0"/>
               <a:buChar char="•"/>
             </a:pPr>
             <a:r>
-              <a:rPr lang="en-US" sz="2200" dirty="0"/>
-              <a:t>We will provide the CCT Hub with the complete list of attendees at this workshop</a:t>
-            </a:r>
-          </a:p>
-          <a:p>
-            <a:endParaRPr lang="en-US" sz="2200" dirty="0"/>
-          </a:p>
-          <a:p>
-            <a:r>
-              <a:rPr lang="en-US" sz="2200" dirty="0"/>
-              <a:t>Where our workshops are held in lecture theatres:</a:t>
-            </a:r>
-          </a:p>
-          <a:p>
-            <a:pPr marL="342900" indent="-342900">
+              <a:rPr lang="en-GB" sz="2200" dirty="0">
+                <a:latin typeface="+mn-lt"/>
+                <a:ea typeface="Calibri" panose="020F0502020204030204" pitchFamily="34" charset="0"/>
+                <a:cs typeface="Times New Roman"/>
+              </a:rPr>
+              <a:t>You are expected to wear a face covering </a:t>
+            </a:r>
+            <a:endParaRPr lang="en-GB" sz="2200" dirty="0"/>
+          </a:p>
+          <a:p>
+            <a:pPr marL="457200" indent="-457200">
               <a:buFont typeface="Arial" panose="020B0604020202020204" pitchFamily="34" charset="0"/>
               <a:buChar char="•"/>
             </a:pPr>
             <a:r>
+              <a:rPr lang="en-US" sz="2200" dirty="0">
+                <a:ea typeface="+mj-lt"/>
+                <a:cs typeface="+mj-lt"/>
+              </a:rPr>
+              <a:t>Tutors will deliver their workshop 2 meters distance from </a:t>
+            </a:r>
+            <a:r>
+              <a:rPr lang="en-US" sz="2200">
+                <a:ea typeface="+mj-lt"/>
+                <a:cs typeface="+mj-lt"/>
+              </a:rPr>
+              <a:t>you </a:t>
+            </a:r>
+            <a:endParaRPr lang="en-US" sz="2200" dirty="0">
+              <a:ea typeface="+mj-lt"/>
+              <a:cs typeface="+mj-lt"/>
+            </a:endParaRPr>
+          </a:p>
+          <a:p>
+            <a:endParaRPr lang="en-US" sz="2200" u="sng" dirty="0">
+              <a:latin typeface="+mn-lt"/>
+              <a:ea typeface="+mj-lt"/>
+              <a:cs typeface="+mj-lt"/>
+            </a:endParaRPr>
+          </a:p>
+          <a:p>
+            <a:r>
+              <a:rPr lang="en-US" sz="2200" u="sng" dirty="0">
+                <a:latin typeface="+mn-lt"/>
+                <a:ea typeface="+mj-lt"/>
+                <a:cs typeface="+mj-lt"/>
+              </a:rPr>
+              <a:t>Hygiene</a:t>
+            </a:r>
+            <a:endParaRPr lang="en-GB" sz="2200" u="sng" dirty="0">
+              <a:latin typeface="+mn-lt"/>
+              <a:ea typeface="Calibri" panose="020F0502020204030204" pitchFamily="34" charset="0"/>
+              <a:cs typeface="Times New Roman"/>
+            </a:endParaRPr>
+          </a:p>
+          <a:p>
+            <a:pPr marL="457200" indent="-457200">
+              <a:buFont typeface="Arial" panose="020B0604020202020204" pitchFamily="34" charset="0"/>
+              <a:buChar char="•"/>
+            </a:pPr>
+            <a:r>
               <a:rPr lang="en-US" sz="2200" dirty="0"/>
-              <a:t>You should keep a record of colleagues that you are sat in </a:t>
-            </a:r>
-            <a:r>
-              <a:rPr lang="en-US" sz="2200"/>
-              <a:t>close contact with </a:t>
+              <a:t>Where hand </a:t>
+            </a:r>
+            <a:r>
+              <a:rPr lang="en-US" sz="2200" dirty="0" err="1"/>
+              <a:t>sanitiser</a:t>
             </a:r>
             <a:r>
               <a:rPr lang="en-US" sz="2200" dirty="0"/>
-              <a:t>(within 2 meters)</a:t>
-            </a:r>
-          </a:p>
-          <a:p>
-            <a:endParaRPr lang="en-US" dirty="0"/>
+              <a:t> is available, please use it</a:t>
+            </a:r>
+          </a:p>
+          <a:p>
+            <a:pPr marL="457200" indent="-457200">
+              <a:buFont typeface="Arial" panose="020B0604020202020204" pitchFamily="34" charset="0"/>
+              <a:buChar char="•"/>
+            </a:pPr>
+            <a:r>
+              <a:rPr lang="en-US" sz="2200" dirty="0"/>
+              <a:t>Please wipe down any communal/shared course materials/equipment </a:t>
+            </a:r>
+          </a:p>
+          <a:p>
+            <a:pPr marL="457200" indent="-457200">
+              <a:buFont typeface="Arial" panose="020B0604020202020204" pitchFamily="34" charset="0"/>
+              <a:buChar char="•"/>
+            </a:pPr>
+            <a:endParaRPr lang="en-US" sz="2400" dirty="0"/>
           </a:p>
         </p:txBody>
       </p:sp>
     </p:spTree>
     <p:extLst>
       <p:ext uri="{BB962C8B-B14F-4D97-AF65-F5344CB8AC3E}">
-        <p14:creationId xmlns:p14="http://schemas.microsoft.com/office/powerpoint/2010/main" val="3238657636"/>
+        <p14:creationId xmlns:p14="http://schemas.microsoft.com/office/powerpoint/2010/main" val="70908208"/>
       </p:ext>
     </p:extLst>
   </p:cSld>
@@ -4351,123 +4322,141 @@
       </p:grpSpPr>
       <p:sp>
         <p:nvSpPr>
-          <p:cNvPr id="2" name="Title 1"/>
+          <p:cNvPr id="4" name="Title 1"/>
+          <p:cNvSpPr txBox="1">
+            <a:spLocks/>
+          </p:cNvSpPr>
+          <p:nvPr/>
+        </p:nvSpPr>
+        <p:spPr>
+          <a:xfrm>
+            <a:off x="401319" y="472966"/>
+            <a:ext cx="5558047" cy="930165"/>
+          </a:xfrm>
+          <a:prstGeom prst="rect">
+            <a:avLst/>
+          </a:prstGeom>
+        </p:spPr>
+        <p:txBody>
+          <a:bodyPr anchor="b"/>
+          <a:lstStyle>
+            <a:lvl1pPr algn="l" defTabSz="457200" rtl="0" eaLnBrk="1" latinLnBrk="0" hangingPunct="1">
+              <a:lnSpc>
+                <a:spcPct val="90000"/>
+              </a:lnSpc>
+              <a:spcBef>
+                <a:spcPct val="0"/>
+              </a:spcBef>
+              <a:buNone/>
+              <a:defRPr sz="4000" b="1" i="0" kern="1200" baseline="0">
+                <a:solidFill>
+                  <a:schemeClr val="tx2"/>
+                </a:solidFill>
+                <a:latin typeface="+mj-lt"/>
+                <a:ea typeface="+mj-ea"/>
+                <a:cs typeface="MetaOT-Bold"/>
+              </a:defRPr>
+            </a:lvl1pPr>
+          </a:lstStyle>
+          <a:p>
+            <a:r>
+              <a:rPr lang="en-US" sz="3200" dirty="0">
+                <a:solidFill>
+                  <a:schemeClr val="accent3"/>
+                </a:solidFill>
+              </a:rPr>
+              <a:t>Expectations:  Covid-safe teaching environments</a:t>
+            </a:r>
+          </a:p>
+        </p:txBody>
+      </p:sp>
+      <p:sp>
+        <p:nvSpPr>
+          <p:cNvPr id="5" name="Subtitle 2"/>
           <p:cNvSpPr>
             <a:spLocks noGrp="1"/>
           </p:cNvSpPr>
           <p:nvPr>
-            <p:ph type="title"/>
-          </p:nvPr>
-        </p:nvSpPr>
-        <p:spPr/>
-        <p:txBody>
-          <a:bodyPr/>
+            <p:ph type="subTitle" idx="1"/>
+          </p:nvPr>
+        </p:nvSpPr>
+        <p:spPr>
+          <a:xfrm>
+            <a:off x="189186" y="1450427"/>
+            <a:ext cx="8797158" cy="4020208"/>
+          </a:xfrm>
+        </p:spPr>
+        <p:txBody>
+          <a:bodyPr lIns="91440" tIns="45720" rIns="91440" bIns="45720" anchor="t"/>
           <a:lstStyle/>
           <a:p>
             <a:r>
-              <a:rPr lang="en-GB" sz="4000" dirty="0"/>
-              <a:t>Learning Outcomes</a:t>
-            </a:r>
-          </a:p>
-        </p:txBody>
-      </p:sp>
-      <p:sp>
-        <p:nvSpPr>
-          <p:cNvPr id="3" name="Content Placeholder 2"/>
-          <p:cNvSpPr>
-            <a:spLocks noGrp="1"/>
-          </p:cNvSpPr>
-          <p:nvPr>
-            <p:ph idx="1"/>
-          </p:nvPr>
-        </p:nvSpPr>
-        <p:spPr>
-          <a:xfrm>
-            <a:off x="457200" y="1600200"/>
-            <a:ext cx="8435280" cy="4876800"/>
-          </a:xfrm>
-        </p:spPr>
-        <p:txBody>
-          <a:bodyPr>
-            <a:normAutofit/>
-          </a:bodyPr>
-          <a:lstStyle/>
-          <a:p>
-            <a:r>
-              <a:rPr lang="en-GB" sz="3000" dirty="0"/>
-              <a:t>1. </a:t>
-            </a:r>
-            <a:r>
-              <a:rPr lang="en-GB" sz="3000" b="1" dirty="0"/>
-              <a:t>Determine</a:t>
-            </a:r>
-            <a:r>
-              <a:rPr lang="en-GB" sz="3000" dirty="0"/>
-              <a:t> when profiling and optimisation is appropriate for a project</a:t>
-            </a:r>
-          </a:p>
-          <a:p>
-            <a:r>
-              <a:rPr lang="en-GB" sz="3000" dirty="0"/>
-              <a:t>2. </a:t>
-            </a:r>
-            <a:r>
-              <a:rPr lang="en-GB" sz="3000" b="1" dirty="0"/>
-              <a:t>Use</a:t>
-            </a:r>
-            <a:r>
-              <a:rPr lang="en-GB" sz="3000" dirty="0"/>
-              <a:t> selected profilers to examine the impact of section of code on run-time and memory usage</a:t>
-            </a:r>
-          </a:p>
-          <a:p>
-            <a:r>
-              <a:rPr lang="en-GB" sz="3000" dirty="0"/>
-              <a:t>3. </a:t>
-            </a:r>
-            <a:r>
-              <a:rPr lang="en-GB" sz="3000" b="1" dirty="0"/>
-              <a:t>Utilise</a:t>
-            </a:r>
-            <a:r>
-              <a:rPr lang="en-GB" sz="3000" dirty="0"/>
-              <a:t> profiler outputs to identify problematic areas of code</a:t>
-            </a:r>
-          </a:p>
-          <a:p>
-            <a:r>
-              <a:rPr lang="en-GB" sz="3000" dirty="0"/>
-              <a:t>4. </a:t>
-            </a:r>
-            <a:r>
-              <a:rPr lang="en-GB" sz="3000" b="1" dirty="0"/>
-              <a:t>Apply</a:t>
-            </a:r>
-            <a:r>
-              <a:rPr lang="en-GB" sz="3000" dirty="0"/>
-              <a:t> common optimisation techniques to improve code performance</a:t>
-            </a:r>
+              <a:rPr lang="en-US" sz="2200" u="sng" dirty="0"/>
+              <a:t>For the purpose of contact tracing</a:t>
+            </a:r>
+            <a:endParaRPr lang="en-US" sz="2200" dirty="0"/>
+          </a:p>
+          <a:p>
+            <a:endParaRPr lang="en-US" sz="2200" dirty="0"/>
+          </a:p>
+          <a:p>
+            <a:r>
+              <a:rPr lang="en-US" sz="2200" dirty="0"/>
+              <a:t>For our standard workshops:</a:t>
+            </a:r>
+          </a:p>
+          <a:p>
+            <a:pPr marL="342900" indent="-342900">
+              <a:buFont typeface="Arial" panose="020B0604020202020204" pitchFamily="34" charset="0"/>
+              <a:buChar char="•"/>
+            </a:pPr>
+            <a:r>
+              <a:rPr lang="en-US" sz="2200" dirty="0"/>
+              <a:t>We will provide the CCT Hub with the complete list of attendees at this workshop</a:t>
+            </a:r>
+          </a:p>
+          <a:p>
+            <a:endParaRPr lang="en-US" sz="2200" dirty="0"/>
+          </a:p>
+          <a:p>
+            <a:r>
+              <a:rPr lang="en-US" sz="2200" dirty="0"/>
+              <a:t>Where our workshops are held in lecture theatres:</a:t>
+            </a:r>
+          </a:p>
+          <a:p>
+            <a:pPr marL="342900" indent="-342900">
+              <a:buFont typeface="Arial" panose="020B0604020202020204" pitchFamily="34" charset="0"/>
+              <a:buChar char="•"/>
+            </a:pPr>
+            <a:r>
+              <a:rPr lang="en-US" sz="2200" dirty="0"/>
+              <a:t>You should keep a record of colleagues that you are sat in </a:t>
+            </a:r>
+            <a:r>
+              <a:rPr lang="en-US" sz="2200"/>
+              <a:t>close contact with </a:t>
+            </a:r>
+            <a:r>
+              <a:rPr lang="en-US" sz="2200" dirty="0"/>
+              <a:t>(within 2 meters)</a:t>
+            </a:r>
+          </a:p>
+          <a:p>
+            <a:endParaRPr lang="en-US" dirty="0"/>
           </a:p>
         </p:txBody>
       </p:sp>
     </p:spTree>
     <p:extLst>
       <p:ext uri="{BB962C8B-B14F-4D97-AF65-F5344CB8AC3E}">
-        <p14:creationId xmlns:p14="http://schemas.microsoft.com/office/powerpoint/2010/main" val="3248724752"/>
+        <p14:creationId xmlns:p14="http://schemas.microsoft.com/office/powerpoint/2010/main" val="3238657636"/>
       </p:ext>
     </p:extLst>
   </p:cSld>
   <p:clrMapOvr>
     <a:masterClrMapping/>
   </p:clrMapOvr>
-  <mc:AlternateContent xmlns:mc="http://schemas.openxmlformats.org/markup-compatibility/2006" xmlns:p14="http://schemas.microsoft.com/office/powerpoint/2010/main">
-    <mc:Choice Requires="p14">
-      <p:transition p14:dur="10"/>
-    </mc:Choice>
-    <mc:Fallback xmlns="">
-      <p:transition/>
-    </mc:Fallback>
-  </mc:AlternateContent>
 </p:sld>
 </file>
 
@@ -4505,7 +4494,7 @@
           <a:p>
             <a:r>
               <a:rPr lang="en-GB" sz="4000" dirty="0"/>
-              <a:t>Notebook Links</a:t>
+              <a:t>Learning Outcomes</a:t>
             </a:r>
           </a:p>
         </p:txBody>
@@ -4533,91 +4522,66 @@
           <a:lstStyle/>
           <a:p>
             <a:r>
-              <a:rPr lang="en-GB" sz="2800" dirty="0">
-                <a:hlinkClick r:id="rId3"/>
-              </a:rPr>
-              <a:t>Profiling</a:t>
-            </a:r>
-            <a:endParaRPr lang="en-GB" sz="2800" dirty="0"/>
-          </a:p>
-          <a:p>
-            <a:r>
-              <a:rPr lang="en-GB" sz="2800" dirty="0">
-                <a:hlinkClick r:id="rId4"/>
-              </a:rPr>
-              <a:t>Algorithm Choice</a:t>
-            </a:r>
-            <a:endParaRPr lang="en-GB" sz="2800" dirty="0"/>
-          </a:p>
-          <a:p>
-            <a:r>
-              <a:rPr lang="en-GB" sz="2800" dirty="0">
-                <a:hlinkClick r:id="rId5"/>
-              </a:rPr>
-              <a:t>Mathematical Optimisation</a:t>
-            </a:r>
-            <a:endParaRPr lang="en-GB" sz="2800" dirty="0"/>
-          </a:p>
-          <a:p>
-            <a:r>
-              <a:rPr lang="en-GB" sz="2800" dirty="0">
-                <a:hlinkClick r:id="rId6"/>
-              </a:rPr>
-              <a:t>Caching</a:t>
-            </a:r>
-            <a:endParaRPr lang="en-GB" sz="2800" dirty="0"/>
-          </a:p>
-          <a:p>
-            <a:r>
-              <a:rPr lang="en-GB" sz="2800" dirty="0">
-                <a:hlinkClick r:id="rId7"/>
-              </a:rPr>
-              <a:t>Optimising Loops</a:t>
-            </a:r>
-            <a:endParaRPr lang="en-GB" sz="2800" dirty="0"/>
-          </a:p>
-          <a:p>
-            <a:r>
-              <a:rPr lang="en-GB" sz="2800" dirty="0">
-                <a:hlinkClick r:id="rId8"/>
-              </a:rPr>
-              <a:t>NumPy</a:t>
-            </a:r>
-            <a:endParaRPr lang="en-GB" sz="2800" dirty="0"/>
-          </a:p>
-          <a:p>
-            <a:r>
-              <a:rPr lang="en-GB" sz="2800" dirty="0">
-                <a:hlinkClick r:id="rId9"/>
-              </a:rPr>
-              <a:t>Parallelism</a:t>
-            </a:r>
-            <a:endParaRPr lang="en-GB" sz="2800" dirty="0"/>
-          </a:p>
-          <a:p>
-            <a:r>
-              <a:rPr lang="en-GB" sz="2800" dirty="0">
-                <a:hlinkClick r:id="rId10"/>
-              </a:rPr>
-              <a:t>Exercise</a:t>
-            </a:r>
-            <a:endParaRPr lang="en-GB" sz="2800" dirty="0"/>
-          </a:p>
-          <a:p>
-            <a:r>
-              <a:rPr lang="en-GB" sz="2800" dirty="0">
-                <a:hlinkClick r:id="rId11"/>
-              </a:rPr>
-              <a:t>Conclusion</a:t>
-            </a:r>
-            <a:endParaRPr lang="en-GB" sz="2800" dirty="0"/>
+              <a:rPr lang="en-GB" sz="3000" dirty="0"/>
+              <a:t>1. </a:t>
+            </a:r>
+            <a:r>
+              <a:rPr lang="en-GB" sz="3000" b="1" dirty="0"/>
+              <a:t>Determine</a:t>
+            </a:r>
+            <a:r>
+              <a:rPr lang="en-GB" sz="3000" dirty="0"/>
+              <a:t> when profiling and optimisation is appropriate for a project</a:t>
+            </a:r>
+          </a:p>
+          <a:p>
+            <a:r>
+              <a:rPr lang="en-GB" sz="3000" dirty="0"/>
+              <a:t>2. </a:t>
+            </a:r>
+            <a:r>
+              <a:rPr lang="en-GB" sz="3000" b="1" dirty="0"/>
+              <a:t>Use</a:t>
+            </a:r>
+            <a:r>
+              <a:rPr lang="en-GB" sz="3000" dirty="0"/>
+              <a:t> selected profilers to examine the impact of section of code on run-time and memory usage</a:t>
+            </a:r>
+          </a:p>
+          <a:p>
+            <a:r>
+              <a:rPr lang="en-GB" sz="3000" dirty="0"/>
+              <a:t>3. </a:t>
+            </a:r>
+            <a:r>
+              <a:rPr lang="en-GB" sz="3000" b="1" dirty="0"/>
+              <a:t>Utilise</a:t>
+            </a:r>
+            <a:r>
+              <a:rPr lang="en-GB" sz="3000" dirty="0"/>
+              <a:t> profiler outputs to identify problematic areas of code</a:t>
+            </a:r>
+          </a:p>
+          <a:p>
+            <a:r>
+              <a:rPr lang="en-GB" sz="3000" dirty="0"/>
+              <a:t>4. </a:t>
+            </a:r>
+            <a:r>
+              <a:rPr lang="en-GB" sz="3000" b="1" dirty="0"/>
+              <a:t>Apply</a:t>
+            </a:r>
+            <a:r>
+              <a:rPr lang="en-GB" sz="3000" dirty="0"/>
+              <a:t> common optimisation techniques to improve code performance</a:t>
+            </a:r>
           </a:p>
         </p:txBody>
       </p:sp>
     </p:spTree>
     <p:extLst>
       <p:ext uri="{BB962C8B-B14F-4D97-AF65-F5344CB8AC3E}">
-        <p14:creationId xmlns:p14="http://schemas.microsoft.com/office/powerpoint/2010/main" val="4074605344"/>
+        <p14:creationId xmlns:p14="http://schemas.microsoft.com/office/powerpoint/2010/main" val="3248724752"/>
       </p:ext>
     </p:extLst>
   </p:cSld>
@@ -4669,6 +4633,170 @@
           <a:p>
             <a:r>
               <a:rPr lang="en-GB" sz="4000" dirty="0"/>
+              <a:t>Notebook Links</a:t>
+            </a:r>
+          </a:p>
+        </p:txBody>
+      </p:sp>
+      <p:sp>
+        <p:nvSpPr>
+          <p:cNvPr id="3" name="Content Placeholder 2"/>
+          <p:cNvSpPr>
+            <a:spLocks noGrp="1"/>
+          </p:cNvSpPr>
+          <p:nvPr>
+            <p:ph idx="1"/>
+          </p:nvPr>
+        </p:nvSpPr>
+        <p:spPr>
+          <a:xfrm>
+            <a:off x="457200" y="1600200"/>
+            <a:ext cx="8435280" cy="4876800"/>
+          </a:xfrm>
+        </p:spPr>
+        <p:txBody>
+          <a:bodyPr>
+            <a:normAutofit/>
+          </a:bodyPr>
+          <a:lstStyle/>
+          <a:p>
+            <a:r>
+              <a:rPr lang="en-GB" sz="2800" dirty="0">
+                <a:hlinkClick r:id="rId3"/>
+              </a:rPr>
+              <a:t>Profiling</a:t>
+            </a:r>
+            <a:endParaRPr lang="en-GB" sz="2800" dirty="0"/>
+          </a:p>
+          <a:p>
+            <a:r>
+              <a:rPr lang="en-GB" sz="2800" dirty="0">
+                <a:hlinkClick r:id="rId4"/>
+              </a:rPr>
+              <a:t>Algorithm Choice</a:t>
+            </a:r>
+            <a:endParaRPr lang="en-GB" sz="2800" dirty="0"/>
+          </a:p>
+          <a:p>
+            <a:r>
+              <a:rPr lang="en-GB" sz="2800" dirty="0">
+                <a:hlinkClick r:id="rId5"/>
+              </a:rPr>
+              <a:t>Mathematical Optimisation</a:t>
+            </a:r>
+            <a:endParaRPr lang="en-GB" sz="2800" dirty="0"/>
+          </a:p>
+          <a:p>
+            <a:r>
+              <a:rPr lang="en-GB" sz="2800" dirty="0">
+                <a:hlinkClick r:id="rId6"/>
+              </a:rPr>
+              <a:t>Caching</a:t>
+            </a:r>
+            <a:endParaRPr lang="en-GB" sz="2800" dirty="0"/>
+          </a:p>
+          <a:p>
+            <a:r>
+              <a:rPr lang="en-GB" sz="2800" dirty="0">
+                <a:hlinkClick r:id="rId7"/>
+              </a:rPr>
+              <a:t>Optimising Loops</a:t>
+            </a:r>
+            <a:endParaRPr lang="en-GB" sz="2800" dirty="0"/>
+          </a:p>
+          <a:p>
+            <a:r>
+              <a:rPr lang="en-GB" sz="2800" dirty="0">
+                <a:hlinkClick r:id="rId8"/>
+              </a:rPr>
+              <a:t>NumPy</a:t>
+            </a:r>
+            <a:endParaRPr lang="en-GB" sz="2800" dirty="0"/>
+          </a:p>
+          <a:p>
+            <a:r>
+              <a:rPr lang="en-GB" sz="2800" dirty="0">
+                <a:hlinkClick r:id="rId9"/>
+              </a:rPr>
+              <a:t>Parallelism</a:t>
+            </a:r>
+            <a:endParaRPr lang="en-GB" sz="2800" dirty="0"/>
+          </a:p>
+          <a:p>
+            <a:r>
+              <a:rPr lang="en-GB" sz="2800" dirty="0">
+                <a:hlinkClick r:id="rId10"/>
+              </a:rPr>
+              <a:t>Exercise</a:t>
+            </a:r>
+            <a:endParaRPr lang="en-GB" sz="2800" dirty="0"/>
+          </a:p>
+          <a:p>
+            <a:r>
+              <a:rPr lang="en-GB" sz="2800" dirty="0">
+                <a:hlinkClick r:id="rId11"/>
+              </a:rPr>
+              <a:t>Conclusion</a:t>
+            </a:r>
+            <a:endParaRPr lang="en-GB" sz="2800" dirty="0"/>
+          </a:p>
+        </p:txBody>
+      </p:sp>
+    </p:spTree>
+    <p:extLst>
+      <p:ext uri="{BB962C8B-B14F-4D97-AF65-F5344CB8AC3E}">
+        <p14:creationId xmlns:p14="http://schemas.microsoft.com/office/powerpoint/2010/main" val="4074605344"/>
+      </p:ext>
+    </p:extLst>
+  </p:cSld>
+  <p:clrMapOvr>
+    <a:masterClrMapping/>
+  </p:clrMapOvr>
+  <mc:AlternateContent xmlns:mc="http://schemas.openxmlformats.org/markup-compatibility/2006" xmlns:p14="http://schemas.microsoft.com/office/powerpoint/2010/main">
+    <mc:Choice Requires="p14">
+      <p:transition p14:dur="10"/>
+    </mc:Choice>
+    <mc:Fallback xmlns="">
+      <p:transition/>
+    </mc:Fallback>
+  </mc:AlternateContent>
+</p:sld>
+</file>
+
+<file path=ppt/slides/slide7.xml><?xml version="1.0" encoding="utf-8"?>
+<p:sld xmlns:a="http://schemas.openxmlformats.org/drawingml/2006/main" xmlns:r="http://schemas.openxmlformats.org/officeDocument/2006/relationships" xmlns:p="http://schemas.openxmlformats.org/presentationml/2006/main">
+  <p:cSld>
+    <p:spTree>
+      <p:nvGrpSpPr>
+        <p:cNvPr id="1" name=""/>
+        <p:cNvGrpSpPr/>
+        <p:nvPr/>
+      </p:nvGrpSpPr>
+      <p:grpSpPr>
+        <a:xfrm>
+          <a:off x="0" y="0"/>
+          <a:ext cx="0" cy="0"/>
+          <a:chOff x="0" y="0"/>
+          <a:chExt cx="0" cy="0"/>
+        </a:xfrm>
+      </p:grpSpPr>
+      <p:sp>
+        <p:nvSpPr>
+          <p:cNvPr id="2" name="Title 1"/>
+          <p:cNvSpPr>
+            <a:spLocks noGrp="1"/>
+          </p:cNvSpPr>
+          <p:nvPr>
+            <p:ph type="title"/>
+          </p:nvPr>
+        </p:nvSpPr>
+        <p:spPr/>
+        <p:txBody>
+          <a:bodyPr/>
+          <a:lstStyle/>
+          <a:p>
+            <a:r>
+              <a:rPr lang="en-GB" sz="4000" dirty="0"/>
               <a:t>Feedback</a:t>
             </a:r>
           </a:p>
@@ -4759,7 +4887,7 @@
 </p:sld>
 </file>
 
-<file path=ppt/slides/slide7.xml><?xml version="1.0" encoding="utf-8"?>
+<file path=ppt/slides/slide8.xml><?xml version="1.0" encoding="utf-8"?>
 <p:sld xmlns:a="http://schemas.openxmlformats.org/drawingml/2006/main" xmlns:r="http://schemas.openxmlformats.org/officeDocument/2006/relationships" xmlns:p="http://schemas.openxmlformats.org/presentationml/2006/main">
   <p:cSld>
     <p:spTree>

--- a/Proifling and Optimisation in Python Slides.pptx
+++ b/Proifling and Optimisation in Python Slides.pptx
@@ -404,7 +404,7 @@
           <a:p>
             <a:fld id="{88EB714B-C3CC-4216-88C1-02913905B1CF}" type="datetimeFigureOut">
               <a:rPr lang="en-GB" smtClean="0"/>
-              <a:t>12/10/2021</a:t>
+              <a:t>19/11/2021</a:t>
             </a:fld>
             <a:endParaRPr lang="en-GB"/>
           </a:p>
@@ -1785,7 +1785,7 @@
           <a:p>
             <a:fld id="{EB0080F8-EA1C-491D-963C-2C881B2F918F}" type="datetimeFigureOut">
               <a:rPr lang="en-GB" smtClean="0"/>
-              <a:t>12/10/2021</a:t>
+              <a:t>19/11/2021</a:t>
             </a:fld>
             <a:endParaRPr lang="en-GB"/>
           </a:p>
@@ -1935,7 +1935,7 @@
           <a:p>
             <a:fld id="{EB0080F8-EA1C-491D-963C-2C881B2F918F}" type="datetimeFigureOut">
               <a:rPr lang="en-GB" smtClean="0"/>
-              <a:t>12/10/2021</a:t>
+              <a:t>19/11/2021</a:t>
             </a:fld>
             <a:endParaRPr lang="en-GB"/>
           </a:p>
@@ -3468,7 +3468,7 @@
           <a:p>
             <a:fld id="{EB0080F8-EA1C-491D-963C-2C881B2F918F}" type="datetimeFigureOut">
               <a:rPr lang="en-GB" smtClean="0"/>
-              <a:t>12/10/2021</a:t>
+              <a:t>19/11/2021</a:t>
             </a:fld>
             <a:endParaRPr lang="en-GB"/>
           </a:p>
@@ -4024,26 +4024,26 @@
             </a:br>
             <a:r>
               <a:rPr lang="en-GB" sz="2800" dirty="0"/>
-              <a:t>After this course you will receive an email from the Graduate School administration team which will provide you with a QR code and instructions to mark your attendance at this course on Inkpath. </a:t>
+              <a:t>I will show you a QR code at the end of the session allowing you to mark your attendance on Inkpath. Please do not mark your attendance until then.</a:t>
             </a:r>
             <a:br>
               <a:rPr lang="en-GB" sz="2800" dirty="0"/>
             </a:br>
             <a:br>
-              <a:rPr lang="en-GB" sz="2800" dirty="0"/>
+              <a:rPr lang="en-GB" sz="2800" dirty="0">
+                <a:latin typeface="Calibri" panose="020F0502020204030204" pitchFamily="34" charset="0"/>
+                <a:cs typeface="Calibri" panose="020F0502020204030204" pitchFamily="34" charset="0"/>
+              </a:rPr>
             </a:br>
             <a:r>
-              <a:rPr lang="en-GB" sz="2800" dirty="0"/>
-              <a:t>Please </a:t>
-            </a:r>
-            <a:r>
-              <a:rPr lang="en-GB" sz="2800" u="sng" dirty="0"/>
-              <a:t>do not</a:t>
-            </a:r>
-            <a:r>
-              <a:rPr lang="en-GB" sz="2800" dirty="0"/>
-              <a:t> mark your attendance until you have received an email from the Graduate School. </a:t>
-            </a:r>
+              <a:rPr lang="en-GB" sz="2800">
+                <a:effectLst/>
+                <a:ea typeface="Times New Roman" panose="02020603050405020304" pitchFamily="18" charset="0"/>
+                <a:cs typeface="Calibri" panose="020F0502020204030204" pitchFamily="34" charset="0"/>
+              </a:rPr>
+              <a:t>If you are not a Postgraduate Research student and didn’t book via Inkpath, your attendance will be marked on a separate database.</a:t>
+            </a:r>
+            <a:endParaRPr lang="en-GB" sz="2800" dirty="0"/>
           </a:p>
         </p:txBody>
       </p:sp>

--- a/Proifling and Optimisation in Python Slides.pptx
+++ b/Proifling and Optimisation in Python Slides.pptx
@@ -13,8 +13,8 @@
   <p:sldIdLst>
     <p:sldId id="264" r:id="rId2"/>
     <p:sldId id="504" r:id="rId3"/>
-    <p:sldId id="258" r:id="rId4"/>
-    <p:sldId id="257" r:id="rId5"/>
+    <p:sldId id="505" r:id="rId4"/>
+    <p:sldId id="506" r:id="rId5"/>
     <p:sldId id="267" r:id="rId6"/>
     <p:sldId id="281" r:id="rId7"/>
     <p:sldId id="329" r:id="rId8"/>
@@ -124,8 +124,8 @@
           <p14:sldIdLst>
             <p14:sldId id="264"/>
             <p14:sldId id="504"/>
-            <p14:sldId id="258"/>
-            <p14:sldId id="257"/>
+            <p14:sldId id="505"/>
+            <p14:sldId id="506"/>
             <p14:sldId id="267"/>
             <p14:sldId id="281"/>
             <p14:sldId id="329"/>
@@ -404,7 +404,7 @@
           <a:p>
             <a:fld id="{88EB714B-C3CC-4216-88C1-02913905B1CF}" type="datetimeFigureOut">
               <a:rPr lang="en-GB" smtClean="0"/>
-              <a:t>19/11/2021</a:t>
+              <a:t>02/02/2022</a:t>
             </a:fld>
             <a:endParaRPr lang="en-GB"/>
           </a:p>
@@ -1785,7 +1785,7 @@
           <a:p>
             <a:fld id="{EB0080F8-EA1C-491D-963C-2C881B2F918F}" type="datetimeFigureOut">
               <a:rPr lang="en-GB" smtClean="0"/>
-              <a:t>19/11/2021</a:t>
+              <a:t>02/02/2022</a:t>
             </a:fld>
             <a:endParaRPr lang="en-GB"/>
           </a:p>
@@ -1935,7 +1935,7 @@
           <a:p>
             <a:fld id="{EB0080F8-EA1C-491D-963C-2C881B2F918F}" type="datetimeFigureOut">
               <a:rPr lang="en-GB" smtClean="0"/>
-              <a:t>19/11/2021</a:t>
+              <a:t>02/02/2022</a:t>
             </a:fld>
             <a:endParaRPr lang="en-GB"/>
           </a:p>
@@ -3468,7 +3468,7 @@
           <a:p>
             <a:fld id="{EB0080F8-EA1C-491D-963C-2C881B2F918F}" type="datetimeFigureOut">
               <a:rPr lang="en-GB" smtClean="0"/>
-              <a:t>19/11/2021</a:t>
+              <a:t>02/02/2022</a:t>
             </a:fld>
             <a:endParaRPr lang="en-GB"/>
           </a:p>
@@ -4154,7 +4154,7 @@
           </a:lstStyle>
           <a:p>
             <a:r>
-              <a:rPr lang="en-US" sz="3200" dirty="0">
+              <a:rPr lang="en-US" sz="3200">
                 <a:solidFill>
                   <a:schemeClr val="accent3"/>
                 </a:solidFill>
@@ -4185,7 +4185,7 @@
           <a:lstStyle/>
           <a:p>
             <a:r>
-              <a:rPr lang="en-US" sz="2200" u="sng" dirty="0">
+              <a:rPr lang="en-US" sz="2200" u="sng">
                 <a:ea typeface="+mj-lt"/>
                 <a:cs typeface="+mj-lt"/>
               </a:rPr>
@@ -4198,14 +4198,14 @@
               <a:buChar char="•"/>
             </a:pPr>
             <a:r>
-              <a:rPr lang="en-GB" sz="2200" dirty="0">
+              <a:rPr lang="en-GB" sz="2200">
                 <a:latin typeface="+mn-lt"/>
                 <a:ea typeface="Calibri" panose="020F0502020204030204" pitchFamily="34" charset="0"/>
                 <a:cs typeface="Times New Roman"/>
               </a:rPr>
               <a:t>You are expected to wear a face covering </a:t>
             </a:r>
-            <a:endParaRPr lang="en-GB" sz="2200" dirty="0"/>
+            <a:endParaRPr lang="en-GB" sz="2200"/>
           </a:p>
           <a:p>
             <a:pPr marL="457200" indent="-457200">
@@ -4213,26 +4213,15 @@
               <a:buChar char="•"/>
             </a:pPr>
             <a:r>
-              <a:rPr lang="en-US" sz="2200" dirty="0">
-                <a:ea typeface="+mj-lt"/>
-                <a:cs typeface="+mj-lt"/>
-              </a:rPr>
-              <a:t>Tutors will deliver their workshop 2 meters distance from </a:t>
-            </a:r>
-            <a:r>
               <a:rPr lang="en-US" sz="2200">
                 <a:ea typeface="+mj-lt"/>
                 <a:cs typeface="+mj-lt"/>
               </a:rPr>
-              <a:t>you </a:t>
-            </a:r>
-            <a:endParaRPr lang="en-US" sz="2200" dirty="0">
-              <a:ea typeface="+mj-lt"/>
-              <a:cs typeface="+mj-lt"/>
-            </a:endParaRPr>
-          </a:p>
-          <a:p>
-            <a:endParaRPr lang="en-US" sz="2200" u="sng" dirty="0">
+              <a:t>Tutors will deliver their workshop 2 meters distance from you </a:t>
+            </a:r>
+          </a:p>
+          <a:p>
+            <a:endParaRPr lang="en-US" sz="2200" u="sng">
               <a:latin typeface="+mn-lt"/>
               <a:ea typeface="+mj-lt"/>
               <a:cs typeface="+mj-lt"/>
@@ -4240,14 +4229,14 @@
           </a:p>
           <a:p>
             <a:r>
-              <a:rPr lang="en-US" sz="2200" u="sng" dirty="0">
+              <a:rPr lang="en-US" sz="2200" u="sng">
                 <a:latin typeface="+mn-lt"/>
                 <a:ea typeface="+mj-lt"/>
                 <a:cs typeface="+mj-lt"/>
               </a:rPr>
               <a:t>Hygiene</a:t>
             </a:r>
-            <a:endParaRPr lang="en-GB" sz="2200" u="sng" dirty="0">
+            <a:endParaRPr lang="en-GB" sz="2200" u="sng">
               <a:latin typeface="+mn-lt"/>
               <a:ea typeface="Calibri" panose="020F0502020204030204" pitchFamily="34" charset="0"/>
               <a:cs typeface="Times New Roman"/>
@@ -4259,15 +4248,15 @@
               <a:buChar char="•"/>
             </a:pPr>
             <a:r>
-              <a:rPr lang="en-US" sz="2200" dirty="0"/>
+              <a:rPr lang="en-US" sz="2200"/>
               <a:t>Where hand </a:t>
             </a:r>
             <a:r>
-              <a:rPr lang="en-US" sz="2200" dirty="0" err="1"/>
+              <a:rPr lang="en-US" sz="2200" err="1"/>
               <a:t>sanitiser</a:t>
             </a:r>
             <a:r>
-              <a:rPr lang="en-US" sz="2200" dirty="0"/>
+              <a:rPr lang="en-US" sz="2200"/>
               <a:t> is available, please use it</a:t>
             </a:r>
           </a:p>
@@ -4277,7 +4266,7 @@
               <a:buChar char="•"/>
             </a:pPr>
             <a:r>
-              <a:rPr lang="en-US" sz="2200" dirty="0"/>
+              <a:rPr lang="en-US" sz="2200"/>
               <a:t>Please wipe down any communal/shared course materials/equipment </a:t>
             </a:r>
           </a:p>
@@ -4286,14 +4275,14 @@
               <a:buFont typeface="Arial" panose="020B0604020202020204" pitchFamily="34" charset="0"/>
               <a:buChar char="•"/>
             </a:pPr>
-            <a:endParaRPr lang="en-US" sz="2400" dirty="0"/>
+            <a:endParaRPr lang="en-US" sz="2400"/>
           </a:p>
         </p:txBody>
       </p:sp>
     </p:spTree>
     <p:extLst>
       <p:ext uri="{BB962C8B-B14F-4D97-AF65-F5344CB8AC3E}">
-        <p14:creationId xmlns:p14="http://schemas.microsoft.com/office/powerpoint/2010/main" val="70908208"/>
+        <p14:creationId xmlns:p14="http://schemas.microsoft.com/office/powerpoint/2010/main" val="3715785449"/>
       </p:ext>
     </p:extLst>
   </p:cSld>
@@ -4360,7 +4349,7 @@
           </a:lstStyle>
           <a:p>
             <a:r>
-              <a:rPr lang="en-US" sz="3200" dirty="0">
+              <a:rPr lang="en-US" sz="3200">
                 <a:solidFill>
                   <a:schemeClr val="accent3"/>
                 </a:solidFill>
@@ -4391,17 +4380,17 @@
           <a:lstStyle/>
           <a:p>
             <a:r>
-              <a:rPr lang="en-US" sz="2200" u="sng" dirty="0"/>
+              <a:rPr lang="en-US" sz="2200" u="sng"/>
               <a:t>For the purpose of contact tracing</a:t>
             </a:r>
-            <a:endParaRPr lang="en-US" sz="2200" dirty="0"/>
-          </a:p>
-          <a:p>
-            <a:endParaRPr lang="en-US" sz="2200" dirty="0"/>
-          </a:p>
-          <a:p>
-            <a:r>
-              <a:rPr lang="en-US" sz="2200" dirty="0"/>
+            <a:endParaRPr lang="en-US" sz="2200"/>
+          </a:p>
+          <a:p>
+            <a:endParaRPr lang="en-US" sz="2200"/>
+          </a:p>
+          <a:p>
+            <a:r>
+              <a:rPr lang="en-US" sz="2200"/>
               <a:t>For our standard workshops:</a:t>
             </a:r>
           </a:p>
@@ -4411,16 +4400,16 @@
               <a:buChar char="•"/>
             </a:pPr>
             <a:r>
-              <a:rPr lang="en-US" sz="2200" dirty="0"/>
+              <a:rPr lang="en-US" sz="2200"/>
               <a:t>We will provide the CCT Hub with the complete list of attendees at this workshop</a:t>
             </a:r>
           </a:p>
           <a:p>
-            <a:endParaRPr lang="en-US" sz="2200" dirty="0"/>
-          </a:p>
-          <a:p>
-            <a:r>
-              <a:rPr lang="en-US" sz="2200" dirty="0"/>
+            <a:endParaRPr lang="en-US" sz="2200"/>
+          </a:p>
+          <a:p>
+            <a:r>
+              <a:rPr lang="en-US" sz="2200"/>
               <a:t>Where our workshops are held in lecture theatres:</a:t>
             </a:r>
           </a:p>
@@ -4430,27 +4419,19 @@
               <a:buChar char="•"/>
             </a:pPr>
             <a:r>
-              <a:rPr lang="en-US" sz="2200" dirty="0"/>
-              <a:t>You should keep a record of colleagues that you are sat in </a:t>
-            </a:r>
-            <a:r>
               <a:rPr lang="en-US" sz="2200"/>
-              <a:t>close contact with </a:t>
-            </a:r>
-            <a:r>
-              <a:rPr lang="en-US" sz="2200" dirty="0"/>
-              <a:t>(within 2 meters)</a:t>
-            </a:r>
-          </a:p>
-          <a:p>
-            <a:endParaRPr lang="en-US" dirty="0"/>
+              <a:t>You should keep a record of colleagues that you are sat in close contact with (within 2 meters)</a:t>
+            </a:r>
+          </a:p>
+          <a:p>
+            <a:endParaRPr lang="en-US"/>
           </a:p>
         </p:txBody>
       </p:sp>
     </p:spTree>
     <p:extLst>
       <p:ext uri="{BB962C8B-B14F-4D97-AF65-F5344CB8AC3E}">
-        <p14:creationId xmlns:p14="http://schemas.microsoft.com/office/powerpoint/2010/main" val="3238657636"/>
+        <p14:creationId xmlns:p14="http://schemas.microsoft.com/office/powerpoint/2010/main" val="1505221169"/>
       </p:ext>
     </p:extLst>
   </p:cSld>

--- a/Proifling and Optimisation in Python Slides.pptx
+++ b/Proifling and Optimisation in Python Slides.pptx
@@ -5,20 +5,19 @@
     <p:sldMasterId id="2147483648" r:id="rId1"/>
   </p:sldMasterIdLst>
   <p:notesMasterIdLst>
-    <p:notesMasterId r:id="rId10"/>
+    <p:notesMasterId r:id="rId9"/>
   </p:notesMasterIdLst>
   <p:handoutMasterIdLst>
-    <p:handoutMasterId r:id="rId11"/>
+    <p:handoutMasterId r:id="rId10"/>
   </p:handoutMasterIdLst>
   <p:sldIdLst>
     <p:sldId id="264" r:id="rId2"/>
     <p:sldId id="504" r:id="rId3"/>
-    <p:sldId id="505" r:id="rId4"/>
-    <p:sldId id="506" r:id="rId5"/>
-    <p:sldId id="267" r:id="rId6"/>
-    <p:sldId id="281" r:id="rId7"/>
-    <p:sldId id="329" r:id="rId8"/>
-    <p:sldId id="280" r:id="rId9"/>
+    <p:sldId id="258" r:id="rId4"/>
+    <p:sldId id="267" r:id="rId5"/>
+    <p:sldId id="281" r:id="rId6"/>
+    <p:sldId id="329" r:id="rId7"/>
+    <p:sldId id="280" r:id="rId8"/>
   </p:sldIdLst>
   <p:sldSz cx="9144000" cy="6858000" type="screen4x3"/>
   <p:notesSz cx="7099300" cy="10234613"/>
@@ -124,8 +123,7 @@
           <p14:sldIdLst>
             <p14:sldId id="264"/>
             <p14:sldId id="504"/>
-            <p14:sldId id="505"/>
-            <p14:sldId id="506"/>
+            <p14:sldId id="258"/>
             <p14:sldId id="267"/>
             <p14:sldId id="281"/>
             <p14:sldId id="329"/>
@@ -404,7 +402,7 @@
           <a:p>
             <a:fld id="{88EB714B-C3CC-4216-88C1-02913905B1CF}" type="datetimeFigureOut">
               <a:rPr lang="en-GB" smtClean="0"/>
-              <a:t>02/02/2022</a:t>
+              <a:t>08/03/2022</a:t>
             </a:fld>
             <a:endParaRPr lang="en-GB"/>
           </a:p>
@@ -988,7 +986,7 @@
           <a:p>
             <a:fld id="{6A641EC8-C9F8-4A58-A1A7-F7D817526EEC}" type="slidenum">
               <a:rPr lang="en-GB" smtClean="0"/>
-              <a:t>5</a:t>
+              <a:t>4</a:t>
             </a:fld>
             <a:endParaRPr lang="en-GB"/>
           </a:p>
@@ -1072,7 +1070,7 @@
           <a:p>
             <a:fld id="{6A641EC8-C9F8-4A58-A1A7-F7D817526EEC}" type="slidenum">
               <a:rPr lang="en-GB" smtClean="0"/>
-              <a:t>6</a:t>
+              <a:t>5</a:t>
             </a:fld>
             <a:endParaRPr lang="en-GB"/>
           </a:p>
@@ -1156,7 +1154,7 @@
           <a:p>
             <a:fld id="{6A641EC8-C9F8-4A58-A1A7-F7D817526EEC}" type="slidenum">
               <a:rPr lang="en-GB" smtClean="0"/>
-              <a:t>7</a:t>
+              <a:t>6</a:t>
             </a:fld>
             <a:endParaRPr lang="en-GB"/>
           </a:p>
@@ -1352,7 +1350,7 @@
                   <a:spcPct val="0"/>
                 </a:spcBef>
               </a:pPr>
-              <a:t>8</a:t>
+              <a:t>7</a:t>
             </a:fld>
             <a:endParaRPr lang="en-US" altLang="en-US"/>
           </a:p>
@@ -1785,7 +1783,7 @@
           <a:p>
             <a:fld id="{EB0080F8-EA1C-491D-963C-2C881B2F918F}" type="datetimeFigureOut">
               <a:rPr lang="en-GB" smtClean="0"/>
-              <a:t>02/02/2022</a:t>
+              <a:t>08/03/2022</a:t>
             </a:fld>
             <a:endParaRPr lang="en-GB"/>
           </a:p>
@@ -1935,7 +1933,7 @@
           <a:p>
             <a:fld id="{EB0080F8-EA1C-491D-963C-2C881B2F918F}" type="datetimeFigureOut">
               <a:rPr lang="en-GB" smtClean="0"/>
-              <a:t>02/02/2022</a:t>
+              <a:t>08/03/2022</a:t>
             </a:fld>
             <a:endParaRPr lang="en-GB"/>
           </a:p>
@@ -3468,7 +3466,7 @@
           <a:p>
             <a:fld id="{EB0080F8-EA1C-491D-963C-2C881B2F918F}" type="datetimeFigureOut">
               <a:rPr lang="en-GB" smtClean="0"/>
-              <a:t>02/02/2022</a:t>
+              <a:t>08/03/2022</a:t>
             </a:fld>
             <a:endParaRPr lang="en-GB"/>
           </a:p>
@@ -4186,6 +4184,9 @@
           <a:p>
             <a:r>
               <a:rPr lang="en-US" sz="2200" u="sng">
+                <a:solidFill>
+                  <a:schemeClr val="tx1"/>
+                </a:solidFill>
                 <a:ea typeface="+mj-lt"/>
                 <a:cs typeface="+mj-lt"/>
               </a:rPr>
@@ -4198,31 +4199,21 @@
               <a:buChar char="•"/>
             </a:pPr>
             <a:r>
-              <a:rPr lang="en-GB" sz="2200">
+              <a:rPr lang="en-GB" sz="2200" b="0" i="0">
+                <a:solidFill>
+                  <a:schemeClr val="tx1"/>
+                </a:solidFill>
+                <a:effectLst/>
                 <a:latin typeface="+mn-lt"/>
-                <a:ea typeface="Calibri" panose="020F0502020204030204" pitchFamily="34" charset="0"/>
-                <a:cs typeface="Times New Roman"/>
               </a:rPr>
-              <a:t>You are expected to wear a face covering </a:t>
-            </a:r>
-            <a:endParaRPr lang="en-GB" sz="2200"/>
-          </a:p>
-          <a:p>
-            <a:pPr marL="457200" indent="-457200">
-              <a:buFont typeface="Arial" panose="020B0604020202020204" pitchFamily="34" charset="0"/>
-              <a:buChar char="•"/>
-            </a:pPr>
-            <a:r>
-              <a:rPr lang="en-US" sz="2200">
-                <a:ea typeface="+mj-lt"/>
-                <a:cs typeface="+mj-lt"/>
-              </a:rPr>
-              <a:t>Tutors will deliver their workshop 2 meters distance from you </a:t>
+              <a:t>While infection rates remain high, we encourage all members of our community to continue wearing face coverings in most indoor settings on campus, including Graduate School workshops</a:t>
             </a:r>
           </a:p>
           <a:p>
             <a:endParaRPr lang="en-US" sz="2200" u="sng">
-              <a:latin typeface="+mn-lt"/>
+              <a:solidFill>
+                <a:schemeClr val="tx1"/>
+              </a:solidFill>
               <a:ea typeface="+mj-lt"/>
               <a:cs typeface="+mj-lt"/>
             </a:endParaRPr>
@@ -4230,6 +4221,9 @@
           <a:p>
             <a:r>
               <a:rPr lang="en-US" sz="2200" u="sng">
+                <a:solidFill>
+                  <a:schemeClr val="tx1"/>
+                </a:solidFill>
                 <a:latin typeface="+mn-lt"/>
                 <a:ea typeface="+mj-lt"/>
                 <a:cs typeface="+mj-lt"/>
@@ -4237,6 +4231,9 @@
               <a:t>Hygiene</a:t>
             </a:r>
             <a:endParaRPr lang="en-GB" sz="2200" u="sng">
+              <a:solidFill>
+                <a:schemeClr val="tx1"/>
+              </a:solidFill>
               <a:latin typeface="+mn-lt"/>
               <a:ea typeface="Calibri" panose="020F0502020204030204" pitchFamily="34" charset="0"/>
               <a:cs typeface="Times New Roman"/>
@@ -4248,33 +4245,31 @@
               <a:buChar char="•"/>
             </a:pPr>
             <a:r>
-              <a:rPr lang="en-US" sz="2200"/>
+              <a:rPr lang="en-US" sz="2200">
+                <a:solidFill>
+                  <a:schemeClr val="tx1"/>
+                </a:solidFill>
+              </a:rPr>
               <a:t>Where hand </a:t>
             </a:r>
             <a:r>
-              <a:rPr lang="en-US" sz="2200" err="1"/>
+              <a:rPr lang="en-US" sz="2200" err="1">
+                <a:solidFill>
+                  <a:schemeClr val="tx1"/>
+                </a:solidFill>
+              </a:rPr>
               <a:t>sanitiser</a:t>
             </a:r>
             <a:r>
-              <a:rPr lang="en-US" sz="2200"/>
+              <a:rPr lang="en-US" sz="2200">
+                <a:solidFill>
+                  <a:schemeClr val="tx1"/>
+                </a:solidFill>
+              </a:rPr>
               <a:t> is available, please use it</a:t>
             </a:r>
           </a:p>
           <a:p>
-            <a:pPr marL="457200" indent="-457200">
-              <a:buFont typeface="Arial" panose="020B0604020202020204" pitchFamily="34" charset="0"/>
-              <a:buChar char="•"/>
-            </a:pPr>
-            <a:r>
-              <a:rPr lang="en-US" sz="2200"/>
-              <a:t>Please wipe down any communal/shared course materials/equipment </a:t>
-            </a:r>
-          </a:p>
-          <a:p>
-            <a:pPr marL="457200" indent="-457200">
-              <a:buFont typeface="Arial" panose="020B0604020202020204" pitchFamily="34" charset="0"/>
-              <a:buChar char="•"/>
-            </a:pPr>
             <a:endParaRPr lang="en-US" sz="2400"/>
           </a:p>
         </p:txBody>
@@ -4282,7 +4277,7 @@
     </p:spTree>
     <p:extLst>
       <p:ext uri="{BB962C8B-B14F-4D97-AF65-F5344CB8AC3E}">
-        <p14:creationId xmlns:p14="http://schemas.microsoft.com/office/powerpoint/2010/main" val="3715785449"/>
+        <p14:creationId xmlns:p14="http://schemas.microsoft.com/office/powerpoint/2010/main" val="70908208"/>
       </p:ext>
     </p:extLst>
   </p:cSld>
@@ -4311,133 +4306,123 @@
       </p:grpSpPr>
       <p:sp>
         <p:nvSpPr>
-          <p:cNvPr id="4" name="Title 1"/>
-          <p:cNvSpPr txBox="1">
-            <a:spLocks/>
-          </p:cNvSpPr>
-          <p:nvPr/>
+          <p:cNvPr id="2" name="Title 1"/>
+          <p:cNvSpPr>
+            <a:spLocks noGrp="1"/>
+          </p:cNvSpPr>
+          <p:nvPr>
+            <p:ph type="title"/>
+          </p:nvPr>
+        </p:nvSpPr>
+        <p:spPr/>
+        <p:txBody>
+          <a:bodyPr/>
+          <a:lstStyle/>
+          <a:p>
+            <a:r>
+              <a:rPr lang="en-GB" sz="4000" dirty="0"/>
+              <a:t>Learning Outcomes</a:t>
+            </a:r>
+          </a:p>
+        </p:txBody>
+      </p:sp>
+      <p:sp>
+        <p:nvSpPr>
+          <p:cNvPr id="3" name="Content Placeholder 2"/>
+          <p:cNvSpPr>
+            <a:spLocks noGrp="1"/>
+          </p:cNvSpPr>
+          <p:nvPr>
+            <p:ph idx="1"/>
+          </p:nvPr>
         </p:nvSpPr>
         <p:spPr>
           <a:xfrm>
-            <a:off x="401319" y="472966"/>
-            <a:ext cx="5558047" cy="930165"/>
+            <a:off x="457200" y="1600200"/>
+            <a:ext cx="8435280" cy="4876800"/>
           </a:xfrm>
-          <a:prstGeom prst="rect">
-            <a:avLst/>
-          </a:prstGeom>
-        </p:spPr>
-        <p:txBody>
-          <a:bodyPr anchor="b"/>
-          <a:lstStyle>
-            <a:lvl1pPr algn="l" defTabSz="457200" rtl="0" eaLnBrk="1" latinLnBrk="0" hangingPunct="1">
-              <a:lnSpc>
-                <a:spcPct val="90000"/>
-              </a:lnSpc>
-              <a:spcBef>
-                <a:spcPct val="0"/>
-              </a:spcBef>
-              <a:buNone/>
-              <a:defRPr sz="4000" b="1" i="0" kern="1200" baseline="0">
-                <a:solidFill>
-                  <a:schemeClr val="tx2"/>
-                </a:solidFill>
-                <a:latin typeface="+mj-lt"/>
-                <a:ea typeface="+mj-ea"/>
-                <a:cs typeface="MetaOT-Bold"/>
-              </a:defRPr>
-            </a:lvl1pPr>
-          </a:lstStyle>
-          <a:p>
-            <a:r>
-              <a:rPr lang="en-US" sz="3200">
-                <a:solidFill>
-                  <a:schemeClr val="accent3"/>
-                </a:solidFill>
-              </a:rPr>
-              <a:t>Expectations:  Covid-safe teaching environments</a:t>
-            </a:r>
-          </a:p>
-        </p:txBody>
-      </p:sp>
-      <p:sp>
-        <p:nvSpPr>
-          <p:cNvPr id="5" name="Subtitle 2"/>
-          <p:cNvSpPr>
-            <a:spLocks noGrp="1"/>
-          </p:cNvSpPr>
-          <p:nvPr>
-            <p:ph type="subTitle" idx="1"/>
-          </p:nvPr>
-        </p:nvSpPr>
-        <p:spPr>
-          <a:xfrm>
-            <a:off x="189186" y="1450427"/>
-            <a:ext cx="8797158" cy="4020208"/>
-          </a:xfrm>
-        </p:spPr>
-        <p:txBody>
-          <a:bodyPr lIns="91440" tIns="45720" rIns="91440" bIns="45720" anchor="t"/>
+        </p:spPr>
+        <p:txBody>
+          <a:bodyPr>
+            <a:normAutofit/>
+          </a:bodyPr>
           <a:lstStyle/>
           <a:p>
             <a:r>
-              <a:rPr lang="en-US" sz="2200" u="sng"/>
-              <a:t>For the purpose of contact tracing</a:t>
-            </a:r>
-            <a:endParaRPr lang="en-US" sz="2200"/>
-          </a:p>
-          <a:p>
-            <a:endParaRPr lang="en-US" sz="2200"/>
-          </a:p>
-          <a:p>
-            <a:r>
-              <a:rPr lang="en-US" sz="2200"/>
-              <a:t>For our standard workshops:</a:t>
-            </a:r>
-          </a:p>
-          <a:p>
-            <a:pPr marL="342900" indent="-342900">
-              <a:buFont typeface="Arial" panose="020B0604020202020204" pitchFamily="34" charset="0"/>
-              <a:buChar char="•"/>
-            </a:pPr>
-            <a:r>
-              <a:rPr lang="en-US" sz="2200"/>
-              <a:t>We will provide the CCT Hub with the complete list of attendees at this workshop</a:t>
-            </a:r>
-          </a:p>
-          <a:p>
-            <a:endParaRPr lang="en-US" sz="2200"/>
-          </a:p>
-          <a:p>
-            <a:r>
-              <a:rPr lang="en-US" sz="2200"/>
-              <a:t>Where our workshops are held in lecture theatres:</a:t>
-            </a:r>
-          </a:p>
-          <a:p>
-            <a:pPr marL="342900" indent="-342900">
-              <a:buFont typeface="Arial" panose="020B0604020202020204" pitchFamily="34" charset="0"/>
-              <a:buChar char="•"/>
-            </a:pPr>
-            <a:r>
-              <a:rPr lang="en-US" sz="2200"/>
-              <a:t>You should keep a record of colleagues that you are sat in close contact with (within 2 meters)</a:t>
-            </a:r>
-          </a:p>
-          <a:p>
-            <a:endParaRPr lang="en-US"/>
+              <a:rPr lang="en-GB" sz="3000" dirty="0"/>
+              <a:t>1. </a:t>
+            </a:r>
+            <a:r>
+              <a:rPr lang="en-GB" sz="3000" b="1" dirty="0"/>
+              <a:t>Determine</a:t>
+            </a:r>
+            <a:r>
+              <a:rPr lang="en-GB" sz="3000" dirty="0"/>
+              <a:t> when profiling and optimisation is appropriate for a project</a:t>
+            </a:r>
+          </a:p>
+          <a:p>
+            <a:r>
+              <a:rPr lang="en-GB" sz="3000" dirty="0"/>
+              <a:t>2. </a:t>
+            </a:r>
+            <a:r>
+              <a:rPr lang="en-GB" sz="3000" b="1" dirty="0"/>
+              <a:t>Use</a:t>
+            </a:r>
+            <a:r>
+              <a:rPr lang="en-GB" sz="3000" dirty="0"/>
+              <a:t> selected profilers to examine the impact of section of code on run-time and memory usage</a:t>
+            </a:r>
+          </a:p>
+          <a:p>
+            <a:r>
+              <a:rPr lang="en-GB" sz="3000" dirty="0"/>
+              <a:t>3. </a:t>
+            </a:r>
+            <a:r>
+              <a:rPr lang="en-GB" sz="3000" b="1" dirty="0"/>
+              <a:t>Utilise</a:t>
+            </a:r>
+            <a:r>
+              <a:rPr lang="en-GB" sz="3000" dirty="0"/>
+              <a:t> profiler outputs to identify problematic areas of code</a:t>
+            </a:r>
+          </a:p>
+          <a:p>
+            <a:r>
+              <a:rPr lang="en-GB" sz="3000" dirty="0"/>
+              <a:t>4. </a:t>
+            </a:r>
+            <a:r>
+              <a:rPr lang="en-GB" sz="3000" b="1" dirty="0"/>
+              <a:t>Apply</a:t>
+            </a:r>
+            <a:r>
+              <a:rPr lang="en-GB" sz="3000" dirty="0"/>
+              <a:t> common optimisation techniques to improve code performance</a:t>
+            </a:r>
           </a:p>
         </p:txBody>
       </p:sp>
     </p:spTree>
     <p:extLst>
       <p:ext uri="{BB962C8B-B14F-4D97-AF65-F5344CB8AC3E}">
-        <p14:creationId xmlns:p14="http://schemas.microsoft.com/office/powerpoint/2010/main" val="1505221169"/>
+        <p14:creationId xmlns:p14="http://schemas.microsoft.com/office/powerpoint/2010/main" val="3248724752"/>
       </p:ext>
     </p:extLst>
   </p:cSld>
   <p:clrMapOvr>
     <a:masterClrMapping/>
   </p:clrMapOvr>
+  <mc:AlternateContent xmlns:mc="http://schemas.openxmlformats.org/markup-compatibility/2006" xmlns:p14="http://schemas.microsoft.com/office/powerpoint/2010/main">
+    <mc:Choice Requires="p14">
+      <p:transition p14:dur="10"/>
+    </mc:Choice>
+    <mc:Fallback xmlns="">
+      <p:transition/>
+    </mc:Fallback>
+  </mc:AlternateContent>
 </p:sld>
 </file>
 
@@ -4475,7 +4460,7 @@
           <a:p>
             <a:r>
               <a:rPr lang="en-GB" sz="4000" dirty="0"/>
-              <a:t>Learning Outcomes</a:t>
+              <a:t>Notebook Links</a:t>
             </a:r>
           </a:p>
         </p:txBody>
@@ -4503,66 +4488,91 @@
           <a:lstStyle/>
           <a:p>
             <a:r>
-              <a:rPr lang="en-GB" sz="3000" dirty="0"/>
-              <a:t>1. </a:t>
-            </a:r>
-            <a:r>
-              <a:rPr lang="en-GB" sz="3000" b="1" dirty="0"/>
-              <a:t>Determine</a:t>
-            </a:r>
-            <a:r>
-              <a:rPr lang="en-GB" sz="3000" dirty="0"/>
-              <a:t> when profiling and optimisation is appropriate for a project</a:t>
-            </a:r>
-          </a:p>
-          <a:p>
-            <a:r>
-              <a:rPr lang="en-GB" sz="3000" dirty="0"/>
-              <a:t>2. </a:t>
-            </a:r>
-            <a:r>
-              <a:rPr lang="en-GB" sz="3000" b="1" dirty="0"/>
-              <a:t>Use</a:t>
-            </a:r>
-            <a:r>
-              <a:rPr lang="en-GB" sz="3000" dirty="0"/>
-              <a:t> selected profilers to examine the impact of section of code on run-time and memory usage</a:t>
-            </a:r>
-          </a:p>
-          <a:p>
-            <a:r>
-              <a:rPr lang="en-GB" sz="3000" dirty="0"/>
-              <a:t>3. </a:t>
-            </a:r>
-            <a:r>
-              <a:rPr lang="en-GB" sz="3000" b="1" dirty="0"/>
-              <a:t>Utilise</a:t>
-            </a:r>
-            <a:r>
-              <a:rPr lang="en-GB" sz="3000" dirty="0"/>
-              <a:t> profiler outputs to identify problematic areas of code</a:t>
-            </a:r>
-          </a:p>
-          <a:p>
-            <a:r>
-              <a:rPr lang="en-GB" sz="3000" dirty="0"/>
-              <a:t>4. </a:t>
-            </a:r>
-            <a:r>
-              <a:rPr lang="en-GB" sz="3000" b="1" dirty="0"/>
-              <a:t>Apply</a:t>
-            </a:r>
-            <a:r>
-              <a:rPr lang="en-GB" sz="3000" dirty="0"/>
-              <a:t> common optimisation techniques to improve code performance</a:t>
-            </a:r>
+              <a:rPr lang="en-GB" sz="2800" dirty="0">
+                <a:hlinkClick r:id="rId3"/>
+              </a:rPr>
+              <a:t>Profiling</a:t>
+            </a:r>
+            <a:endParaRPr lang="en-GB" sz="2800" dirty="0"/>
+          </a:p>
+          <a:p>
+            <a:r>
+              <a:rPr lang="en-GB" sz="2800" dirty="0">
+                <a:hlinkClick r:id="rId4"/>
+              </a:rPr>
+              <a:t>Algorithm Choice</a:t>
+            </a:r>
+            <a:endParaRPr lang="en-GB" sz="2800" dirty="0"/>
+          </a:p>
+          <a:p>
+            <a:r>
+              <a:rPr lang="en-GB" sz="2800" dirty="0">
+                <a:hlinkClick r:id="rId5"/>
+              </a:rPr>
+              <a:t>Mathematical Optimisation</a:t>
+            </a:r>
+            <a:endParaRPr lang="en-GB" sz="2800" dirty="0"/>
+          </a:p>
+          <a:p>
+            <a:r>
+              <a:rPr lang="en-GB" sz="2800" dirty="0">
+                <a:hlinkClick r:id="rId6"/>
+              </a:rPr>
+              <a:t>Caching</a:t>
+            </a:r>
+            <a:endParaRPr lang="en-GB" sz="2800" dirty="0"/>
+          </a:p>
+          <a:p>
+            <a:r>
+              <a:rPr lang="en-GB" sz="2800" dirty="0">
+                <a:hlinkClick r:id="rId7"/>
+              </a:rPr>
+              <a:t>Optimising Loops</a:t>
+            </a:r>
+            <a:endParaRPr lang="en-GB" sz="2800" dirty="0"/>
+          </a:p>
+          <a:p>
+            <a:r>
+              <a:rPr lang="en-GB" sz="2800" dirty="0">
+                <a:hlinkClick r:id="rId8"/>
+              </a:rPr>
+              <a:t>NumPy</a:t>
+            </a:r>
+            <a:endParaRPr lang="en-GB" sz="2800" dirty="0"/>
+          </a:p>
+          <a:p>
+            <a:r>
+              <a:rPr lang="en-GB" sz="2800" dirty="0">
+                <a:hlinkClick r:id="rId9"/>
+              </a:rPr>
+              <a:t>Parallelism</a:t>
+            </a:r>
+            <a:endParaRPr lang="en-GB" sz="2800" dirty="0"/>
+          </a:p>
+          <a:p>
+            <a:r>
+              <a:rPr lang="en-GB" sz="2800" dirty="0">
+                <a:hlinkClick r:id="rId10"/>
+              </a:rPr>
+              <a:t>Exercise</a:t>
+            </a:r>
+            <a:endParaRPr lang="en-GB" sz="2800" dirty="0"/>
+          </a:p>
+          <a:p>
+            <a:r>
+              <a:rPr lang="en-GB" sz="2800" dirty="0">
+                <a:hlinkClick r:id="rId11"/>
+              </a:rPr>
+              <a:t>Conclusion</a:t>
+            </a:r>
+            <a:endParaRPr lang="en-GB" sz="2800" dirty="0"/>
           </a:p>
         </p:txBody>
       </p:sp>
     </p:spTree>
     <p:extLst>
       <p:ext uri="{BB962C8B-B14F-4D97-AF65-F5344CB8AC3E}">
-        <p14:creationId xmlns:p14="http://schemas.microsoft.com/office/powerpoint/2010/main" val="3248724752"/>
+        <p14:creationId xmlns:p14="http://schemas.microsoft.com/office/powerpoint/2010/main" val="4074605344"/>
       </p:ext>
     </p:extLst>
   </p:cSld>
@@ -4614,170 +4624,6 @@
           <a:p>
             <a:r>
               <a:rPr lang="en-GB" sz="4000" dirty="0"/>
-              <a:t>Notebook Links</a:t>
-            </a:r>
-          </a:p>
-        </p:txBody>
-      </p:sp>
-      <p:sp>
-        <p:nvSpPr>
-          <p:cNvPr id="3" name="Content Placeholder 2"/>
-          <p:cNvSpPr>
-            <a:spLocks noGrp="1"/>
-          </p:cNvSpPr>
-          <p:nvPr>
-            <p:ph idx="1"/>
-          </p:nvPr>
-        </p:nvSpPr>
-        <p:spPr>
-          <a:xfrm>
-            <a:off x="457200" y="1600200"/>
-            <a:ext cx="8435280" cy="4876800"/>
-          </a:xfrm>
-        </p:spPr>
-        <p:txBody>
-          <a:bodyPr>
-            <a:normAutofit/>
-          </a:bodyPr>
-          <a:lstStyle/>
-          <a:p>
-            <a:r>
-              <a:rPr lang="en-GB" sz="2800" dirty="0">
-                <a:hlinkClick r:id="rId3"/>
-              </a:rPr>
-              <a:t>Profiling</a:t>
-            </a:r>
-            <a:endParaRPr lang="en-GB" sz="2800" dirty="0"/>
-          </a:p>
-          <a:p>
-            <a:r>
-              <a:rPr lang="en-GB" sz="2800" dirty="0">
-                <a:hlinkClick r:id="rId4"/>
-              </a:rPr>
-              <a:t>Algorithm Choice</a:t>
-            </a:r>
-            <a:endParaRPr lang="en-GB" sz="2800" dirty="0"/>
-          </a:p>
-          <a:p>
-            <a:r>
-              <a:rPr lang="en-GB" sz="2800" dirty="0">
-                <a:hlinkClick r:id="rId5"/>
-              </a:rPr>
-              <a:t>Mathematical Optimisation</a:t>
-            </a:r>
-            <a:endParaRPr lang="en-GB" sz="2800" dirty="0"/>
-          </a:p>
-          <a:p>
-            <a:r>
-              <a:rPr lang="en-GB" sz="2800" dirty="0">
-                <a:hlinkClick r:id="rId6"/>
-              </a:rPr>
-              <a:t>Caching</a:t>
-            </a:r>
-            <a:endParaRPr lang="en-GB" sz="2800" dirty="0"/>
-          </a:p>
-          <a:p>
-            <a:r>
-              <a:rPr lang="en-GB" sz="2800" dirty="0">
-                <a:hlinkClick r:id="rId7"/>
-              </a:rPr>
-              <a:t>Optimising Loops</a:t>
-            </a:r>
-            <a:endParaRPr lang="en-GB" sz="2800" dirty="0"/>
-          </a:p>
-          <a:p>
-            <a:r>
-              <a:rPr lang="en-GB" sz="2800" dirty="0">
-                <a:hlinkClick r:id="rId8"/>
-              </a:rPr>
-              <a:t>NumPy</a:t>
-            </a:r>
-            <a:endParaRPr lang="en-GB" sz="2800" dirty="0"/>
-          </a:p>
-          <a:p>
-            <a:r>
-              <a:rPr lang="en-GB" sz="2800" dirty="0">
-                <a:hlinkClick r:id="rId9"/>
-              </a:rPr>
-              <a:t>Parallelism</a:t>
-            </a:r>
-            <a:endParaRPr lang="en-GB" sz="2800" dirty="0"/>
-          </a:p>
-          <a:p>
-            <a:r>
-              <a:rPr lang="en-GB" sz="2800" dirty="0">
-                <a:hlinkClick r:id="rId10"/>
-              </a:rPr>
-              <a:t>Exercise</a:t>
-            </a:r>
-            <a:endParaRPr lang="en-GB" sz="2800" dirty="0"/>
-          </a:p>
-          <a:p>
-            <a:r>
-              <a:rPr lang="en-GB" sz="2800" dirty="0">
-                <a:hlinkClick r:id="rId11"/>
-              </a:rPr>
-              <a:t>Conclusion</a:t>
-            </a:r>
-            <a:endParaRPr lang="en-GB" sz="2800" dirty="0"/>
-          </a:p>
-        </p:txBody>
-      </p:sp>
-    </p:spTree>
-    <p:extLst>
-      <p:ext uri="{BB962C8B-B14F-4D97-AF65-F5344CB8AC3E}">
-        <p14:creationId xmlns:p14="http://schemas.microsoft.com/office/powerpoint/2010/main" val="4074605344"/>
-      </p:ext>
-    </p:extLst>
-  </p:cSld>
-  <p:clrMapOvr>
-    <a:masterClrMapping/>
-  </p:clrMapOvr>
-  <mc:AlternateContent xmlns:mc="http://schemas.openxmlformats.org/markup-compatibility/2006" xmlns:p14="http://schemas.microsoft.com/office/powerpoint/2010/main">
-    <mc:Choice Requires="p14">
-      <p:transition p14:dur="10"/>
-    </mc:Choice>
-    <mc:Fallback xmlns="">
-      <p:transition/>
-    </mc:Fallback>
-  </mc:AlternateContent>
-</p:sld>
-</file>
-
-<file path=ppt/slides/slide7.xml><?xml version="1.0" encoding="utf-8"?>
-<p:sld xmlns:a="http://schemas.openxmlformats.org/drawingml/2006/main" xmlns:r="http://schemas.openxmlformats.org/officeDocument/2006/relationships" xmlns:p="http://schemas.openxmlformats.org/presentationml/2006/main">
-  <p:cSld>
-    <p:spTree>
-      <p:nvGrpSpPr>
-        <p:cNvPr id="1" name=""/>
-        <p:cNvGrpSpPr/>
-        <p:nvPr/>
-      </p:nvGrpSpPr>
-      <p:grpSpPr>
-        <a:xfrm>
-          <a:off x="0" y="0"/>
-          <a:ext cx="0" cy="0"/>
-          <a:chOff x="0" y="0"/>
-          <a:chExt cx="0" cy="0"/>
-        </a:xfrm>
-      </p:grpSpPr>
-      <p:sp>
-        <p:nvSpPr>
-          <p:cNvPr id="2" name="Title 1"/>
-          <p:cNvSpPr>
-            <a:spLocks noGrp="1"/>
-          </p:cNvSpPr>
-          <p:nvPr>
-            <p:ph type="title"/>
-          </p:nvPr>
-        </p:nvSpPr>
-        <p:spPr/>
-        <p:txBody>
-          <a:bodyPr/>
-          <a:lstStyle/>
-          <a:p>
-            <a:r>
-              <a:rPr lang="en-GB" sz="4000" dirty="0"/>
               <a:t>Feedback</a:t>
             </a:r>
           </a:p>
@@ -4868,7 +4714,7 @@
 </p:sld>
 </file>
 
-<file path=ppt/slides/slide8.xml><?xml version="1.0" encoding="utf-8"?>
+<file path=ppt/slides/slide7.xml><?xml version="1.0" encoding="utf-8"?>
 <p:sld xmlns:a="http://schemas.openxmlformats.org/drawingml/2006/main" xmlns:r="http://schemas.openxmlformats.org/officeDocument/2006/relationships" xmlns:p="http://schemas.openxmlformats.org/presentationml/2006/main">
   <p:cSld>
     <p:spTree>

--- a/Proifling and Optimisation in Python Slides.pptx
+++ b/Proifling and Optimisation in Python Slides.pptx
@@ -13,7 +13,7 @@
   <p:sldIdLst>
     <p:sldId id="264" r:id="rId2"/>
     <p:sldId id="504" r:id="rId3"/>
-    <p:sldId id="258" r:id="rId4"/>
+    <p:sldId id="538" r:id="rId4"/>
     <p:sldId id="267" r:id="rId5"/>
     <p:sldId id="281" r:id="rId6"/>
     <p:sldId id="329" r:id="rId7"/>
@@ -123,7 +123,7 @@
           <p14:sldIdLst>
             <p14:sldId id="264"/>
             <p14:sldId id="504"/>
-            <p14:sldId id="258"/>
+            <p14:sldId id="538"/>
             <p14:sldId id="267"/>
             <p14:sldId id="281"/>
             <p14:sldId id="329"/>
@@ -402,7 +402,7 @@
           <a:p>
             <a:fld id="{88EB714B-C3CC-4216-88C1-02913905B1CF}" type="datetimeFigureOut">
               <a:rPr lang="en-GB" smtClean="0"/>
-              <a:t>08/03/2022</a:t>
+              <a:t>08/04/2022</a:t>
             </a:fld>
             <a:endParaRPr lang="en-GB"/>
           </a:p>
@@ -1783,7 +1783,7 @@
           <a:p>
             <a:fld id="{EB0080F8-EA1C-491D-963C-2C881B2F918F}" type="datetimeFigureOut">
               <a:rPr lang="en-GB" smtClean="0"/>
-              <a:t>08/03/2022</a:t>
+              <a:t>08/04/2022</a:t>
             </a:fld>
             <a:endParaRPr lang="en-GB"/>
           </a:p>
@@ -1933,7 +1933,7 @@
           <a:p>
             <a:fld id="{EB0080F8-EA1C-491D-963C-2C881B2F918F}" type="datetimeFigureOut">
               <a:rPr lang="en-GB" smtClean="0"/>
-              <a:t>08/03/2022</a:t>
+              <a:t>08/04/2022</a:t>
             </a:fld>
             <a:endParaRPr lang="en-GB"/>
           </a:p>
@@ -3466,7 +3466,7 @@
           <a:p>
             <a:fld id="{EB0080F8-EA1C-491D-963C-2C881B2F918F}" type="datetimeFigureOut">
               <a:rPr lang="en-GB" smtClean="0"/>
-              <a:t>08/03/2022</a:t>
+              <a:t>08/04/2022</a:t>
             </a:fld>
             <a:endParaRPr lang="en-GB"/>
           </a:p>
@@ -4152,7 +4152,7 @@
           </a:lstStyle>
           <a:p>
             <a:r>
-              <a:rPr lang="en-US" sz="3200">
+              <a:rPr lang="en-US" sz="3200" dirty="0">
                 <a:solidFill>
                   <a:schemeClr val="accent3"/>
                 </a:solidFill>
@@ -4182,102 +4182,137 @@
           <a:bodyPr lIns="91440" tIns="45720" rIns="91440" bIns="45720" anchor="t"/>
           <a:lstStyle/>
           <a:p>
-            <a:r>
-              <a:rPr lang="en-US" sz="2200" u="sng">
-                <a:solidFill>
-                  <a:schemeClr val="tx1"/>
-                </a:solidFill>
-                <a:ea typeface="+mj-lt"/>
-                <a:cs typeface="+mj-lt"/>
-              </a:rPr>
-              <a:t>Face coverings</a:t>
-            </a:r>
-          </a:p>
-          <a:p>
-            <a:pPr marL="457200" indent="-457200">
+            <a:pPr marL="285750" indent="-285750">
               <a:buFont typeface="Arial" panose="020B0604020202020204" pitchFamily="34" charset="0"/>
               <a:buChar char="•"/>
             </a:pPr>
             <a:r>
-              <a:rPr lang="en-GB" sz="2200" b="0" i="0">
+              <a:rPr lang="en-GB" sz="2400" dirty="0">
                 <a:solidFill>
                   <a:schemeClr val="tx1"/>
                 </a:solidFill>
-                <a:effectLst/>
-                <a:latin typeface="+mn-lt"/>
+                <a:latin typeface="Arial" panose="020B0604020202020204" pitchFamily="34" charset="0"/>
+                <a:ea typeface="MS PGothic" panose="020B0600070205080204" pitchFamily="34" charset="-128"/>
               </a:rPr>
-              <a:t>While infection rates remain high, we encourage all members of our community to continue wearing face coverings in most indoor settings on campus, including Graduate School workshops</a:t>
-            </a:r>
-          </a:p>
-          <a:p>
-            <a:endParaRPr lang="en-US" sz="2200" u="sng">
+              <a:t>You are encouraged to wear a face covering indoors, especially in crowded, enclosed spaces, unless you are exempt.  This includes </a:t>
+            </a:r>
+            <a:r>
+              <a:rPr lang="en-GB" sz="2400" b="1" dirty="0">
+                <a:solidFill>
+                  <a:schemeClr val="tx1"/>
+                </a:solidFill>
+                <a:latin typeface="Arial" panose="020B0604020202020204" pitchFamily="34" charset="0"/>
+                <a:ea typeface="MS PGothic" panose="020B0600070205080204" pitchFamily="34" charset="-128"/>
+              </a:rPr>
+              <a:t>for Graduate School workshops</a:t>
+            </a:r>
+          </a:p>
+          <a:p>
+            <a:endParaRPr lang="en-US" sz="2400" dirty="0">
               <a:solidFill>
                 <a:schemeClr val="tx1"/>
               </a:solidFill>
-              <a:ea typeface="+mj-lt"/>
-              <a:cs typeface="+mj-lt"/>
             </a:endParaRPr>
           </a:p>
           <a:p>
-            <a:r>
-              <a:rPr lang="en-US" sz="2200" u="sng">
+            <a:pPr marL="285750" indent="-285750">
+              <a:buFont typeface="Arial" panose="020B0604020202020204" pitchFamily="34" charset="0"/>
+              <a:buChar char="•"/>
+            </a:pPr>
+            <a:r>
+              <a:rPr lang="en-GB" sz="2400" dirty="0">
                 <a:solidFill>
                   <a:schemeClr val="tx1"/>
                 </a:solidFill>
-                <a:latin typeface="+mn-lt"/>
-                <a:ea typeface="+mj-lt"/>
-                <a:cs typeface="+mj-lt"/>
+                <a:effectLst/>
+                <a:latin typeface="Arial" panose="020B0604020202020204" pitchFamily="34" charset="0"/>
+                <a:ea typeface="MS PGothic" panose="020B0600070205080204" pitchFamily="34" charset="-128"/>
               </a:rPr>
-              <a:t>Hygiene</a:t>
-            </a:r>
-            <a:endParaRPr lang="en-GB" sz="2200" u="sng">
+              <a:t>Cover your coughs and sneezes to reduce the spread of particles </a:t>
+            </a:r>
+          </a:p>
+          <a:p>
+            <a:endParaRPr lang="en-GB" sz="2400" dirty="0">
               <a:solidFill>
                 <a:schemeClr val="tx1"/>
               </a:solidFill>
-              <a:latin typeface="+mn-lt"/>
-              <a:ea typeface="Calibri" panose="020F0502020204030204" pitchFamily="34" charset="0"/>
-              <a:cs typeface="Times New Roman"/>
+              <a:effectLst/>
+              <a:latin typeface="Arial" panose="020B0604020202020204" pitchFamily="34" charset="0"/>
+              <a:ea typeface="MS PGothic" panose="020B0600070205080204" pitchFamily="34" charset="-128"/>
             </a:endParaRPr>
           </a:p>
           <a:p>
-            <a:pPr marL="457200" indent="-457200">
+            <a:pPr marL="285750" indent="-285750">
               <a:buFont typeface="Arial" panose="020B0604020202020204" pitchFamily="34" charset="0"/>
               <a:buChar char="•"/>
             </a:pPr>
             <a:r>
-              <a:rPr lang="en-US" sz="2200">
+              <a:rPr lang="en-GB" sz="2400" dirty="0">
                 <a:solidFill>
                   <a:schemeClr val="tx1"/>
                 </a:solidFill>
+                <a:latin typeface="Arial" panose="020B0604020202020204" pitchFamily="34" charset="0"/>
+                <a:ea typeface="MS PGothic" panose="020B0600070205080204" pitchFamily="34" charset="-128"/>
               </a:rPr>
-              <a:t>Where hand </a:t>
-            </a:r>
-            <a:r>
-              <a:rPr lang="en-US" sz="2200" err="1">
+              <a:t>R</a:t>
+            </a:r>
+            <a:r>
+              <a:rPr lang="en-GB" sz="2400" dirty="0">
                 <a:solidFill>
                   <a:schemeClr val="tx1"/>
                 </a:solidFill>
+                <a:effectLst/>
+                <a:latin typeface="Arial" panose="020B0604020202020204" pitchFamily="34" charset="0"/>
+                <a:ea typeface="MS PGothic" panose="020B0600070205080204" pitchFamily="34" charset="-128"/>
               </a:rPr>
-              <a:t>sanitiser</a:t>
-            </a:r>
-            <a:r>
-              <a:rPr lang="en-US" sz="2200">
+              <a:t>espect people’s wishes for extra space </a:t>
+            </a:r>
+          </a:p>
+          <a:p>
+            <a:endParaRPr lang="en-GB" sz="2400" dirty="0">
+              <a:solidFill>
+                <a:schemeClr val="tx1"/>
+              </a:solidFill>
+              <a:latin typeface="Arial" panose="020B0604020202020204" pitchFamily="34" charset="0"/>
+              <a:ea typeface="MS PGothic" panose="020B0600070205080204" pitchFamily="34" charset="-128"/>
+            </a:endParaRPr>
+          </a:p>
+          <a:p>
+            <a:pPr marL="285750" indent="-285750">
+              <a:buFont typeface="Arial" panose="020B0604020202020204" pitchFamily="34" charset="0"/>
+              <a:buChar char="•"/>
+            </a:pPr>
+            <a:r>
+              <a:rPr lang="en-GB" sz="2400" dirty="0">
                 <a:solidFill>
                   <a:schemeClr val="tx1"/>
                 </a:solidFill>
+                <a:effectLst/>
+                <a:latin typeface="Arial" panose="020B0604020202020204" pitchFamily="34" charset="0"/>
+                <a:ea typeface="MS PGothic" panose="020B0600070205080204" pitchFamily="34" charset="-128"/>
               </a:rPr>
-              <a:t> is available, please use it</a:t>
-            </a:r>
-          </a:p>
-          <a:p>
-            <a:endParaRPr lang="en-US" sz="2400"/>
+              <a:t>Use hand sanitiser where it is available to you</a:t>
+            </a:r>
+          </a:p>
+          <a:p>
+            <a:r>
+              <a:rPr lang="en-GB" sz="2400" dirty="0">
+                <a:solidFill>
+                  <a:schemeClr val="tx1"/>
+                </a:solidFill>
+                <a:effectLst/>
+                <a:latin typeface="Arial" panose="020B0604020202020204" pitchFamily="34" charset="0"/>
+                <a:ea typeface="MS PGothic" panose="020B0600070205080204" pitchFamily="34" charset="-128"/>
+              </a:rPr>
+              <a:t> </a:t>
+            </a:r>
           </a:p>
         </p:txBody>
       </p:sp>
     </p:spTree>
     <p:extLst>
       <p:ext uri="{BB962C8B-B14F-4D97-AF65-F5344CB8AC3E}">
-        <p14:creationId xmlns:p14="http://schemas.microsoft.com/office/powerpoint/2010/main" val="70908208"/>
+        <p14:creationId xmlns:p14="http://schemas.microsoft.com/office/powerpoint/2010/main" val="2596273163"/>
       </p:ext>
     </p:extLst>
   </p:cSld>

--- a/Proifling and Optimisation in Python Slides.pptx
+++ b/Proifling and Optimisation in Python Slides.pptx
@@ -5,19 +5,18 @@
     <p:sldMasterId id="2147483648" r:id="rId1"/>
   </p:sldMasterIdLst>
   <p:notesMasterIdLst>
-    <p:notesMasterId r:id="rId9"/>
+    <p:notesMasterId r:id="rId8"/>
   </p:notesMasterIdLst>
   <p:handoutMasterIdLst>
-    <p:handoutMasterId r:id="rId10"/>
+    <p:handoutMasterId r:id="rId9"/>
   </p:handoutMasterIdLst>
   <p:sldIdLst>
     <p:sldId id="264" r:id="rId2"/>
     <p:sldId id="504" r:id="rId3"/>
-    <p:sldId id="538" r:id="rId4"/>
-    <p:sldId id="267" r:id="rId5"/>
-    <p:sldId id="281" r:id="rId6"/>
-    <p:sldId id="329" r:id="rId7"/>
-    <p:sldId id="280" r:id="rId8"/>
+    <p:sldId id="267" r:id="rId4"/>
+    <p:sldId id="281" r:id="rId5"/>
+    <p:sldId id="329" r:id="rId6"/>
+    <p:sldId id="280" r:id="rId7"/>
   </p:sldIdLst>
   <p:sldSz cx="9144000" cy="6858000" type="screen4x3"/>
   <p:notesSz cx="7099300" cy="10234613"/>
@@ -123,7 +122,6 @@
           <p14:sldIdLst>
             <p14:sldId id="264"/>
             <p14:sldId id="504"/>
-            <p14:sldId id="538"/>
             <p14:sldId id="267"/>
             <p14:sldId id="281"/>
             <p14:sldId id="329"/>
@@ -402,7 +400,7 @@
           <a:p>
             <a:fld id="{88EB714B-C3CC-4216-88C1-02913905B1CF}" type="datetimeFigureOut">
               <a:rPr lang="en-GB" smtClean="0"/>
-              <a:t>08/04/2022</a:t>
+              <a:t>20/05/2022</a:t>
             </a:fld>
             <a:endParaRPr lang="en-GB"/>
           </a:p>
@@ -986,7 +984,7 @@
           <a:p>
             <a:fld id="{6A641EC8-C9F8-4A58-A1A7-F7D817526EEC}" type="slidenum">
               <a:rPr lang="en-GB" smtClean="0"/>
-              <a:t>4</a:t>
+              <a:t>3</a:t>
             </a:fld>
             <a:endParaRPr lang="en-GB"/>
           </a:p>
@@ -1070,7 +1068,7 @@
           <a:p>
             <a:fld id="{6A641EC8-C9F8-4A58-A1A7-F7D817526EEC}" type="slidenum">
               <a:rPr lang="en-GB" smtClean="0"/>
-              <a:t>5</a:t>
+              <a:t>4</a:t>
             </a:fld>
             <a:endParaRPr lang="en-GB"/>
           </a:p>
@@ -1154,7 +1152,7 @@
           <a:p>
             <a:fld id="{6A641EC8-C9F8-4A58-A1A7-F7D817526EEC}" type="slidenum">
               <a:rPr lang="en-GB" smtClean="0"/>
-              <a:t>6</a:t>
+              <a:t>5</a:t>
             </a:fld>
             <a:endParaRPr lang="en-GB"/>
           </a:p>
@@ -1350,7 +1348,7 @@
                   <a:spcPct val="0"/>
                 </a:spcBef>
               </a:pPr>
-              <a:t>7</a:t>
+              <a:t>6</a:t>
             </a:fld>
             <a:endParaRPr lang="en-US" altLang="en-US"/>
           </a:p>
@@ -1783,7 +1781,7 @@
           <a:p>
             <a:fld id="{EB0080F8-EA1C-491D-963C-2C881B2F918F}" type="datetimeFigureOut">
               <a:rPr lang="en-GB" smtClean="0"/>
-              <a:t>08/04/2022</a:t>
+              <a:t>20/05/2022</a:t>
             </a:fld>
             <a:endParaRPr lang="en-GB"/>
           </a:p>
@@ -1933,7 +1931,7 @@
           <a:p>
             <a:fld id="{EB0080F8-EA1C-491D-963C-2C881B2F918F}" type="datetimeFigureOut">
               <a:rPr lang="en-GB" smtClean="0"/>
-              <a:t>08/04/2022</a:t>
+              <a:t>20/05/2022</a:t>
             </a:fld>
             <a:endParaRPr lang="en-GB"/>
           </a:p>
@@ -3466,7 +3464,7 @@
           <a:p>
             <a:fld id="{EB0080F8-EA1C-491D-963C-2C881B2F918F}" type="datetimeFigureOut">
               <a:rPr lang="en-GB" smtClean="0"/>
-              <a:t>08/04/2022</a:t>
+              <a:t>20/05/2022</a:t>
             </a:fld>
             <a:endParaRPr lang="en-GB"/>
           </a:p>
@@ -4114,197 +4112,101 @@
       </p:grpSpPr>
       <p:sp>
         <p:nvSpPr>
-          <p:cNvPr id="4" name="Title 1"/>
-          <p:cNvSpPr txBox="1">
-            <a:spLocks/>
-          </p:cNvSpPr>
-          <p:nvPr/>
+          <p:cNvPr id="2" name="Title 1"/>
+          <p:cNvSpPr>
+            <a:spLocks noGrp="1"/>
+          </p:cNvSpPr>
+          <p:nvPr>
+            <p:ph type="title"/>
+          </p:nvPr>
+        </p:nvSpPr>
+        <p:spPr/>
+        <p:txBody>
+          <a:bodyPr/>
+          <a:lstStyle/>
+          <a:p>
+            <a:r>
+              <a:rPr lang="en-GB" sz="4000" dirty="0"/>
+              <a:t>Learning Outcomes</a:t>
+            </a:r>
+          </a:p>
+        </p:txBody>
+      </p:sp>
+      <p:sp>
+        <p:nvSpPr>
+          <p:cNvPr id="3" name="Content Placeholder 2"/>
+          <p:cNvSpPr>
+            <a:spLocks noGrp="1"/>
+          </p:cNvSpPr>
+          <p:nvPr>
+            <p:ph idx="1"/>
+          </p:nvPr>
         </p:nvSpPr>
         <p:spPr>
           <a:xfrm>
-            <a:off x="401320" y="472966"/>
-            <a:ext cx="5778764" cy="961696"/>
+            <a:off x="457200" y="1600200"/>
+            <a:ext cx="8435280" cy="4876800"/>
           </a:xfrm>
-          <a:prstGeom prst="rect">
-            <a:avLst/>
-          </a:prstGeom>
-        </p:spPr>
-        <p:txBody>
-          <a:bodyPr anchor="b"/>
-          <a:lstStyle>
-            <a:lvl1pPr algn="l" defTabSz="457200" rtl="0" eaLnBrk="1" latinLnBrk="0" hangingPunct="1">
-              <a:lnSpc>
-                <a:spcPct val="90000"/>
-              </a:lnSpc>
-              <a:spcBef>
-                <a:spcPct val="0"/>
-              </a:spcBef>
-              <a:buNone/>
-              <a:defRPr sz="4000" b="1" i="0" kern="1200" baseline="0">
-                <a:solidFill>
-                  <a:schemeClr val="tx2"/>
-                </a:solidFill>
-                <a:latin typeface="+mj-lt"/>
-                <a:ea typeface="+mj-ea"/>
-                <a:cs typeface="MetaOT-Bold"/>
-              </a:defRPr>
-            </a:lvl1pPr>
-          </a:lstStyle>
-          <a:p>
-            <a:r>
-              <a:rPr lang="en-US" sz="3200" dirty="0">
-                <a:solidFill>
-                  <a:schemeClr val="accent3"/>
-                </a:solidFill>
-              </a:rPr>
-              <a:t>Expectations:  Covid-safe teaching environments</a:t>
-            </a:r>
-          </a:p>
-        </p:txBody>
-      </p:sp>
-      <p:sp>
-        <p:nvSpPr>
-          <p:cNvPr id="5" name="Subtitle 2"/>
-          <p:cNvSpPr>
-            <a:spLocks noGrp="1"/>
-          </p:cNvSpPr>
-          <p:nvPr>
-            <p:ph type="subTitle" idx="1"/>
-          </p:nvPr>
-        </p:nvSpPr>
-        <p:spPr>
-          <a:xfrm>
-            <a:off x="401320" y="1631731"/>
-            <a:ext cx="8490432" cy="4548352"/>
-          </a:xfrm>
-        </p:spPr>
-        <p:txBody>
-          <a:bodyPr lIns="91440" tIns="45720" rIns="91440" bIns="45720" anchor="t"/>
+        </p:spPr>
+        <p:txBody>
+          <a:bodyPr>
+            <a:normAutofit/>
+          </a:bodyPr>
           <a:lstStyle/>
           <a:p>
-            <a:pPr marL="285750" indent="-285750">
-              <a:buFont typeface="Arial" panose="020B0604020202020204" pitchFamily="34" charset="0"/>
-              <a:buChar char="•"/>
-            </a:pPr>
-            <a:r>
-              <a:rPr lang="en-GB" sz="2400" dirty="0">
-                <a:solidFill>
-                  <a:schemeClr val="tx1"/>
-                </a:solidFill>
-                <a:latin typeface="Arial" panose="020B0604020202020204" pitchFamily="34" charset="0"/>
-                <a:ea typeface="MS PGothic" panose="020B0600070205080204" pitchFamily="34" charset="-128"/>
-              </a:rPr>
-              <a:t>You are encouraged to wear a face covering indoors, especially in crowded, enclosed spaces, unless you are exempt.  This includes </a:t>
-            </a:r>
-            <a:r>
-              <a:rPr lang="en-GB" sz="2400" b="1" dirty="0">
-                <a:solidFill>
-                  <a:schemeClr val="tx1"/>
-                </a:solidFill>
-                <a:latin typeface="Arial" panose="020B0604020202020204" pitchFamily="34" charset="0"/>
-                <a:ea typeface="MS PGothic" panose="020B0600070205080204" pitchFamily="34" charset="-128"/>
-              </a:rPr>
-              <a:t>for Graduate School workshops</a:t>
-            </a:r>
-          </a:p>
-          <a:p>
-            <a:endParaRPr lang="en-US" sz="2400" dirty="0">
-              <a:solidFill>
-                <a:schemeClr val="tx1"/>
-              </a:solidFill>
-            </a:endParaRPr>
-          </a:p>
-          <a:p>
-            <a:pPr marL="285750" indent="-285750">
-              <a:buFont typeface="Arial" panose="020B0604020202020204" pitchFamily="34" charset="0"/>
-              <a:buChar char="•"/>
-            </a:pPr>
-            <a:r>
-              <a:rPr lang="en-GB" sz="2400" dirty="0">
-                <a:solidFill>
-                  <a:schemeClr val="tx1"/>
-                </a:solidFill>
-                <a:effectLst/>
-                <a:latin typeface="Arial" panose="020B0604020202020204" pitchFamily="34" charset="0"/>
-                <a:ea typeface="MS PGothic" panose="020B0600070205080204" pitchFamily="34" charset="-128"/>
-              </a:rPr>
-              <a:t>Cover your coughs and sneezes to reduce the spread of particles </a:t>
-            </a:r>
-          </a:p>
-          <a:p>
-            <a:endParaRPr lang="en-GB" sz="2400" dirty="0">
-              <a:solidFill>
-                <a:schemeClr val="tx1"/>
-              </a:solidFill>
-              <a:effectLst/>
-              <a:latin typeface="Arial" panose="020B0604020202020204" pitchFamily="34" charset="0"/>
-              <a:ea typeface="MS PGothic" panose="020B0600070205080204" pitchFamily="34" charset="-128"/>
-            </a:endParaRPr>
-          </a:p>
-          <a:p>
-            <a:pPr marL="285750" indent="-285750">
-              <a:buFont typeface="Arial" panose="020B0604020202020204" pitchFamily="34" charset="0"/>
-              <a:buChar char="•"/>
-            </a:pPr>
-            <a:r>
-              <a:rPr lang="en-GB" sz="2400" dirty="0">
-                <a:solidFill>
-                  <a:schemeClr val="tx1"/>
-                </a:solidFill>
-                <a:latin typeface="Arial" panose="020B0604020202020204" pitchFamily="34" charset="0"/>
-                <a:ea typeface="MS PGothic" panose="020B0600070205080204" pitchFamily="34" charset="-128"/>
-              </a:rPr>
-              <a:t>R</a:t>
-            </a:r>
-            <a:r>
-              <a:rPr lang="en-GB" sz="2400" dirty="0">
-                <a:solidFill>
-                  <a:schemeClr val="tx1"/>
-                </a:solidFill>
-                <a:effectLst/>
-                <a:latin typeface="Arial" panose="020B0604020202020204" pitchFamily="34" charset="0"/>
-                <a:ea typeface="MS PGothic" panose="020B0600070205080204" pitchFamily="34" charset="-128"/>
-              </a:rPr>
-              <a:t>espect people’s wishes for extra space </a:t>
-            </a:r>
-          </a:p>
-          <a:p>
-            <a:endParaRPr lang="en-GB" sz="2400" dirty="0">
-              <a:solidFill>
-                <a:schemeClr val="tx1"/>
-              </a:solidFill>
-              <a:latin typeface="Arial" panose="020B0604020202020204" pitchFamily="34" charset="0"/>
-              <a:ea typeface="MS PGothic" panose="020B0600070205080204" pitchFamily="34" charset="-128"/>
-            </a:endParaRPr>
-          </a:p>
-          <a:p>
-            <a:pPr marL="285750" indent="-285750">
-              <a:buFont typeface="Arial" panose="020B0604020202020204" pitchFamily="34" charset="0"/>
-              <a:buChar char="•"/>
-            </a:pPr>
-            <a:r>
-              <a:rPr lang="en-GB" sz="2400" dirty="0">
-                <a:solidFill>
-                  <a:schemeClr val="tx1"/>
-                </a:solidFill>
-                <a:effectLst/>
-                <a:latin typeface="Arial" panose="020B0604020202020204" pitchFamily="34" charset="0"/>
-                <a:ea typeface="MS PGothic" panose="020B0600070205080204" pitchFamily="34" charset="-128"/>
-              </a:rPr>
-              <a:t>Use hand sanitiser where it is available to you</a:t>
-            </a:r>
-          </a:p>
-          <a:p>
-            <a:r>
-              <a:rPr lang="en-GB" sz="2400" dirty="0">
-                <a:solidFill>
-                  <a:schemeClr val="tx1"/>
-                </a:solidFill>
-                <a:effectLst/>
-                <a:latin typeface="Arial" panose="020B0604020202020204" pitchFamily="34" charset="0"/>
-                <a:ea typeface="MS PGothic" panose="020B0600070205080204" pitchFamily="34" charset="-128"/>
-              </a:rPr>
-              <a:t> </a:t>
+            <a:r>
+              <a:rPr lang="en-GB" sz="3000" dirty="0"/>
+              <a:t>1. </a:t>
+            </a:r>
+            <a:r>
+              <a:rPr lang="en-GB" sz="3000" b="1" dirty="0"/>
+              <a:t>Determine</a:t>
+            </a:r>
+            <a:r>
+              <a:rPr lang="en-GB" sz="3000" dirty="0"/>
+              <a:t> when profiling and optimisation is appropriate for a project</a:t>
+            </a:r>
+          </a:p>
+          <a:p>
+            <a:r>
+              <a:rPr lang="en-GB" sz="3000" dirty="0"/>
+              <a:t>2. </a:t>
+            </a:r>
+            <a:r>
+              <a:rPr lang="en-GB" sz="3000" b="1" dirty="0"/>
+              <a:t>Use</a:t>
+            </a:r>
+            <a:r>
+              <a:rPr lang="en-GB" sz="3000" dirty="0"/>
+              <a:t> selected profilers to examine the impact of section of code on run-time and memory usage</a:t>
+            </a:r>
+          </a:p>
+          <a:p>
+            <a:r>
+              <a:rPr lang="en-GB" sz="3000" dirty="0"/>
+              <a:t>3. </a:t>
+            </a:r>
+            <a:r>
+              <a:rPr lang="en-GB" sz="3000" b="1" dirty="0"/>
+              <a:t>Utilise</a:t>
+            </a:r>
+            <a:r>
+              <a:rPr lang="en-GB" sz="3000" dirty="0"/>
+              <a:t> profiler outputs to identify problematic areas of code</a:t>
+            </a:r>
+          </a:p>
+          <a:p>
+            <a:r>
+              <a:rPr lang="en-GB" sz="3000" dirty="0"/>
+              <a:t>4. </a:t>
+            </a:r>
+            <a:r>
+              <a:rPr lang="en-GB" sz="3000" b="1" dirty="0"/>
+              <a:t>Apply</a:t>
+            </a:r>
+            <a:r>
+              <a:rPr lang="en-GB" sz="3000" dirty="0"/>
+              <a:t> common optimisation techniques to improve code performance</a:t>
             </a:r>
           </a:p>
         </p:txBody>
@@ -4312,13 +4214,21 @@
     </p:spTree>
     <p:extLst>
       <p:ext uri="{BB962C8B-B14F-4D97-AF65-F5344CB8AC3E}">
-        <p14:creationId xmlns:p14="http://schemas.microsoft.com/office/powerpoint/2010/main" val="2596273163"/>
+        <p14:creationId xmlns:p14="http://schemas.microsoft.com/office/powerpoint/2010/main" val="3248724752"/>
       </p:ext>
     </p:extLst>
   </p:cSld>
   <p:clrMapOvr>
     <a:masterClrMapping/>
   </p:clrMapOvr>
+  <mc:AlternateContent xmlns:mc="http://schemas.openxmlformats.org/markup-compatibility/2006" xmlns:p14="http://schemas.microsoft.com/office/powerpoint/2010/main">
+    <mc:Choice Requires="p14">
+      <p:transition p14:dur="10"/>
+    </mc:Choice>
+    <mc:Fallback xmlns="">
+      <p:transition/>
+    </mc:Fallback>
+  </mc:AlternateContent>
 </p:sld>
 </file>
 
@@ -4356,7 +4266,7 @@
           <a:p>
             <a:r>
               <a:rPr lang="en-GB" sz="4000" dirty="0"/>
-              <a:t>Learning Outcomes</a:t>
+              <a:t>Notebook Links</a:t>
             </a:r>
           </a:p>
         </p:txBody>
@@ -4384,66 +4294,91 @@
           <a:lstStyle/>
           <a:p>
             <a:r>
-              <a:rPr lang="en-GB" sz="3000" dirty="0"/>
-              <a:t>1. </a:t>
-            </a:r>
-            <a:r>
-              <a:rPr lang="en-GB" sz="3000" b="1" dirty="0"/>
-              <a:t>Determine</a:t>
-            </a:r>
-            <a:r>
-              <a:rPr lang="en-GB" sz="3000" dirty="0"/>
-              <a:t> when profiling and optimisation is appropriate for a project</a:t>
-            </a:r>
-          </a:p>
-          <a:p>
-            <a:r>
-              <a:rPr lang="en-GB" sz="3000" dirty="0"/>
-              <a:t>2. </a:t>
-            </a:r>
-            <a:r>
-              <a:rPr lang="en-GB" sz="3000" b="1" dirty="0"/>
-              <a:t>Use</a:t>
-            </a:r>
-            <a:r>
-              <a:rPr lang="en-GB" sz="3000" dirty="0"/>
-              <a:t> selected profilers to examine the impact of section of code on run-time and memory usage</a:t>
-            </a:r>
-          </a:p>
-          <a:p>
-            <a:r>
-              <a:rPr lang="en-GB" sz="3000" dirty="0"/>
-              <a:t>3. </a:t>
-            </a:r>
-            <a:r>
-              <a:rPr lang="en-GB" sz="3000" b="1" dirty="0"/>
-              <a:t>Utilise</a:t>
-            </a:r>
-            <a:r>
-              <a:rPr lang="en-GB" sz="3000" dirty="0"/>
-              <a:t> profiler outputs to identify problematic areas of code</a:t>
-            </a:r>
-          </a:p>
-          <a:p>
-            <a:r>
-              <a:rPr lang="en-GB" sz="3000" dirty="0"/>
-              <a:t>4. </a:t>
-            </a:r>
-            <a:r>
-              <a:rPr lang="en-GB" sz="3000" b="1" dirty="0"/>
-              <a:t>Apply</a:t>
-            </a:r>
-            <a:r>
-              <a:rPr lang="en-GB" sz="3000" dirty="0"/>
-              <a:t> common optimisation techniques to improve code performance</a:t>
-            </a:r>
+              <a:rPr lang="en-GB" sz="2800" dirty="0">
+                <a:hlinkClick r:id="rId3"/>
+              </a:rPr>
+              <a:t>Profiling</a:t>
+            </a:r>
+            <a:endParaRPr lang="en-GB" sz="2800" dirty="0"/>
+          </a:p>
+          <a:p>
+            <a:r>
+              <a:rPr lang="en-GB" sz="2800" dirty="0">
+                <a:hlinkClick r:id="rId4"/>
+              </a:rPr>
+              <a:t>Algorithm Choice</a:t>
+            </a:r>
+            <a:endParaRPr lang="en-GB" sz="2800" dirty="0"/>
+          </a:p>
+          <a:p>
+            <a:r>
+              <a:rPr lang="en-GB" sz="2800" dirty="0">
+                <a:hlinkClick r:id="rId5"/>
+              </a:rPr>
+              <a:t>Mathematical Optimisation</a:t>
+            </a:r>
+            <a:endParaRPr lang="en-GB" sz="2800" dirty="0"/>
+          </a:p>
+          <a:p>
+            <a:r>
+              <a:rPr lang="en-GB" sz="2800" dirty="0">
+                <a:hlinkClick r:id="rId6"/>
+              </a:rPr>
+              <a:t>Caching</a:t>
+            </a:r>
+            <a:endParaRPr lang="en-GB" sz="2800" dirty="0"/>
+          </a:p>
+          <a:p>
+            <a:r>
+              <a:rPr lang="en-GB" sz="2800" dirty="0">
+                <a:hlinkClick r:id="rId7"/>
+              </a:rPr>
+              <a:t>Optimising Loops</a:t>
+            </a:r>
+            <a:endParaRPr lang="en-GB" sz="2800" dirty="0"/>
+          </a:p>
+          <a:p>
+            <a:r>
+              <a:rPr lang="en-GB" sz="2800" dirty="0">
+                <a:hlinkClick r:id="rId8"/>
+              </a:rPr>
+              <a:t>NumPy</a:t>
+            </a:r>
+            <a:endParaRPr lang="en-GB" sz="2800" dirty="0"/>
+          </a:p>
+          <a:p>
+            <a:r>
+              <a:rPr lang="en-GB" sz="2800" dirty="0">
+                <a:hlinkClick r:id="rId9"/>
+              </a:rPr>
+              <a:t>Parallelism</a:t>
+            </a:r>
+            <a:endParaRPr lang="en-GB" sz="2800" dirty="0"/>
+          </a:p>
+          <a:p>
+            <a:r>
+              <a:rPr lang="en-GB" sz="2800" dirty="0">
+                <a:hlinkClick r:id="rId10"/>
+              </a:rPr>
+              <a:t>Exercise</a:t>
+            </a:r>
+            <a:endParaRPr lang="en-GB" sz="2800" dirty="0"/>
+          </a:p>
+          <a:p>
+            <a:r>
+              <a:rPr lang="en-GB" sz="2800" dirty="0">
+                <a:hlinkClick r:id="rId11"/>
+              </a:rPr>
+              <a:t>Conclusion</a:t>
+            </a:r>
+            <a:endParaRPr lang="en-GB" sz="2800" dirty="0"/>
           </a:p>
         </p:txBody>
       </p:sp>
     </p:spTree>
     <p:extLst>
       <p:ext uri="{BB962C8B-B14F-4D97-AF65-F5344CB8AC3E}">
-        <p14:creationId xmlns:p14="http://schemas.microsoft.com/office/powerpoint/2010/main" val="3248724752"/>
+        <p14:creationId xmlns:p14="http://schemas.microsoft.com/office/powerpoint/2010/main" val="4074605344"/>
       </p:ext>
     </p:extLst>
   </p:cSld>
@@ -4495,170 +4430,6 @@
           <a:p>
             <a:r>
               <a:rPr lang="en-GB" sz="4000" dirty="0"/>
-              <a:t>Notebook Links</a:t>
-            </a:r>
-          </a:p>
-        </p:txBody>
-      </p:sp>
-      <p:sp>
-        <p:nvSpPr>
-          <p:cNvPr id="3" name="Content Placeholder 2"/>
-          <p:cNvSpPr>
-            <a:spLocks noGrp="1"/>
-          </p:cNvSpPr>
-          <p:nvPr>
-            <p:ph idx="1"/>
-          </p:nvPr>
-        </p:nvSpPr>
-        <p:spPr>
-          <a:xfrm>
-            <a:off x="457200" y="1600200"/>
-            <a:ext cx="8435280" cy="4876800"/>
-          </a:xfrm>
-        </p:spPr>
-        <p:txBody>
-          <a:bodyPr>
-            <a:normAutofit/>
-          </a:bodyPr>
-          <a:lstStyle/>
-          <a:p>
-            <a:r>
-              <a:rPr lang="en-GB" sz="2800" dirty="0">
-                <a:hlinkClick r:id="rId3"/>
-              </a:rPr>
-              <a:t>Profiling</a:t>
-            </a:r>
-            <a:endParaRPr lang="en-GB" sz="2800" dirty="0"/>
-          </a:p>
-          <a:p>
-            <a:r>
-              <a:rPr lang="en-GB" sz="2800" dirty="0">
-                <a:hlinkClick r:id="rId4"/>
-              </a:rPr>
-              <a:t>Algorithm Choice</a:t>
-            </a:r>
-            <a:endParaRPr lang="en-GB" sz="2800" dirty="0"/>
-          </a:p>
-          <a:p>
-            <a:r>
-              <a:rPr lang="en-GB" sz="2800" dirty="0">
-                <a:hlinkClick r:id="rId5"/>
-              </a:rPr>
-              <a:t>Mathematical Optimisation</a:t>
-            </a:r>
-            <a:endParaRPr lang="en-GB" sz="2800" dirty="0"/>
-          </a:p>
-          <a:p>
-            <a:r>
-              <a:rPr lang="en-GB" sz="2800" dirty="0">
-                <a:hlinkClick r:id="rId6"/>
-              </a:rPr>
-              <a:t>Caching</a:t>
-            </a:r>
-            <a:endParaRPr lang="en-GB" sz="2800" dirty="0"/>
-          </a:p>
-          <a:p>
-            <a:r>
-              <a:rPr lang="en-GB" sz="2800" dirty="0">
-                <a:hlinkClick r:id="rId7"/>
-              </a:rPr>
-              <a:t>Optimising Loops</a:t>
-            </a:r>
-            <a:endParaRPr lang="en-GB" sz="2800" dirty="0"/>
-          </a:p>
-          <a:p>
-            <a:r>
-              <a:rPr lang="en-GB" sz="2800" dirty="0">
-                <a:hlinkClick r:id="rId8"/>
-              </a:rPr>
-              <a:t>NumPy</a:t>
-            </a:r>
-            <a:endParaRPr lang="en-GB" sz="2800" dirty="0"/>
-          </a:p>
-          <a:p>
-            <a:r>
-              <a:rPr lang="en-GB" sz="2800" dirty="0">
-                <a:hlinkClick r:id="rId9"/>
-              </a:rPr>
-              <a:t>Parallelism</a:t>
-            </a:r>
-            <a:endParaRPr lang="en-GB" sz="2800" dirty="0"/>
-          </a:p>
-          <a:p>
-            <a:r>
-              <a:rPr lang="en-GB" sz="2800" dirty="0">
-                <a:hlinkClick r:id="rId10"/>
-              </a:rPr>
-              <a:t>Exercise</a:t>
-            </a:r>
-            <a:endParaRPr lang="en-GB" sz="2800" dirty="0"/>
-          </a:p>
-          <a:p>
-            <a:r>
-              <a:rPr lang="en-GB" sz="2800" dirty="0">
-                <a:hlinkClick r:id="rId11"/>
-              </a:rPr>
-              <a:t>Conclusion</a:t>
-            </a:r>
-            <a:endParaRPr lang="en-GB" sz="2800" dirty="0"/>
-          </a:p>
-        </p:txBody>
-      </p:sp>
-    </p:spTree>
-    <p:extLst>
-      <p:ext uri="{BB962C8B-B14F-4D97-AF65-F5344CB8AC3E}">
-        <p14:creationId xmlns:p14="http://schemas.microsoft.com/office/powerpoint/2010/main" val="4074605344"/>
-      </p:ext>
-    </p:extLst>
-  </p:cSld>
-  <p:clrMapOvr>
-    <a:masterClrMapping/>
-  </p:clrMapOvr>
-  <mc:AlternateContent xmlns:mc="http://schemas.openxmlformats.org/markup-compatibility/2006" xmlns:p14="http://schemas.microsoft.com/office/powerpoint/2010/main">
-    <mc:Choice Requires="p14">
-      <p:transition p14:dur="10"/>
-    </mc:Choice>
-    <mc:Fallback xmlns="">
-      <p:transition/>
-    </mc:Fallback>
-  </mc:AlternateContent>
-</p:sld>
-</file>
-
-<file path=ppt/slides/slide6.xml><?xml version="1.0" encoding="utf-8"?>
-<p:sld xmlns:a="http://schemas.openxmlformats.org/drawingml/2006/main" xmlns:r="http://schemas.openxmlformats.org/officeDocument/2006/relationships" xmlns:p="http://schemas.openxmlformats.org/presentationml/2006/main">
-  <p:cSld>
-    <p:spTree>
-      <p:nvGrpSpPr>
-        <p:cNvPr id="1" name=""/>
-        <p:cNvGrpSpPr/>
-        <p:nvPr/>
-      </p:nvGrpSpPr>
-      <p:grpSpPr>
-        <a:xfrm>
-          <a:off x="0" y="0"/>
-          <a:ext cx="0" cy="0"/>
-          <a:chOff x="0" y="0"/>
-          <a:chExt cx="0" cy="0"/>
-        </a:xfrm>
-      </p:grpSpPr>
-      <p:sp>
-        <p:nvSpPr>
-          <p:cNvPr id="2" name="Title 1"/>
-          <p:cNvSpPr>
-            <a:spLocks noGrp="1"/>
-          </p:cNvSpPr>
-          <p:nvPr>
-            <p:ph type="title"/>
-          </p:nvPr>
-        </p:nvSpPr>
-        <p:spPr/>
-        <p:txBody>
-          <a:bodyPr/>
-          <a:lstStyle/>
-          <a:p>
-            <a:r>
-              <a:rPr lang="en-GB" sz="4000" dirty="0"/>
               <a:t>Feedback</a:t>
             </a:r>
           </a:p>
@@ -4749,7 +4520,7 @@
 </p:sld>
 </file>
 
-<file path=ppt/slides/slide7.xml><?xml version="1.0" encoding="utf-8"?>
+<file path=ppt/slides/slide6.xml><?xml version="1.0" encoding="utf-8"?>
 <p:sld xmlns:a="http://schemas.openxmlformats.org/drawingml/2006/main" xmlns:r="http://schemas.openxmlformats.org/officeDocument/2006/relationships" xmlns:p="http://schemas.openxmlformats.org/presentationml/2006/main">
   <p:cSld>
     <p:spTree>

--- a/Proifling and Optimisation in Python Slides.pptx
+++ b/Proifling and Optimisation in Python Slides.pptx
@@ -15,7 +15,7 @@
     <p:sldId id="504" r:id="rId3"/>
     <p:sldId id="267" r:id="rId4"/>
     <p:sldId id="281" r:id="rId5"/>
-    <p:sldId id="329" r:id="rId6"/>
+    <p:sldId id="335" r:id="rId6"/>
     <p:sldId id="280" r:id="rId7"/>
   </p:sldIdLst>
   <p:sldSz cx="9144000" cy="6858000" type="screen4x3"/>
@@ -124,7 +124,7 @@
             <p14:sldId id="504"/>
             <p14:sldId id="267"/>
             <p14:sldId id="281"/>
-            <p14:sldId id="329"/>
+            <p14:sldId id="335"/>
             <p14:sldId id="280"/>
           </p14:sldIdLst>
         </p14:section>
@@ -149,6 +149,49 @@
     </p:ext>
   </p:extLst>
 </p:presentation>
+</file>
+
+<file path=ppt/revisionInfo.xml><?xml version="1.0" encoding="utf-8"?>
+<p1510:revInfo xmlns:a="http://schemas.openxmlformats.org/drawingml/2006/main" xmlns:r="http://schemas.openxmlformats.org/officeDocument/2006/relationships" xmlns:p1510="http://schemas.microsoft.com/office/powerpoint/2015/10/main">
+  <p1510:revLst>
+    <p1510:client id="{364A9411-3C96-41AC-8718-8ABC0B33872B}" v="4" dt="2022-10-10T15:34:08.738"/>
+  </p1510:revLst>
+</p1510:revInfo>
+</file>
+
+<file path=ppt/changesInfos/changesInfo1.xml><?xml version="1.0" encoding="utf-8"?>
+<pc:chgInfo xmlns:a="http://schemas.openxmlformats.org/drawingml/2006/main" xmlns:r="http://schemas.openxmlformats.org/officeDocument/2006/relationships" xmlns:ac="http://schemas.microsoft.com/office/drawing/2013/main/command" xmlns:pc="http://schemas.microsoft.com/office/powerpoint/2013/main/command">
+  <pc:docChgLst>
+    <pc:chgData name="Cooling, Chris" userId="6dcf99c9-2ba5-410a-8445-0893a3d1421f" providerId="ADAL" clId="{364A9411-3C96-41AC-8718-8ABC0B33872B}"/>
+    <pc:docChg chg="addSld delSld modSld modSection">
+      <pc:chgData name="Cooling, Chris" userId="6dcf99c9-2ba5-410a-8445-0893a3d1421f" providerId="ADAL" clId="{364A9411-3C96-41AC-8718-8ABC0B33872B}" dt="2022-10-10T15:33:42.270" v="3"/>
+      <pc:docMkLst>
+        <pc:docMk/>
+      </pc:docMkLst>
+      <pc:sldChg chg="add del">
+        <pc:chgData name="Cooling, Chris" userId="6dcf99c9-2ba5-410a-8445-0893a3d1421f" providerId="ADAL" clId="{364A9411-3C96-41AC-8718-8ABC0B33872B}" dt="2022-10-10T15:33:42.270" v="3"/>
+        <pc:sldMkLst>
+          <pc:docMk/>
+          <pc:sldMk cId="4074605344" sldId="281"/>
+        </pc:sldMkLst>
+      </pc:sldChg>
+      <pc:sldChg chg="del">
+        <pc:chgData name="Cooling, Chris" userId="6dcf99c9-2ba5-410a-8445-0893a3d1421f" providerId="ADAL" clId="{364A9411-3C96-41AC-8718-8ABC0B33872B}" dt="2022-10-10T15:33:32.381" v="0" actId="47"/>
+        <pc:sldMkLst>
+          <pc:docMk/>
+          <pc:sldMk cId="2122788927" sldId="329"/>
+        </pc:sldMkLst>
+      </pc:sldChg>
+      <pc:sldChg chg="add">
+        <pc:chgData name="Cooling, Chris" userId="6dcf99c9-2ba5-410a-8445-0893a3d1421f" providerId="ADAL" clId="{364A9411-3C96-41AC-8718-8ABC0B33872B}" dt="2022-10-10T15:33:34.139" v="1"/>
+        <pc:sldMkLst>
+          <pc:docMk/>
+          <pc:sldMk cId="466020703" sldId="335"/>
+        </pc:sldMkLst>
+      </pc:sldChg>
+    </pc:docChg>
+  </pc:docChgLst>
+</pc:chgInfo>
 </file>
 
 <file path=ppt/handoutMasters/handoutMaster1.xml><?xml version="1.0" encoding="utf-8"?>
@@ -400,7 +443,7 @@
           <a:p>
             <a:fld id="{88EB714B-C3CC-4216-88C1-02913905B1CF}" type="datetimeFigureOut">
               <a:rPr lang="en-GB" smtClean="0"/>
-              <a:t>20/05/2022</a:t>
+              <a:t>10/10/2022</a:t>
             </a:fld>
             <a:endParaRPr lang="en-GB"/>
           </a:p>
@@ -1781,7 +1824,7 @@
           <a:p>
             <a:fld id="{EB0080F8-EA1C-491D-963C-2C881B2F918F}" type="datetimeFigureOut">
               <a:rPr lang="en-GB" smtClean="0"/>
-              <a:t>20/05/2022</a:t>
+              <a:t>10/10/2022</a:t>
             </a:fld>
             <a:endParaRPr lang="en-GB"/>
           </a:p>
@@ -1931,7 +1974,7 @@
           <a:p>
             <a:fld id="{EB0080F8-EA1C-491D-963C-2C881B2F918F}" type="datetimeFigureOut">
               <a:rPr lang="en-GB" smtClean="0"/>
-              <a:t>20/05/2022</a:t>
+              <a:t>10/10/2022</a:t>
             </a:fld>
             <a:endParaRPr lang="en-GB"/>
           </a:p>
@@ -3464,7 +3507,7 @@
           <a:p>
             <a:fld id="{EB0080F8-EA1C-491D-963C-2C881B2F918F}" type="datetimeFigureOut">
               <a:rPr lang="en-GB" smtClean="0"/>
-              <a:t>20/05/2022</a:t>
+              <a:t>10/10/2022</a:t>
             </a:fld>
             <a:endParaRPr lang="en-GB"/>
           </a:p>
@@ -4266,7 +4309,7 @@
           <a:p>
             <a:r>
               <a:rPr lang="en-GB" sz="4000" dirty="0"/>
-              <a:t>Notebook Links</a:t>
+              <a:t>Course Materials</a:t>
             </a:r>
           </a:p>
         </p:txBody>
@@ -4293,85 +4336,96 @@
           </a:bodyPr>
           <a:lstStyle/>
           <a:p>
-            <a:r>
-              <a:rPr lang="en-GB" sz="2800" dirty="0">
+            <a:pPr algn="l">
+              <a:buFont typeface="Arial" panose="020B0604020202020204" pitchFamily="34" charset="0"/>
+              <a:buChar char="•"/>
+            </a:pPr>
+            <a:r>
+              <a:rPr lang="en-GB" b="0" i="0" u="none" strike="noStrike" dirty="0">
+                <a:effectLst/>
+              </a:rPr>
+              <a:t>The course materials are stored in a </a:t>
+            </a:r>
+            <a:r>
+              <a:rPr lang="en-GB" b="0" i="0" u="none" strike="noStrike" dirty="0">
+                <a:effectLst/>
                 <a:hlinkClick r:id="rId3"/>
               </a:rPr>
-              <a:t>Profiling</a:t>
-            </a:r>
-            <a:endParaRPr lang="en-GB" sz="2800" dirty="0"/>
-          </a:p>
-          <a:p>
-            <a:r>
-              <a:rPr lang="en-GB" sz="2800" dirty="0">
+              <a:t>GitHub </a:t>
+            </a:r>
+            <a:r>
+              <a:rPr lang="en-GB" b="0" i="0" u="none" strike="noStrike" dirty="0">
+                <a:effectLst/>
                 <a:hlinkClick r:id="rId4"/>
               </a:rPr>
-              <a:t>Algorithm Choice</a:t>
-            </a:r>
-            <a:endParaRPr lang="en-GB" sz="2800" dirty="0"/>
-          </a:p>
-          <a:p>
-            <a:r>
-              <a:rPr lang="en-GB" sz="2800" dirty="0">
+              <a:t>repository</a:t>
+            </a:r>
+            <a:endParaRPr lang="en-GB" b="0" i="0" u="none" strike="noStrike" dirty="0">
+              <a:effectLst/>
+            </a:endParaRPr>
+          </a:p>
+          <a:p>
+            <a:pPr algn="l">
+              <a:buFont typeface="Arial" panose="020B0604020202020204" pitchFamily="34" charset="0"/>
+              <a:buChar char="•"/>
+            </a:pPr>
+            <a:r>
+              <a:rPr lang="en-GB" dirty="0"/>
+              <a:t>Instructions for using the materials are found in the </a:t>
+            </a:r>
+            <a:r>
+              <a:rPr lang="en-GB" dirty="0">
                 <a:hlinkClick r:id="rId5"/>
               </a:rPr>
-              <a:t>Mathematical Optimisation</a:t>
-            </a:r>
-            <a:endParaRPr lang="en-GB" sz="2800" dirty="0"/>
-          </a:p>
-          <a:p>
-            <a:r>
-              <a:rPr lang="en-GB" sz="2800" dirty="0">
-                <a:hlinkClick r:id="rId6"/>
+              <a:t>readme</a:t>
+            </a:r>
+            <a:endParaRPr lang="en-GB" dirty="0"/>
+          </a:p>
+          <a:p>
+            <a:pPr algn="l">
+              <a:buFont typeface="Arial" panose="020B0604020202020204" pitchFamily="34" charset="0"/>
+              <a:buChar char="•"/>
+            </a:pPr>
+            <a:r>
+              <a:rPr lang="en-GB" dirty="0"/>
+              <a:t>Links to open the course notebooks in </a:t>
+            </a:r>
+            <a:r>
+              <a:rPr lang="en-GB" dirty="0" err="1"/>
+              <a:t>Colab</a:t>
+            </a:r>
+            <a:r>
+              <a:rPr lang="en-GB" dirty="0"/>
+              <a:t> are at the bottom of the readme</a:t>
+            </a:r>
+          </a:p>
+          <a:p>
+            <a:pPr algn="l">
+              <a:buFont typeface="Arial" panose="020B0604020202020204" pitchFamily="34" charset="0"/>
+              <a:buChar char="•"/>
+            </a:pPr>
+            <a:r>
+              <a:rPr lang="en-GB" b="0" i="0" dirty="0">
+                <a:effectLst/>
               </a:rPr>
-              <a:t>Caching</a:t>
-            </a:r>
-            <a:endParaRPr lang="en-GB" sz="2800" dirty="0"/>
-          </a:p>
-          <a:p>
-            <a:r>
-              <a:rPr lang="en-GB" sz="2800" dirty="0">
-                <a:hlinkClick r:id="rId7"/>
+              <a:t>The materials can also be </a:t>
+            </a:r>
+            <a:r>
+              <a:rPr lang="en-GB" dirty="0"/>
+              <a:t>downloaded and run locally</a:t>
+            </a:r>
+          </a:p>
+          <a:p>
+            <a:pPr algn="l">
+              <a:buFont typeface="Arial" panose="020B0604020202020204" pitchFamily="34" charset="0"/>
+              <a:buChar char="•"/>
+            </a:pPr>
+            <a:r>
+              <a:rPr lang="en-GB" b="0" i="0" dirty="0">
+                <a:effectLst/>
               </a:rPr>
-              <a:t>Optimising Loops</a:t>
-            </a:r>
-            <a:endParaRPr lang="en-GB" sz="2800" dirty="0"/>
-          </a:p>
-          <a:p>
-            <a:r>
-              <a:rPr lang="en-GB" sz="2800" dirty="0">
-                <a:hlinkClick r:id="rId8"/>
-              </a:rPr>
-              <a:t>NumPy</a:t>
-            </a:r>
-            <a:endParaRPr lang="en-GB" sz="2800" dirty="0"/>
-          </a:p>
-          <a:p>
-            <a:r>
-              <a:rPr lang="en-GB" sz="2800" dirty="0">
-                <a:hlinkClick r:id="rId9"/>
-              </a:rPr>
-              <a:t>Parallelism</a:t>
-            </a:r>
-            <a:endParaRPr lang="en-GB" sz="2800" dirty="0"/>
-          </a:p>
-          <a:p>
-            <a:r>
-              <a:rPr lang="en-GB" sz="2800" dirty="0">
-                <a:hlinkClick r:id="rId10"/>
-              </a:rPr>
-              <a:t>Exercise</a:t>
-            </a:r>
-            <a:endParaRPr lang="en-GB" sz="2800" dirty="0"/>
-          </a:p>
-          <a:p>
-            <a:r>
-              <a:rPr lang="en-GB" sz="2800" dirty="0">
-                <a:hlinkClick r:id="rId11"/>
-              </a:rPr>
-              <a:t>Conclusion</a:t>
-            </a:r>
-            <a:endParaRPr lang="en-GB" sz="2800" dirty="0"/>
+              <a:t>You can also star/fork the repository</a:t>
+            </a:r>
           </a:p>
         </p:txBody>
       </p:sp>
@@ -4413,6 +4467,36 @@
           <a:chExt cx="0" cy="0"/>
         </a:xfrm>
       </p:grpSpPr>
+      <p:pic>
+        <p:nvPicPr>
+          <p:cNvPr id="5" name="Picture 4" descr="Qr code&#10;&#10;Description automatically generated">
+            <a:extLst>
+              <a:ext uri="{FF2B5EF4-FFF2-40B4-BE49-F238E27FC236}">
+                <a16:creationId xmlns:a16="http://schemas.microsoft.com/office/drawing/2014/main" id="{6EC95C70-AC70-4FEA-AC75-84A729884BE8}"/>
+              </a:ext>
+            </a:extLst>
+          </p:cNvPr>
+          <p:cNvPicPr>
+            <a:picLocks noChangeAspect="1"/>
+          </p:cNvPicPr>
+          <p:nvPr/>
+        </p:nvPicPr>
+        <p:blipFill>
+          <a:blip r:embed="rId3"/>
+          <a:stretch>
+            <a:fillRect/>
+          </a:stretch>
+        </p:blipFill>
+        <p:spPr>
+          <a:xfrm>
+            <a:off x="3111335" y="3921107"/>
+            <a:ext cx="2921330" cy="2921330"/>
+          </a:xfrm>
+          <a:prstGeom prst="rect">
+            <a:avLst/>
+          </a:prstGeom>
+        </p:spPr>
+      </p:pic>
       <p:sp>
         <p:nvSpPr>
           <p:cNvPr id="2" name="Title 1"/>
@@ -4448,12 +4532,12 @@
         <p:spPr>
           <a:xfrm>
             <a:off x="457200" y="1600200"/>
-            <a:ext cx="8435280" cy="4876800"/>
+            <a:ext cx="8435280" cy="2787732"/>
           </a:xfrm>
         </p:spPr>
         <p:txBody>
           <a:bodyPr>
-            <a:normAutofit/>
+            <a:normAutofit lnSpcReduction="10000"/>
           </a:bodyPr>
           <a:lstStyle/>
           <a:p>
@@ -4469,14 +4553,10 @@
               <a:t>The link is </a:t>
             </a:r>
             <a:r>
-              <a:rPr lang="en-GB" sz="2600" b="0" i="0" u="sng" dirty="0">
-                <a:solidFill>
-                  <a:srgbClr val="954F72"/>
-                </a:solidFill>
-                <a:effectLst/>
-                <a:hlinkClick r:id="rId3"/>
+              <a:rPr lang="en-GB" sz="2600" dirty="0">
+                <a:hlinkClick r:id="rId4"/>
               </a:rPr>
-              <a:t>http://bit.ly/rcds2021</a:t>
+              <a:t>https://tinyurl.com/rcds2022-23</a:t>
             </a:r>
             <a:endParaRPr lang="en-GB" sz="2600" dirty="0"/>
           </a:p>
@@ -4502,7 +4582,7 @@
     </p:spTree>
     <p:extLst>
       <p:ext uri="{BB962C8B-B14F-4D97-AF65-F5344CB8AC3E}">
-        <p14:creationId xmlns:p14="http://schemas.microsoft.com/office/powerpoint/2010/main" val="2122788927"/>
+        <p14:creationId xmlns:p14="http://schemas.microsoft.com/office/powerpoint/2010/main" val="466020703"/>
       </p:ext>
     </p:extLst>
   </p:cSld>

--- a/Proifling and Optimisation in Python Slides.pptx
+++ b/Proifling and Optimisation in Python Slides.pptx
@@ -12,7 +12,7 @@
   </p:handoutMasterIdLst>
   <p:sldIdLst>
     <p:sldId id="264" r:id="rId2"/>
-    <p:sldId id="504" r:id="rId3"/>
+    <p:sldId id="505" r:id="rId3"/>
     <p:sldId id="267" r:id="rId4"/>
     <p:sldId id="281" r:id="rId5"/>
     <p:sldId id="335" r:id="rId6"/>
@@ -121,7 +121,7 @@
         <p14:section name="Introduction" id="{45EEEAF5-8C61-4410-A3AB-B2CD0B57ECF0}">
           <p14:sldIdLst>
             <p14:sldId id="264"/>
-            <p14:sldId id="504"/>
+            <p14:sldId id="505"/>
             <p14:sldId id="267"/>
             <p14:sldId id="281"/>
             <p14:sldId id="335"/>
@@ -154,13 +154,36 @@
 <file path=ppt/revisionInfo.xml><?xml version="1.0" encoding="utf-8"?>
 <p1510:revInfo xmlns:a="http://schemas.openxmlformats.org/drawingml/2006/main" xmlns:r="http://schemas.openxmlformats.org/officeDocument/2006/relationships" xmlns:p1510="http://schemas.microsoft.com/office/powerpoint/2015/10/main">
   <p1510:revLst>
-    <p1510:client id="{364A9411-3C96-41AC-8718-8ABC0B33872B}" v="4" dt="2022-10-10T15:34:08.738"/>
+    <p1510:client id="{548292A9-5DCE-4A26-84C1-B8CD68794E78}" v="1" dt="2023-02-24T16:45:02.326"/>
   </p1510:revLst>
 </p1510:revInfo>
 </file>
 
 <file path=ppt/changesInfos/changesInfo1.xml><?xml version="1.0" encoding="utf-8"?>
 <pc:chgInfo xmlns:a="http://schemas.openxmlformats.org/drawingml/2006/main" xmlns:r="http://schemas.openxmlformats.org/officeDocument/2006/relationships" xmlns:ac="http://schemas.microsoft.com/office/drawing/2013/main/command" xmlns:pc="http://schemas.microsoft.com/office/powerpoint/2013/main/command">
+  <pc:docChgLst>
+    <pc:chgData name="Cooling, Chris" userId="6dcf99c9-2ba5-410a-8445-0893a3d1421f" providerId="ADAL" clId="{548292A9-5DCE-4A26-84C1-B8CD68794E78}"/>
+    <pc:docChg chg="addSld delSld modSld modSection">
+      <pc:chgData name="Cooling, Chris" userId="6dcf99c9-2ba5-410a-8445-0893a3d1421f" providerId="ADAL" clId="{548292A9-5DCE-4A26-84C1-B8CD68794E78}" dt="2023-02-24T16:45:04.610" v="1" actId="47"/>
+      <pc:docMkLst>
+        <pc:docMk/>
+      </pc:docMkLst>
+      <pc:sldChg chg="del">
+        <pc:chgData name="Cooling, Chris" userId="6dcf99c9-2ba5-410a-8445-0893a3d1421f" providerId="ADAL" clId="{548292A9-5DCE-4A26-84C1-B8CD68794E78}" dt="2023-02-24T16:45:04.610" v="1" actId="47"/>
+        <pc:sldMkLst>
+          <pc:docMk/>
+          <pc:sldMk cId="3686223621" sldId="504"/>
+        </pc:sldMkLst>
+      </pc:sldChg>
+      <pc:sldChg chg="add">
+        <pc:chgData name="Cooling, Chris" userId="6dcf99c9-2ba5-410a-8445-0893a3d1421f" providerId="ADAL" clId="{548292A9-5DCE-4A26-84C1-B8CD68794E78}" dt="2023-02-24T16:45:02.323" v="0"/>
+        <pc:sldMkLst>
+          <pc:docMk/>
+          <pc:sldMk cId="3550779426" sldId="505"/>
+        </pc:sldMkLst>
+      </pc:sldChg>
+    </pc:docChg>
+  </pc:docChgLst>
   <pc:docChgLst>
     <pc:chgData name="Cooling, Chris" userId="6dcf99c9-2ba5-410a-8445-0893a3d1421f" providerId="ADAL" clId="{364A9411-3C96-41AC-8718-8ABC0B33872B}"/>
     <pc:docChg chg="addSld delSld modSld modSection">
@@ -443,7 +466,7 @@
           <a:p>
             <a:fld id="{88EB714B-C3CC-4216-88C1-02913905B1CF}" type="datetimeFigureOut">
               <a:rPr lang="en-GB" smtClean="0"/>
-              <a:t>10/10/2022</a:t>
+              <a:t>24/02/2023</a:t>
             </a:fld>
             <a:endParaRPr lang="en-GB"/>
           </a:p>
@@ -1006,6 +1029,29 @@
           <a:bodyPr/>
           <a:lstStyle/>
           <a:p>
+            <a:pPr marL="0" marR="0" lvl="0" indent="0" algn="l" defTabSz="914400" rtl="0" eaLnBrk="1" fontAlgn="auto" latinLnBrk="0" hangingPunct="1">
+              <a:lnSpc>
+                <a:spcPct val="100000"/>
+              </a:lnSpc>
+              <a:spcBef>
+                <a:spcPts val="0"/>
+              </a:spcBef>
+              <a:spcAft>
+                <a:spcPts val="0"/>
+              </a:spcAft>
+              <a:buClrTx/>
+              <a:buSzTx/>
+              <a:buFontTx/>
+              <a:buNone/>
+              <a:tabLst/>
+              <a:defRPr/>
+            </a:pPr>
+            <a:r>
+              <a:rPr lang="en-GB" dirty="0"/>
+              <a:t>No additional notes.</a:t>
+            </a:r>
+          </a:p>
+          <a:p>
             <a:endParaRPr lang="en-GB" dirty="0"/>
           </a:p>
         </p:txBody>
@@ -1017,7 +1063,7 @@
             <a:spLocks noGrp="1"/>
           </p:cNvSpPr>
           <p:nvPr>
-            <p:ph type="sldNum" sz="quarter" idx="10"/>
+            <p:ph type="sldNum" sz="quarter" idx="5"/>
           </p:nvPr>
         </p:nvSpPr>
         <p:spPr/>
@@ -1025,9 +1071,9 @@
           <a:bodyPr/>
           <a:lstStyle/>
           <a:p>
-            <a:fld id="{6A641EC8-C9F8-4A58-A1A7-F7D817526EEC}" type="slidenum">
+            <a:fld id="{3AE2EC8F-0D0C-480E-9701-891381D03195}" type="slidenum">
               <a:rPr lang="en-GB" smtClean="0"/>
-              <a:t>3</a:t>
+              <a:t>2</a:t>
             </a:fld>
             <a:endParaRPr lang="en-GB"/>
           </a:p>
@@ -1036,7 +1082,7 @@
     </p:spTree>
     <p:extLst>
       <p:ext uri="{BB962C8B-B14F-4D97-AF65-F5344CB8AC3E}">
-        <p14:creationId xmlns:p14="http://schemas.microsoft.com/office/powerpoint/2010/main" val="2283586298"/>
+        <p14:creationId xmlns:p14="http://schemas.microsoft.com/office/powerpoint/2010/main" val="2116338273"/>
       </p:ext>
     </p:extLst>
   </p:cSld>
@@ -1111,7 +1157,7 @@
           <a:p>
             <a:fld id="{6A641EC8-C9F8-4A58-A1A7-F7D817526EEC}" type="slidenum">
               <a:rPr lang="en-GB" smtClean="0"/>
-              <a:t>4</a:t>
+              <a:t>3</a:t>
             </a:fld>
             <a:endParaRPr lang="en-GB"/>
           </a:p>
@@ -1120,7 +1166,7 @@
     </p:spTree>
     <p:extLst>
       <p:ext uri="{BB962C8B-B14F-4D97-AF65-F5344CB8AC3E}">
-        <p14:creationId xmlns:p14="http://schemas.microsoft.com/office/powerpoint/2010/main" val="4146208164"/>
+        <p14:creationId xmlns:p14="http://schemas.microsoft.com/office/powerpoint/2010/main" val="2283586298"/>
       </p:ext>
     </p:extLst>
   </p:cSld>
@@ -1195,6 +1241,90 @@
           <a:p>
             <a:fld id="{6A641EC8-C9F8-4A58-A1A7-F7D817526EEC}" type="slidenum">
               <a:rPr lang="en-GB" smtClean="0"/>
+              <a:t>4</a:t>
+            </a:fld>
+            <a:endParaRPr lang="en-GB"/>
+          </a:p>
+        </p:txBody>
+      </p:sp>
+    </p:spTree>
+    <p:extLst>
+      <p:ext uri="{BB962C8B-B14F-4D97-AF65-F5344CB8AC3E}">
+        <p14:creationId xmlns:p14="http://schemas.microsoft.com/office/powerpoint/2010/main" val="4146208164"/>
+      </p:ext>
+    </p:extLst>
+  </p:cSld>
+  <p:clrMapOvr>
+    <a:masterClrMapping/>
+  </p:clrMapOvr>
+</p:notes>
+</file>
+
+<file path=ppt/notesSlides/notesSlide5.xml><?xml version="1.0" encoding="utf-8"?>
+<p:notes xmlns:a="http://schemas.openxmlformats.org/drawingml/2006/main" xmlns:r="http://schemas.openxmlformats.org/officeDocument/2006/relationships" xmlns:p="http://schemas.openxmlformats.org/presentationml/2006/main">
+  <p:cSld>
+    <p:spTree>
+      <p:nvGrpSpPr>
+        <p:cNvPr id="1" name=""/>
+        <p:cNvGrpSpPr/>
+        <p:nvPr/>
+      </p:nvGrpSpPr>
+      <p:grpSpPr>
+        <a:xfrm>
+          <a:off x="0" y="0"/>
+          <a:ext cx="0" cy="0"/>
+          <a:chOff x="0" y="0"/>
+          <a:chExt cx="0" cy="0"/>
+        </a:xfrm>
+      </p:grpSpPr>
+      <p:sp>
+        <p:nvSpPr>
+          <p:cNvPr id="2" name="Slide Image Placeholder 1"/>
+          <p:cNvSpPr>
+            <a:spLocks noGrp="1" noRot="1" noChangeAspect="1"/>
+          </p:cNvSpPr>
+          <p:nvPr>
+            <p:ph type="sldImg"/>
+          </p:nvPr>
+        </p:nvSpPr>
+        <p:spPr/>
+      </p:sp>
+      <p:sp>
+        <p:nvSpPr>
+          <p:cNvPr id="3" name="Notes Placeholder 2"/>
+          <p:cNvSpPr>
+            <a:spLocks noGrp="1"/>
+          </p:cNvSpPr>
+          <p:nvPr>
+            <p:ph type="body" idx="1"/>
+          </p:nvPr>
+        </p:nvSpPr>
+        <p:spPr/>
+        <p:txBody>
+          <a:bodyPr/>
+          <a:lstStyle/>
+          <a:p>
+            <a:endParaRPr lang="en-GB" dirty="0"/>
+          </a:p>
+        </p:txBody>
+      </p:sp>
+      <p:sp>
+        <p:nvSpPr>
+          <p:cNvPr id="4" name="Slide Number Placeholder 3"/>
+          <p:cNvSpPr>
+            <a:spLocks noGrp="1"/>
+          </p:cNvSpPr>
+          <p:nvPr>
+            <p:ph type="sldNum" sz="quarter" idx="10"/>
+          </p:nvPr>
+        </p:nvSpPr>
+        <p:spPr/>
+        <p:txBody>
+          <a:bodyPr/>
+          <a:lstStyle/>
+          <a:p>
+            <a:fld id="{6A641EC8-C9F8-4A58-A1A7-F7D817526EEC}" type="slidenum">
+              <a:rPr lang="en-GB" smtClean="0"/>
               <a:t>5</a:t>
             </a:fld>
             <a:endParaRPr lang="en-GB"/>
@@ -1214,7 +1344,7 @@
 </p:notes>
 </file>
 
-<file path=ppt/notesSlides/notesSlide5.xml><?xml version="1.0" encoding="utf-8"?>
+<file path=ppt/notesSlides/notesSlide6.xml><?xml version="1.0" encoding="utf-8"?>
 <p:notes xmlns:a="http://schemas.openxmlformats.org/drawingml/2006/main" xmlns:r="http://schemas.openxmlformats.org/officeDocument/2006/relationships" xmlns:p="http://schemas.openxmlformats.org/presentationml/2006/main">
   <p:cSld>
     <p:spTree>
@@ -1824,7 +1954,7 @@
           <a:p>
             <a:fld id="{EB0080F8-EA1C-491D-963C-2C881B2F918F}" type="datetimeFigureOut">
               <a:rPr lang="en-GB" smtClean="0"/>
-              <a:t>10/10/2022</a:t>
+              <a:t>24/02/2023</a:t>
             </a:fld>
             <a:endParaRPr lang="en-GB"/>
           </a:p>
@@ -1974,7 +2104,7 @@
           <a:p>
             <a:fld id="{EB0080F8-EA1C-491D-963C-2C881B2F918F}" type="datetimeFigureOut">
               <a:rPr lang="en-GB" smtClean="0"/>
-              <a:t>10/10/2022</a:t>
+              <a:t>24/02/2023</a:t>
             </a:fld>
             <a:endParaRPr lang="en-GB"/>
           </a:p>
@@ -3507,7 +3637,7 @@
           <a:p>
             <a:fld id="{EB0080F8-EA1C-491D-963C-2C881B2F918F}" type="datetimeFigureOut">
               <a:rPr lang="en-GB" smtClean="0"/>
-              <a:t>10/10/2022</a:t>
+              <a:t>24/02/2023</a:t>
             </a:fld>
             <a:endParaRPr lang="en-GB"/>
           </a:p>
@@ -4075,12 +4205,12 @@
               </a:rPr>
             </a:br>
             <a:r>
-              <a:rPr lang="en-GB" sz="2800">
+              <a:rPr lang="en-GB" sz="2800" dirty="0">
                 <a:effectLst/>
                 <a:ea typeface="Times New Roman" panose="02020603050405020304" pitchFamily="18" charset="0"/>
                 <a:cs typeface="Calibri" panose="020F0502020204030204" pitchFamily="34" charset="0"/>
               </a:rPr>
-              <a:t>If you are not a Postgraduate Research student and didn’t book via Inkpath, your attendance will be marked on a separate database.</a:t>
+              <a:t>If you are a Postgraduate Research student, this is required for receiving your Graduate School credit for this course.</a:t>
             </a:r>
             <a:endParaRPr lang="en-GB" sz="2800" dirty="0"/>
           </a:p>
@@ -4126,7 +4256,7 @@
     </p:spTree>
     <p:extLst>
       <p:ext uri="{BB962C8B-B14F-4D97-AF65-F5344CB8AC3E}">
-        <p14:creationId xmlns:p14="http://schemas.microsoft.com/office/powerpoint/2010/main" val="3686223621"/>
+        <p14:creationId xmlns:p14="http://schemas.microsoft.com/office/powerpoint/2010/main" val="3550779426"/>
       </p:ext>
     </p:extLst>
   </p:cSld>

--- a/Proifling and Optimisation in Python Slides.pptx
+++ b/Proifling and Optimisation in Python Slides.pptx
@@ -151,16 +151,32 @@
 </p:presentation>
 </file>
 
-<file path=ppt/revisionInfo.xml><?xml version="1.0" encoding="utf-8"?>
-<p1510:revInfo xmlns:a="http://schemas.openxmlformats.org/drawingml/2006/main" xmlns:r="http://schemas.openxmlformats.org/officeDocument/2006/relationships" xmlns:p1510="http://schemas.microsoft.com/office/powerpoint/2015/10/main">
-  <p1510:revLst>
-    <p1510:client id="{548292A9-5DCE-4A26-84C1-B8CD68794E78}" v="1" dt="2023-02-24T16:45:02.326"/>
-  </p1510:revLst>
-</p1510:revInfo>
-</file>
-
 <file path=ppt/changesInfos/changesInfo1.xml><?xml version="1.0" encoding="utf-8"?>
 <pc:chgInfo xmlns:a="http://schemas.openxmlformats.org/drawingml/2006/main" xmlns:r="http://schemas.openxmlformats.org/officeDocument/2006/relationships" xmlns:ac="http://schemas.microsoft.com/office/drawing/2013/main/command" xmlns:pc="http://schemas.microsoft.com/office/powerpoint/2013/main/command">
+  <pc:docChgLst>
+    <pc:chgData name="Cooling, Chris" userId="6dcf99c9-2ba5-410a-8445-0893a3d1421f" providerId="ADAL" clId="{6343E91A-2EBD-4218-8431-D8256E5200C2}"/>
+    <pc:docChg chg="modSld">
+      <pc:chgData name="Cooling, Chris" userId="6dcf99c9-2ba5-410a-8445-0893a3d1421f" providerId="ADAL" clId="{6343E91A-2EBD-4218-8431-D8256E5200C2}" dt="2023-11-03T15:59:08.232" v="0"/>
+      <pc:docMkLst>
+        <pc:docMk/>
+      </pc:docMkLst>
+      <pc:sldChg chg="modSp mod">
+        <pc:chgData name="Cooling, Chris" userId="6dcf99c9-2ba5-410a-8445-0893a3d1421f" providerId="ADAL" clId="{6343E91A-2EBD-4218-8431-D8256E5200C2}" dt="2023-11-03T15:59:08.232" v="0"/>
+        <pc:sldMkLst>
+          <pc:docMk/>
+          <pc:sldMk cId="466020703" sldId="335"/>
+        </pc:sldMkLst>
+        <pc:spChg chg="mod">
+          <ac:chgData name="Cooling, Chris" userId="6dcf99c9-2ba5-410a-8445-0893a3d1421f" providerId="ADAL" clId="{6343E91A-2EBD-4218-8431-D8256E5200C2}" dt="2023-11-03T15:59:08.232" v="0"/>
+          <ac:spMkLst>
+            <pc:docMk/>
+            <pc:sldMk cId="466020703" sldId="335"/>
+            <ac:spMk id="3" creationId="{00000000-0000-0000-0000-000000000000}"/>
+          </ac:spMkLst>
+        </pc:spChg>
+      </pc:sldChg>
+    </pc:docChg>
+  </pc:docChgLst>
   <pc:docChgLst>
     <pc:chgData name="Cooling, Chris" userId="6dcf99c9-2ba5-410a-8445-0893a3d1421f" providerId="ADAL" clId="{548292A9-5DCE-4A26-84C1-B8CD68794E78}"/>
     <pc:docChg chg="addSld delSld modSld modSection">
@@ -466,7 +482,7 @@
           <a:p>
             <a:fld id="{88EB714B-C3CC-4216-88C1-02913905B1CF}" type="datetimeFigureOut">
               <a:rPr lang="en-GB" smtClean="0"/>
-              <a:t>24/02/2023</a:t>
+              <a:t>03/11/2023</a:t>
             </a:fld>
             <a:endParaRPr lang="en-GB"/>
           </a:p>
@@ -1954,7 +1970,7 @@
           <a:p>
             <a:fld id="{EB0080F8-EA1C-491D-963C-2C881B2F918F}" type="datetimeFigureOut">
               <a:rPr lang="en-GB" smtClean="0"/>
-              <a:t>24/02/2023</a:t>
+              <a:t>03/11/2023</a:t>
             </a:fld>
             <a:endParaRPr lang="en-GB"/>
           </a:p>
@@ -2104,7 +2120,7 @@
           <a:p>
             <a:fld id="{EB0080F8-EA1C-491D-963C-2C881B2F918F}" type="datetimeFigureOut">
               <a:rPr lang="en-GB" smtClean="0"/>
-              <a:t>24/02/2023</a:t>
+              <a:t>03/11/2023</a:t>
             </a:fld>
             <a:endParaRPr lang="en-GB"/>
           </a:p>
@@ -3637,7 +3653,7 @@
           <a:p>
             <a:fld id="{EB0080F8-EA1C-491D-963C-2C881B2F918F}" type="datetimeFigureOut">
               <a:rPr lang="en-GB" smtClean="0"/>
-              <a:t>24/02/2023</a:t>
+              <a:t>03/11/2023</a:t>
             </a:fld>
             <a:endParaRPr lang="en-GB"/>
           </a:p>
@@ -4680,21 +4696,38 @@
             <a:pPr lvl="1"/>
             <a:r>
               <a:rPr lang="en-GB" sz="2600" dirty="0"/>
-              <a:t>The link is </a:t>
-            </a:r>
-            <a:r>
-              <a:rPr lang="en-GB" sz="2600" dirty="0">
+              <a:t>The link </a:t>
+            </a:r>
+            <a:r>
+              <a:rPr lang="en-GB" sz="2600"/>
+              <a:t>is </a:t>
+            </a:r>
+            <a:r>
+              <a:rPr lang="en-GB" sz="2600" b="0" i="0" u="sng">
+                <a:solidFill>
+                  <a:srgbClr val="0563C1"/>
+                </a:solidFill>
+                <a:effectLst/>
                 <a:hlinkClick r:id="rId4"/>
               </a:rPr>
-              <a:t>https://tinyurl.com/rcds2022-23</a:t>
-            </a:r>
-            <a:endParaRPr lang="en-GB" sz="2600" dirty="0"/>
+              <a:t>https://tinyurl.com/feedback-rcds</a:t>
+            </a:r>
+            <a:endParaRPr lang="en-GB" sz="2600" b="0" i="0" u="sng">
+              <a:solidFill>
+                <a:srgbClr val="0563C1"/>
+              </a:solidFill>
+              <a:effectLst/>
+            </a:endParaRPr>
           </a:p>
           <a:p>
             <a:pPr lvl="1"/>
             <a:r>
+              <a:rPr lang="en-GB" sz="2600"/>
+              <a:t>You </a:t>
+            </a:r>
+            <a:r>
               <a:rPr lang="en-GB" sz="2600" dirty="0"/>
-              <a:t>You should also have received an email with this link</a:t>
+              <a:t>should also have received an email with this link</a:t>
             </a:r>
           </a:p>
           <a:p>

--- a/Proifling and Optimisation in Python Slides.pptx
+++ b/Proifling and Optimisation in Python Slides.pptx
@@ -139,7 +139,7 @@
 <file path=ppt/revisionInfo.xml><?xml version="1.0" encoding="utf-8"?>
 <p1510:revInfo xmlns:a="http://schemas.openxmlformats.org/drawingml/2006/main" xmlns:r="http://schemas.openxmlformats.org/officeDocument/2006/relationships" xmlns:p1510="http://schemas.microsoft.com/office/powerpoint/2015/10/main">
   <p1510:revLst>
-    <p1510:client id="{C2F9924A-84FC-4DC7-84BD-E956D321B824}" v="9" dt="2024-11-11T15:05:28.195"/>
+    <p1510:client id="{C2F9924A-84FC-4DC7-84BD-E956D321B824}" v="11" dt="2024-11-14T09:20:03.893"/>
   </p1510:revLst>
 </p1510:revInfo>
 </file>
@@ -300,7 +300,7 @@
           <a:p>
             <a:fld id="{D2E0D2A8-8F95-47C2-ABE1-A779F5A43C98}" type="datetimeFigureOut">
               <a:rPr lang="en-US" smtClean="0"/>
-              <a:t>11/11/2024</a:t>
+              <a:t>11/12/2024</a:t>
             </a:fld>
             <a:endParaRPr lang="en-US"/>
           </a:p>
@@ -1294,7 +1294,7 @@
           <a:p>
             <a:fld id="{144556B2-9E7B-4DD1-B53F-BB328EB36A1F}" type="datetime1">
               <a:rPr lang="en-GB" smtClean="0"/>
-              <a:t>11/11/2024</a:t>
+              <a:t>12/11/2024</a:t>
             </a:fld>
             <a:endParaRPr lang="en-GB"/>
           </a:p>
@@ -1620,7 +1620,7 @@
           <a:p>
             <a:fld id="{906C2A8C-F90B-4C12-AADA-247BEB926B15}" type="datetime1">
               <a:rPr lang="en-GB" smtClean="0"/>
-              <a:t>11/11/2024</a:t>
+              <a:t>12/11/2024</a:t>
             </a:fld>
             <a:endParaRPr lang="en-GB"/>
           </a:p>
@@ -1948,7 +1948,7 @@
           <a:p>
             <a:fld id="{21752478-8F6C-4F13-8BA1-32C720EA751C}" type="datetime1">
               <a:rPr lang="en-GB" smtClean="0"/>
-              <a:t>11/11/2024</a:t>
+              <a:t>12/11/2024</a:t>
             </a:fld>
             <a:endParaRPr lang="en-GB"/>
           </a:p>
@@ -2324,7 +2324,7 @@
           <a:p>
             <a:fld id="{8FE32413-1876-4628-B0D5-C346ECACF472}" type="datetime1">
               <a:rPr lang="en-GB" smtClean="0"/>
-              <a:t>11/11/2024</a:t>
+              <a:t>12/11/2024</a:t>
             </a:fld>
             <a:endParaRPr lang="en-GB"/>
           </a:p>
@@ -2708,7 +2708,7 @@
           <a:p>
             <a:fld id="{1C9FEF1C-5E68-4FB8-AFE3-BC8A29D5EBF6}" type="datetime1">
               <a:rPr lang="en-GB" smtClean="0"/>
-              <a:t>11/11/2024</a:t>
+              <a:t>12/11/2024</a:t>
             </a:fld>
             <a:endParaRPr lang="en-GB"/>
           </a:p>
@@ -3094,7 +3094,7 @@
           <a:p>
             <a:fld id="{9859795F-3540-4CC9-A192-70D4583AC46E}" type="datetime1">
               <a:rPr lang="en-GB" smtClean="0"/>
-              <a:t>11/11/2024</a:t>
+              <a:t>12/11/2024</a:t>
             </a:fld>
             <a:endParaRPr lang="en-GB"/>
           </a:p>
@@ -3322,7 +3322,7 @@
           <a:p>
             <a:fld id="{75872C1E-CC1E-4E8A-A314-98659A61041E}" type="datetime1">
               <a:rPr lang="en-GB" smtClean="0"/>
-              <a:t>11/11/2024</a:t>
+              <a:t>12/11/2024</a:t>
             </a:fld>
             <a:endParaRPr lang="en-GB"/>
           </a:p>
@@ -3820,7 +3820,7 @@
           <a:p>
             <a:fld id="{1E40D540-E981-4608-9A77-55650E032376}" type="datetime1">
               <a:rPr lang="en-GB" smtClean="0"/>
-              <a:t>11/11/2024</a:t>
+              <a:t>12/11/2024</a:t>
             </a:fld>
             <a:endParaRPr lang="en-GB"/>
           </a:p>
@@ -4320,7 +4320,7 @@
           <a:p>
             <a:fld id="{AA7781DD-725D-4685-A585-2BC5DC856066}" type="datetime1">
               <a:rPr lang="en-GB" smtClean="0"/>
-              <a:t>11/11/2024</a:t>
+              <a:t>12/11/2024</a:t>
             </a:fld>
             <a:endParaRPr lang="en-GB"/>
           </a:p>
@@ -4810,7 +4810,7 @@
           <a:p>
             <a:fld id="{D76E72CE-B9B3-4FBD-9701-E7554343598F}" type="datetime1">
               <a:rPr lang="en-GB" smtClean="0"/>
-              <a:t>11/11/2024</a:t>
+              <a:t>12/11/2024</a:t>
             </a:fld>
             <a:endParaRPr lang="en-GB"/>
           </a:p>
@@ -5621,7 +5621,7 @@
           <a:p>
             <a:fld id="{011F2B13-1A41-47C3-AC4E-67D21CB34247}" type="datetime1">
               <a:rPr lang="en-GB" smtClean="0"/>
-              <a:t>11/11/2024</a:t>
+              <a:t>12/11/2024</a:t>
             </a:fld>
             <a:endParaRPr lang="en-GB"/>
           </a:p>
@@ -6238,7 +6238,7 @@
           <a:p>
             <a:fld id="{C254FBEC-7281-43CD-851C-F86929741A10}" type="datetime1">
               <a:rPr lang="en-GB" smtClean="0"/>
-              <a:t>11/11/2024</a:t>
+              <a:t>12/11/2024</a:t>
             </a:fld>
             <a:endParaRPr lang="en-GB"/>
           </a:p>
@@ -6858,7 +6858,7 @@
           <a:p>
             <a:fld id="{D1ED752B-5523-4036-A789-A22ED8DD1B5C}" type="datetime1">
               <a:rPr lang="en-GB" smtClean="0"/>
-              <a:t>11/11/2024</a:t>
+              <a:t>12/11/2024</a:t>
             </a:fld>
             <a:endParaRPr lang="en-GB"/>
           </a:p>
@@ -7029,7 +7029,7 @@
           <a:p>
             <a:fld id="{7E279D85-BDED-42AD-A643-8D6E061634CD}" type="datetime1">
               <a:rPr lang="en-GB" smtClean="0"/>
-              <a:t>11/11/2024</a:t>
+              <a:t>12/11/2024</a:t>
             </a:fld>
             <a:endParaRPr lang="en-GB"/>
           </a:p>
@@ -7202,7 +7202,7 @@
           <a:p>
             <a:fld id="{1EE8784A-32A8-4354-A076-C6BE94AC474E}" type="datetime1">
               <a:rPr lang="en-GB" smtClean="0"/>
-              <a:t>11/11/2024</a:t>
+              <a:t>12/11/2024</a:t>
             </a:fld>
             <a:endParaRPr lang="en-GB"/>
           </a:p>
@@ -7381,7 +7381,7 @@
           <a:p>
             <a:fld id="{383AAFB6-FC82-4A75-8FDF-4734E69327DA}" type="datetime1">
               <a:rPr lang="en-GB" smtClean="0"/>
-              <a:t>11/11/2024</a:t>
+              <a:t>12/11/2024</a:t>
             </a:fld>
             <a:endParaRPr lang="en-GB" dirty="0"/>
           </a:p>
@@ -7575,7 +7575,7 @@
           <a:p>
             <a:fld id="{E914710D-BE75-418E-ABBB-45878B67AD44}" type="datetime1">
               <a:rPr lang="en-GB" smtClean="0"/>
-              <a:t>11/11/2024</a:t>
+              <a:t>12/11/2024</a:t>
             </a:fld>
             <a:endParaRPr lang="en-GB" dirty="0"/>
           </a:p>
@@ -7855,7 +7855,7 @@
           <a:p>
             <a:fld id="{8060A021-78E8-47A4-A73E-2B2314128FBE}" type="datetime1">
               <a:rPr lang="en-GB" smtClean="0"/>
-              <a:t>11/11/2024</a:t>
+              <a:t>12/11/2024</a:t>
             </a:fld>
             <a:endParaRPr lang="en-GB" dirty="0"/>
           </a:p>
@@ -8136,7 +8136,7 @@
           <a:p>
             <a:fld id="{75B5695D-4178-4673-A4FE-7EAAD1B1708B}" type="datetime1">
               <a:rPr lang="en-GB" smtClean="0"/>
-              <a:t>11/11/2024</a:t>
+              <a:t>12/11/2024</a:t>
             </a:fld>
             <a:endParaRPr lang="en-GB" dirty="0"/>
           </a:p>
@@ -8416,7 +8416,7 @@
           <a:p>
             <a:fld id="{3C143D9A-8FB5-48FD-83A8-562C329F7858}" type="datetime1">
               <a:rPr lang="en-GB" smtClean="0"/>
-              <a:t>11/11/2024</a:t>
+              <a:t>12/11/2024</a:t>
             </a:fld>
             <a:endParaRPr lang="en-GB" dirty="0"/>
           </a:p>
@@ -8892,7 +8892,7 @@
           <a:p>
             <a:fld id="{62E00602-F867-4515-8B76-3C9CF9AA0EF5}" type="datetime1">
               <a:rPr lang="en-GB" smtClean="0"/>
-              <a:t>11/11/2024</a:t>
+              <a:t>12/11/2024</a:t>
             </a:fld>
             <a:endParaRPr lang="en-GB" dirty="0"/>
           </a:p>
@@ -9172,7 +9172,7 @@
           <a:p>
             <a:fld id="{380A48BA-6237-4BFF-8262-3D37E24BED8E}" type="datetime1">
               <a:rPr lang="en-GB" smtClean="0"/>
-              <a:t>11/11/2024</a:t>
+              <a:t>12/11/2024</a:t>
             </a:fld>
             <a:endParaRPr lang="en-GB" dirty="0"/>
           </a:p>
@@ -9452,7 +9452,7 @@
           <a:p>
             <a:fld id="{EB7350C9-1920-4F55-A8D4-58185D2A1D95}" type="datetime1">
               <a:rPr lang="en-GB" smtClean="0"/>
-              <a:t>11/11/2024</a:t>
+              <a:t>12/11/2024</a:t>
             </a:fld>
             <a:endParaRPr lang="en-GB" dirty="0"/>
           </a:p>
@@ -9716,7 +9716,7 @@
           <a:p>
             <a:fld id="{C1415A19-BB42-4FDD-B81B-0CBA36493BD3}" type="datetime1">
               <a:rPr lang="en-GB" smtClean="0"/>
-              <a:t>11/11/2024</a:t>
+              <a:t>12/11/2024</a:t>
             </a:fld>
             <a:endParaRPr lang="en-GB"/>
           </a:p>
@@ -10104,7 +10104,7 @@
           <a:p>
             <a:fld id="{33790C23-6829-4C40-BA6B-29852F5E68AC}" type="datetime1">
               <a:rPr lang="en-GB" smtClean="0"/>
-              <a:t>11/11/2024</a:t>
+              <a:t>12/11/2024</a:t>
             </a:fld>
             <a:endParaRPr lang="en-GB"/>
           </a:p>
@@ -10486,7 +10486,7 @@
           <a:p>
             <a:fld id="{9DB28AEA-3C8F-49D3-8B33-71DC80046E19}" type="datetime1">
               <a:rPr lang="en-GB" smtClean="0"/>
-              <a:t>11/11/2024</a:t>
+              <a:t>12/11/2024</a:t>
             </a:fld>
             <a:endParaRPr lang="en-GB"/>
           </a:p>
@@ -10858,7 +10858,7 @@
           <a:p>
             <a:fld id="{95A7733A-4A95-4DEE-962A-AED74667DF75}" type="datetime1">
               <a:rPr lang="en-GB" smtClean="0"/>
-              <a:t>11/11/2024</a:t>
+              <a:t>12/11/2024</a:t>
             </a:fld>
             <a:endParaRPr lang="en-GB"/>
           </a:p>
@@ -11265,7 +11265,7 @@
           <a:p>
             <a:fld id="{271C05C5-A3F6-4086-8481-A17A3A41755B}" type="datetime1">
               <a:rPr lang="en-GB" smtClean="0"/>
-              <a:t>11/11/2024</a:t>
+              <a:t>12/11/2024</a:t>
             </a:fld>
             <a:endParaRPr lang="en-GB"/>
           </a:p>
@@ -11674,7 +11674,7 @@
           <a:p>
             <a:fld id="{14886266-2C97-40F5-912B-07D12A130812}" type="datetime1">
               <a:rPr lang="en-GB" smtClean="0"/>
-              <a:t>11/11/2024</a:t>
+              <a:t>12/11/2024</a:t>
             </a:fld>
             <a:endParaRPr lang="en-GB"/>
           </a:p>
@@ -12073,7 +12073,7 @@
           <a:p>
             <a:fld id="{8BF87A05-28A2-4D5C-9314-4E24310DC8C5}" type="datetime1">
               <a:rPr lang="en-GB" smtClean="0"/>
-              <a:t>11/11/2024</a:t>
+              <a:t>12/11/2024</a:t>
             </a:fld>
             <a:endParaRPr lang="en-GB"/>
           </a:p>
@@ -12871,7 +12871,7 @@
           <a:p>
             <a:fld id="{0C9FB247-0CD0-490C-8985-7FA25D828C39}" type="datetime1">
               <a:rPr lang="en-GB" smtClean="0"/>
-              <a:t>11/11/2024</a:t>
+              <a:t>12/11/2024</a:t>
             </a:fld>
             <a:endParaRPr lang="en-GB"/>
           </a:p>
@@ -13475,7 +13475,7 @@
           <a:p>
             <a:fld id="{B9447BCD-73D3-4074-8F89-A63EBDAB5392}" type="datetime1">
               <a:rPr lang="en-GB" smtClean="0"/>
-              <a:t>11/11/2024</a:t>
+              <a:t>12/11/2024</a:t>
             </a:fld>
             <a:endParaRPr lang="en-GB"/>
           </a:p>
@@ -14069,7 +14069,7 @@
           <a:p>
             <a:fld id="{E21CF59D-EA4F-4257-B0EF-67EAAE11D561}" type="datetime1">
               <a:rPr lang="en-GB" smtClean="0"/>
-              <a:t>11/11/2024</a:t>
+              <a:t>12/11/2024</a:t>
             </a:fld>
             <a:endParaRPr lang="en-GB"/>
           </a:p>
@@ -14406,7 +14406,7 @@
           <a:p>
             <a:fld id="{486A662D-656A-469D-A081-72B4336EA861}" type="datetime1">
               <a:rPr lang="en-GB" smtClean="0"/>
-              <a:t>11/11/2024</a:t>
+              <a:t>12/11/2024</a:t>
             </a:fld>
             <a:endParaRPr lang="en-GB"/>
           </a:p>
@@ -14745,7 +14745,7 @@
           <a:p>
             <a:fld id="{5F0B848B-AEA3-4E1A-BA23-5322A0E3AB28}" type="datetime1">
               <a:rPr lang="en-GB" smtClean="0"/>
-              <a:t>11/11/2024</a:t>
+              <a:t>12/11/2024</a:t>
             </a:fld>
             <a:endParaRPr lang="en-GB"/>
           </a:p>
@@ -15074,7 +15074,7 @@
           <a:p>
             <a:fld id="{5E457192-AE0E-4DF4-B16D-BB35B6DA78DE}" type="datetime1">
               <a:rPr lang="en-GB" smtClean="0"/>
-              <a:t>11/11/2024</a:t>
+              <a:t>12/11/2024</a:t>
             </a:fld>
             <a:endParaRPr lang="en-GB"/>
           </a:p>
@@ -15411,7 +15411,7 @@
           <a:p>
             <a:fld id="{7EABDF07-61C4-42D9-8509-3F72B6359C53}" type="datetime1">
               <a:rPr lang="en-GB" smtClean="0"/>
-              <a:t>11/11/2024</a:t>
+              <a:t>12/11/2024</a:t>
             </a:fld>
             <a:endParaRPr lang="en-GB"/>
           </a:p>
@@ -15750,7 +15750,7 @@
           <a:p>
             <a:fld id="{BEFD1FC1-8A37-40E2-9C66-80F7ED708F45}" type="datetime1">
               <a:rPr lang="en-GB" smtClean="0"/>
-              <a:t>11/11/2024</a:t>
+              <a:t>12/11/2024</a:t>
             </a:fld>
             <a:endParaRPr lang="en-GB"/>
           </a:p>
@@ -16079,7 +16079,7 @@
           <a:p>
             <a:fld id="{B30B8B7E-2DF8-4625-8F01-E5E060B907D1}" type="datetime1">
               <a:rPr lang="en-GB" smtClean="0"/>
-              <a:t>11/11/2024</a:t>
+              <a:t>12/11/2024</a:t>
             </a:fld>
             <a:endParaRPr lang="en-GB"/>
           </a:p>
@@ -16317,7 +16317,7 @@
           <a:p>
             <a:fld id="{5D89B4C9-A314-4F5C-98E0-402B29B15E15}" type="datetime1">
               <a:rPr lang="en-GB" smtClean="0"/>
-              <a:t>11/11/2024</a:t>
+              <a:t>12/11/2024</a:t>
             </a:fld>
             <a:endParaRPr lang="en-GB"/>
           </a:p>
@@ -16753,7 +16753,7 @@
           <a:p>
             <a:fld id="{3F45AF60-822B-410F-B197-E75F6DF60431}" type="datetime1">
               <a:rPr lang="en-GB" smtClean="0"/>
-              <a:t>11/11/2024</a:t>
+              <a:t>12/11/2024</a:t>
             </a:fld>
             <a:endParaRPr lang="en-GB"/>
           </a:p>
@@ -17291,7 +17291,7 @@
           <a:p>
             <a:fld id="{7D467740-3B8F-41A3-8EA5-B8534F13C3B3}" type="datetime1">
               <a:rPr lang="en-GB" smtClean="0"/>
-              <a:t>11/11/2024</a:t>
+              <a:t>12/11/2024</a:t>
             </a:fld>
             <a:endParaRPr lang="en-GB"/>
           </a:p>
@@ -17570,7 +17570,7 @@
           <a:p>
             <a:fld id="{79B30FC3-1846-4B2D-82D3-2C756BE81694}" type="datetime1">
               <a:rPr lang="en-GB" smtClean="0"/>
-              <a:t>11/11/2024</a:t>
+              <a:t>12/11/2024</a:t>
             </a:fld>
             <a:endParaRPr lang="en-GB"/>
           </a:p>
@@ -17855,7 +17855,7 @@
           <a:p>
             <a:fld id="{5F205A5F-52AF-4AB3-B9BB-AD7956A299A1}" type="datetime1">
               <a:rPr lang="en-GB" smtClean="0"/>
-              <a:t>11/11/2024</a:t>
+              <a:t>12/11/2024</a:t>
             </a:fld>
             <a:endParaRPr lang="en-GB"/>
           </a:p>
@@ -18148,7 +18148,7 @@
           <a:p>
             <a:fld id="{99E6DF59-4026-4993-9254-8E1AEBF6802D}" type="datetime1">
               <a:rPr lang="en-GB" smtClean="0"/>
-              <a:t>11/11/2024</a:t>
+              <a:t>12/11/2024</a:t>
             </a:fld>
             <a:endParaRPr lang="en-GB"/>
           </a:p>
@@ -18565,7 +18565,7 @@
           <a:p>
             <a:fld id="{A34CE715-D1A7-49CE-972D-F2AE35069195}" type="datetime1">
               <a:rPr lang="en-GB" smtClean="0"/>
-              <a:t>11/11/2024</a:t>
+              <a:t>12/11/2024</a:t>
             </a:fld>
             <a:endParaRPr lang="en-GB" dirty="0"/>
           </a:p>
@@ -19353,7 +19353,7 @@
           <a:p>
             <a:fld id="{A6B0798C-C737-427A-8621-7CD88B6BE285}" type="datetime1">
               <a:rPr lang="en-GB" smtClean="0"/>
-              <a:t>11/11/2024</a:t>
+              <a:t>12/11/2024</a:t>
             </a:fld>
             <a:endParaRPr lang="en-GB"/>
           </a:p>
@@ -19605,7 +19605,7 @@
           <a:p>
             <a:fld id="{F3D28C7B-1560-4AC5-A729-2BF07782DDF5}" type="datetime1">
               <a:rPr lang="en-GB" smtClean="0"/>
-              <a:t>11/11/2024</a:t>
+              <a:t>12/11/2024</a:t>
             </a:fld>
             <a:endParaRPr lang="en-GB"/>
           </a:p>
@@ -19951,7 +19951,7 @@
           <a:p>
             <a:fld id="{B7813F7E-A2E2-45C6-9A08-61CC46C144DA}" type="datetime1">
               <a:rPr lang="en-GB" smtClean="0"/>
-              <a:t>11/11/2024</a:t>
+              <a:t>12/11/2024</a:t>
             </a:fld>
             <a:endParaRPr lang="en-GB"/>
           </a:p>
@@ -20121,7 +20121,7 @@
           <a:p>
             <a:fld id="{6B47E44B-A582-45D4-96C1-2E005F574EF9}" type="datetime1">
               <a:rPr lang="en-GB" smtClean="0"/>
-              <a:t>11/11/2024</a:t>
+              <a:t>12/11/2024</a:t>
             </a:fld>
             <a:endParaRPr lang="en-GB"/>
           </a:p>
@@ -20315,77 +20315,81 @@
           <a:p>
             <a:pPr marL="504891" lvl="2" indent="-342900"/>
             <a:r>
-              <a:rPr lang="en-GB" dirty="0"/>
-              <a:t>Euler-Maruyama:</a:t>
-            </a:r>
-          </a:p>
-          <a:p>
-            <a:pPr marL="666884" lvl="3" indent="-342900"/>
-            <a:r>
-              <a:rPr lang="en-GB" dirty="0"/>
-              <a:t>Solves Stochastic Differential Equations in Python</a:t>
-            </a:r>
-          </a:p>
-          <a:p>
-            <a:pPr marL="666884" lvl="3" indent="-342900"/>
-            <a:r>
-              <a:rPr lang="en-GB" dirty="0"/>
-              <a:t>Includes a </a:t>
-            </a:r>
-            <a:r>
               <a:rPr lang="en-GB" dirty="0">
                 <a:hlinkClick r:id="rId7"/>
               </a:rPr>
-              <a:t>parallel implementation </a:t>
-            </a:r>
-            <a:r>
-              <a:rPr lang="en-GB" dirty="0"/>
-              <a:t>using </a:t>
-            </a:r>
-            <a:r>
-              <a:rPr lang="en-GB" dirty="0" err="1"/>
-              <a:t>joblib</a:t>
-            </a:r>
-            <a:endParaRPr lang="en-GB" dirty="0"/>
-          </a:p>
-          <a:p>
-            <a:pPr marL="504891" lvl="2" indent="-342900"/>
-            <a:r>
-              <a:rPr lang="en-GB" dirty="0"/>
-              <a:t>SPH Solvers for </a:t>
-            </a:r>
-            <a:r>
-              <a:rPr lang="en-GB"/>
-              <a:t>2D Navier-Stokes</a:t>
-            </a:r>
-            <a:endParaRPr lang="en-GB" dirty="0"/>
+              <a:t>Euler-Maruyama</a:t>
+            </a:r>
+            <a:r>
+              <a:rPr lang="en-GB" dirty="0"/>
+              <a:t>:</a:t>
+            </a:r>
           </a:p>
           <a:p>
             <a:pPr marL="666884" lvl="3" indent="-342900"/>
             <a:r>
               <a:rPr lang="en-GB" dirty="0"/>
-              <a:t>Solves fluid dynamics problems in C++</a:t>
+              <a:t>Solves Stochastic Differential Equations in Python</a:t>
             </a:r>
           </a:p>
           <a:p>
             <a:pPr marL="666884" lvl="3" indent="-342900"/>
             <a:r>
               <a:rPr lang="en-GB" dirty="0"/>
-              <a:t>Includes a discussion about </a:t>
+              <a:t>Includes a </a:t>
             </a:r>
             <a:r>
               <a:rPr lang="en-GB" dirty="0">
                 <a:hlinkClick r:id="rId8"/>
               </a:rPr>
-              <a:t>profiling</a:t>
-            </a:r>
-            <a:r>
-              <a:rPr lang="en-GB" dirty="0"/>
-              <a:t> and </a:t>
-            </a:r>
+              <a:t>parallel implementation </a:t>
+            </a:r>
+            <a:r>
+              <a:rPr lang="en-GB" dirty="0"/>
+              <a:t>using </a:t>
+            </a:r>
+            <a:r>
+              <a:rPr lang="en-GB" dirty="0" err="1"/>
+              <a:t>joblib</a:t>
+            </a:r>
+            <a:endParaRPr lang="en-GB" dirty="0"/>
+          </a:p>
+          <a:p>
+            <a:pPr marL="504891" lvl="2" indent="-342900"/>
             <a:r>
               <a:rPr lang="en-GB" dirty="0">
                 <a:hlinkClick r:id="rId9"/>
+              </a:rPr>
+              <a:t>SPH Solvers for 2D Navier-Stokes</a:t>
+            </a:r>
+            <a:endParaRPr lang="en-GB" dirty="0"/>
+          </a:p>
+          <a:p>
+            <a:pPr marL="666884" lvl="3" indent="-342900"/>
+            <a:r>
+              <a:rPr lang="en-GB" dirty="0"/>
+              <a:t>Solves fluid dynamics problems in C++</a:t>
+            </a:r>
+          </a:p>
+          <a:p>
+            <a:pPr marL="666884" lvl="3" indent="-342900"/>
+            <a:r>
+              <a:rPr lang="en-GB" dirty="0"/>
+              <a:t>Includes a discussion about </a:t>
+            </a:r>
+            <a:r>
+              <a:rPr lang="en-GB" dirty="0">
+                <a:hlinkClick r:id="rId10"/>
+              </a:rPr>
+              <a:t>profiling</a:t>
+            </a:r>
+            <a:r>
+              <a:rPr lang="en-GB" dirty="0"/>
+              <a:t> and </a:t>
+            </a:r>
+            <a:r>
+              <a:rPr lang="en-GB" dirty="0">
+                <a:hlinkClick r:id="rId11"/>
               </a:rPr>
               <a:t>optimisation</a:t>
             </a:r>
@@ -20488,7 +20492,7 @@
           <a:p>
             <a:fld id="{D8A4A9E9-BC15-4B2A-85BE-31A72AB693BC}" type="datetime1">
               <a:rPr lang="en-GB" smtClean="0"/>
-              <a:t>11/11/2024</a:t>
+              <a:t>12/11/2024</a:t>
             </a:fld>
             <a:endParaRPr lang="en-GB"/>
           </a:p>
